--- a/spring-2019/3/report/skandag_sumish_DRM_PPT.pptx
+++ b/spring-2019/3/report/skandag_sumish_DRM_PPT.pptx
@@ -1229,6 +1229,442 @@
       <dsp:cNvGrpSpPr/>
     </dsp:nvGrpSpPr>
     <dsp:grpSpPr/>
+    <dsp:sp modelId="{F876CFDF-1C88-1B4A-8E16-40571C14BD3D}">
+      <dsp:nvSpPr>
+        <dsp:cNvPr id="0" name=""/>
+        <dsp:cNvSpPr/>
+      </dsp:nvSpPr>
+      <dsp:spPr>
+        <a:xfrm>
+          <a:off x="0" y="0"/>
+          <a:ext cx="6116795" cy="0"/>
+        </a:xfrm>
+        <a:prstGeom prst="line">
+          <a:avLst/>
+        </a:prstGeom>
+        <a:solidFill>
+          <a:schemeClr val="accent2">
+            <a:hueOff val="0"/>
+            <a:satOff val="0"/>
+            <a:lumOff val="0"/>
+            <a:alphaOff val="0"/>
+          </a:schemeClr>
+        </a:solidFill>
+        <a:ln w="19050" cap="rnd" cmpd="sng" algn="ctr">
+          <a:solidFill>
+            <a:schemeClr val="accent2">
+              <a:hueOff val="0"/>
+              <a:satOff val="0"/>
+              <a:lumOff val="0"/>
+              <a:alphaOff val="0"/>
+            </a:schemeClr>
+          </a:solidFill>
+          <a:prstDash val="solid"/>
+        </a:ln>
+        <a:effectLst/>
+      </dsp:spPr>
+      <dsp:style>
+        <a:lnRef idx="2">
+          <a:scrgbClr r="0" g="0" b="0"/>
+        </a:lnRef>
+        <a:fillRef idx="1">
+          <a:scrgbClr r="0" g="0" b="0"/>
+        </a:fillRef>
+        <a:effectRef idx="0">
+          <a:scrgbClr r="0" g="0" b="0"/>
+        </a:effectRef>
+        <a:fontRef idx="minor">
+          <a:schemeClr val="lt1"/>
+        </a:fontRef>
+      </dsp:style>
+    </dsp:sp>
+    <dsp:sp modelId="{676C96C9-90EE-9A45-9BA6-5692FA3E3CFD}">
+      <dsp:nvSpPr>
+        <dsp:cNvPr id="0" name=""/>
+        <dsp:cNvSpPr/>
+      </dsp:nvSpPr>
+      <dsp:spPr>
+        <a:xfrm>
+          <a:off x="0" y="0"/>
+          <a:ext cx="6116795" cy="1232182"/>
+        </a:xfrm>
+        <a:prstGeom prst="rect">
+          <a:avLst/>
+        </a:prstGeom>
+        <a:noFill/>
+        <a:ln>
+          <a:noFill/>
+        </a:ln>
+        <a:effectLst/>
+      </dsp:spPr>
+      <dsp:style>
+        <a:lnRef idx="0">
+          <a:scrgbClr r="0" g="0" b="0"/>
+        </a:lnRef>
+        <a:fillRef idx="0">
+          <a:scrgbClr r="0" g="0" b="0"/>
+        </a:fillRef>
+        <a:effectRef idx="0">
+          <a:scrgbClr r="0" g="0" b="0"/>
+        </a:effectRef>
+        <a:fontRef idx="minor"/>
+      </dsp:style>
+      <dsp:txBody>
+        <a:bodyPr spcFirstLastPara="0" vert="horz" wrap="square" lIns="102870" tIns="102870" rIns="102870" bIns="102870" numCol="1" spcCol="1270" anchor="t" anchorCtr="0">
+          <a:noAutofit/>
+        </a:bodyPr>
+        <a:lstStyle/>
+        <a:p>
+          <a:pPr lvl="0" algn="l" defTabSz="1200150">
+            <a:lnSpc>
+              <a:spcPct val="90000"/>
+            </a:lnSpc>
+            <a:spcBef>
+              <a:spcPct val="0"/>
+            </a:spcBef>
+            <a:spcAft>
+              <a:spcPct val="35000"/>
+            </a:spcAft>
+          </a:pPr>
+          <a:r>
+            <a:rPr lang="en-US" sz="2700" b="0" i="0" kern="1200"/>
+            <a:t>Implementation of parallized forest using spark on multiple nodes. </a:t>
+          </a:r>
+          <a:endParaRPr lang="en-US" sz="2700" kern="1200"/>
+        </a:p>
+      </dsp:txBody>
+      <dsp:txXfrm>
+        <a:off x="0" y="0"/>
+        <a:ext cx="6116795" cy="1232182"/>
+      </dsp:txXfrm>
+    </dsp:sp>
+    <dsp:sp modelId="{EBDB7942-1E4A-4947-890C-D099C0E6E28C}">
+      <dsp:nvSpPr>
+        <dsp:cNvPr id="0" name=""/>
+        <dsp:cNvSpPr/>
+      </dsp:nvSpPr>
+      <dsp:spPr>
+        <a:xfrm>
+          <a:off x="0" y="1232181"/>
+          <a:ext cx="6116795" cy="0"/>
+        </a:xfrm>
+        <a:prstGeom prst="line">
+          <a:avLst/>
+        </a:prstGeom>
+        <a:solidFill>
+          <a:schemeClr val="accent2">
+            <a:hueOff val="-6588574"/>
+            <a:satOff val="300"/>
+            <a:lumOff val="0"/>
+            <a:alphaOff val="0"/>
+          </a:schemeClr>
+        </a:solidFill>
+        <a:ln w="19050" cap="rnd" cmpd="sng" algn="ctr">
+          <a:solidFill>
+            <a:schemeClr val="accent2">
+              <a:hueOff val="-6588574"/>
+              <a:satOff val="300"/>
+              <a:lumOff val="0"/>
+              <a:alphaOff val="0"/>
+            </a:schemeClr>
+          </a:solidFill>
+          <a:prstDash val="solid"/>
+        </a:ln>
+        <a:effectLst/>
+      </dsp:spPr>
+      <dsp:style>
+        <a:lnRef idx="2">
+          <a:scrgbClr r="0" g="0" b="0"/>
+        </a:lnRef>
+        <a:fillRef idx="1">
+          <a:scrgbClr r="0" g="0" b="0"/>
+        </a:fillRef>
+        <a:effectRef idx="0">
+          <a:scrgbClr r="0" g="0" b="0"/>
+        </a:effectRef>
+        <a:fontRef idx="minor">
+          <a:schemeClr val="lt1"/>
+        </a:fontRef>
+      </dsp:style>
+    </dsp:sp>
+    <dsp:sp modelId="{736CAD82-A059-6F41-A9E5-8D6D2BEC750E}">
+      <dsp:nvSpPr>
+        <dsp:cNvPr id="0" name=""/>
+        <dsp:cNvSpPr/>
+      </dsp:nvSpPr>
+      <dsp:spPr>
+        <a:xfrm>
+          <a:off x="0" y="1232182"/>
+          <a:ext cx="6116795" cy="1232182"/>
+        </a:xfrm>
+        <a:prstGeom prst="rect">
+          <a:avLst/>
+        </a:prstGeom>
+        <a:noFill/>
+        <a:ln>
+          <a:noFill/>
+        </a:ln>
+        <a:effectLst/>
+      </dsp:spPr>
+      <dsp:style>
+        <a:lnRef idx="0">
+          <a:scrgbClr r="0" g="0" b="0"/>
+        </a:lnRef>
+        <a:fillRef idx="0">
+          <a:scrgbClr r="0" g="0" b="0"/>
+        </a:fillRef>
+        <a:effectRef idx="0">
+          <a:scrgbClr r="0" g="0" b="0"/>
+        </a:effectRef>
+        <a:fontRef idx="minor"/>
+      </dsp:style>
+      <dsp:txBody>
+        <a:bodyPr spcFirstLastPara="0" vert="horz" wrap="square" lIns="102870" tIns="102870" rIns="102870" bIns="102870" numCol="1" spcCol="1270" anchor="t" anchorCtr="0">
+          <a:noAutofit/>
+        </a:bodyPr>
+        <a:lstStyle/>
+        <a:p>
+          <a:pPr lvl="0" algn="l" defTabSz="1200150">
+            <a:lnSpc>
+              <a:spcPct val="90000"/>
+            </a:lnSpc>
+            <a:spcBef>
+              <a:spcPct val="0"/>
+            </a:spcBef>
+            <a:spcAft>
+              <a:spcPct val="35000"/>
+            </a:spcAft>
+          </a:pPr>
+          <a:r>
+            <a:rPr lang="en-US" sz="2700" b="0" i="0" kern="1200"/>
+            <a:t>TensorFlow Implementation of random forest. </a:t>
+          </a:r>
+          <a:endParaRPr lang="en-US" sz="2700" kern="1200"/>
+        </a:p>
+      </dsp:txBody>
+      <dsp:txXfrm>
+        <a:off x="0" y="1232182"/>
+        <a:ext cx="6116795" cy="1232182"/>
+      </dsp:txXfrm>
+    </dsp:sp>
+    <dsp:sp modelId="{D678CC4A-2ABD-8F4C-8479-2C29D00B7CC3}">
+      <dsp:nvSpPr>
+        <dsp:cNvPr id="0" name=""/>
+        <dsp:cNvSpPr/>
+      </dsp:nvSpPr>
+      <dsp:spPr>
+        <a:xfrm>
+          <a:off x="0" y="2464363"/>
+          <a:ext cx="6116795" cy="0"/>
+        </a:xfrm>
+        <a:prstGeom prst="line">
+          <a:avLst/>
+        </a:prstGeom>
+        <a:solidFill>
+          <a:schemeClr val="accent2">
+            <a:hueOff val="-13177148"/>
+            <a:satOff val="601"/>
+            <a:lumOff val="0"/>
+            <a:alphaOff val="0"/>
+          </a:schemeClr>
+        </a:solidFill>
+        <a:ln w="19050" cap="rnd" cmpd="sng" algn="ctr">
+          <a:solidFill>
+            <a:schemeClr val="accent2">
+              <a:hueOff val="-13177148"/>
+              <a:satOff val="601"/>
+              <a:lumOff val="0"/>
+              <a:alphaOff val="0"/>
+            </a:schemeClr>
+          </a:solidFill>
+          <a:prstDash val="solid"/>
+        </a:ln>
+        <a:effectLst/>
+      </dsp:spPr>
+      <dsp:style>
+        <a:lnRef idx="2">
+          <a:scrgbClr r="0" g="0" b="0"/>
+        </a:lnRef>
+        <a:fillRef idx="1">
+          <a:scrgbClr r="0" g="0" b="0"/>
+        </a:fillRef>
+        <a:effectRef idx="0">
+          <a:scrgbClr r="0" g="0" b="0"/>
+        </a:effectRef>
+        <a:fontRef idx="minor">
+          <a:schemeClr val="lt1"/>
+        </a:fontRef>
+      </dsp:style>
+    </dsp:sp>
+    <dsp:sp modelId="{67D8BE1B-E8AF-7F4A-B54E-86BF10688827}">
+      <dsp:nvSpPr>
+        <dsp:cNvPr id="0" name=""/>
+        <dsp:cNvSpPr/>
+      </dsp:nvSpPr>
+      <dsp:spPr>
+        <a:xfrm>
+          <a:off x="0" y="2464364"/>
+          <a:ext cx="6116795" cy="1232182"/>
+        </a:xfrm>
+        <a:prstGeom prst="rect">
+          <a:avLst/>
+        </a:prstGeom>
+        <a:noFill/>
+        <a:ln>
+          <a:noFill/>
+        </a:ln>
+        <a:effectLst/>
+      </dsp:spPr>
+      <dsp:style>
+        <a:lnRef idx="0">
+          <a:scrgbClr r="0" g="0" b="0"/>
+        </a:lnRef>
+        <a:fillRef idx="0">
+          <a:scrgbClr r="0" g="0" b="0"/>
+        </a:fillRef>
+        <a:effectRef idx="0">
+          <a:scrgbClr r="0" g="0" b="0"/>
+        </a:effectRef>
+        <a:fontRef idx="minor"/>
+      </dsp:style>
+      <dsp:txBody>
+        <a:bodyPr spcFirstLastPara="0" vert="horz" wrap="square" lIns="102870" tIns="102870" rIns="102870" bIns="102870" numCol="1" spcCol="1270" anchor="t" anchorCtr="0">
+          <a:noAutofit/>
+        </a:bodyPr>
+        <a:lstStyle/>
+        <a:p>
+          <a:pPr lvl="0" algn="l" defTabSz="1200150">
+            <a:lnSpc>
+              <a:spcPct val="90000"/>
+            </a:lnSpc>
+            <a:spcBef>
+              <a:spcPct val="0"/>
+            </a:spcBef>
+            <a:spcAft>
+              <a:spcPct val="35000"/>
+            </a:spcAft>
+          </a:pPr>
+          <a:r>
+            <a:rPr lang="en-US" sz="2700" b="0" i="0" kern="1200"/>
+            <a:t>Tensorflow implementation on multiple nodes.</a:t>
+          </a:r>
+          <a:endParaRPr lang="en-US" sz="2700" kern="1200"/>
+        </a:p>
+      </dsp:txBody>
+      <dsp:txXfrm>
+        <a:off x="0" y="2464364"/>
+        <a:ext cx="6116795" cy="1232182"/>
+      </dsp:txXfrm>
+    </dsp:sp>
+    <dsp:sp modelId="{70AB2AB2-6309-E248-9CB3-609E02B58EF6}">
+      <dsp:nvSpPr>
+        <dsp:cNvPr id="0" name=""/>
+        <dsp:cNvSpPr/>
+      </dsp:nvSpPr>
+      <dsp:spPr>
+        <a:xfrm>
+          <a:off x="0" y="3696545"/>
+          <a:ext cx="6116795" cy="0"/>
+        </a:xfrm>
+        <a:prstGeom prst="line">
+          <a:avLst/>
+        </a:prstGeom>
+        <a:solidFill>
+          <a:schemeClr val="accent2">
+            <a:hueOff val="-19765721"/>
+            <a:satOff val="901"/>
+            <a:lumOff val="0"/>
+            <a:alphaOff val="0"/>
+          </a:schemeClr>
+        </a:solidFill>
+        <a:ln w="19050" cap="rnd" cmpd="sng" algn="ctr">
+          <a:solidFill>
+            <a:schemeClr val="accent2">
+              <a:hueOff val="-19765721"/>
+              <a:satOff val="901"/>
+              <a:lumOff val="0"/>
+              <a:alphaOff val="0"/>
+            </a:schemeClr>
+          </a:solidFill>
+          <a:prstDash val="solid"/>
+        </a:ln>
+        <a:effectLst/>
+      </dsp:spPr>
+      <dsp:style>
+        <a:lnRef idx="2">
+          <a:scrgbClr r="0" g="0" b="0"/>
+        </a:lnRef>
+        <a:fillRef idx="1">
+          <a:scrgbClr r="0" g="0" b="0"/>
+        </a:fillRef>
+        <a:effectRef idx="0">
+          <a:scrgbClr r="0" g="0" b="0"/>
+        </a:effectRef>
+        <a:fontRef idx="minor">
+          <a:schemeClr val="lt1"/>
+        </a:fontRef>
+      </dsp:style>
+    </dsp:sp>
+    <dsp:sp modelId="{64853A4E-A5BC-6646-888C-52FF13580E5B}">
+      <dsp:nvSpPr>
+        <dsp:cNvPr id="0" name=""/>
+        <dsp:cNvSpPr/>
+      </dsp:nvSpPr>
+      <dsp:spPr>
+        <a:xfrm>
+          <a:off x="0" y="3696546"/>
+          <a:ext cx="6116795" cy="1232182"/>
+        </a:xfrm>
+        <a:prstGeom prst="rect">
+          <a:avLst/>
+        </a:prstGeom>
+        <a:noFill/>
+        <a:ln>
+          <a:noFill/>
+        </a:ln>
+        <a:effectLst/>
+      </dsp:spPr>
+      <dsp:style>
+        <a:lnRef idx="0">
+          <a:scrgbClr r="0" g="0" b="0"/>
+        </a:lnRef>
+        <a:fillRef idx="0">
+          <a:scrgbClr r="0" g="0" b="0"/>
+        </a:fillRef>
+        <a:effectRef idx="0">
+          <a:scrgbClr r="0" g="0" b="0"/>
+        </a:effectRef>
+        <a:fontRef idx="minor"/>
+      </dsp:style>
+      <dsp:txBody>
+        <a:bodyPr spcFirstLastPara="0" vert="horz" wrap="square" lIns="102870" tIns="102870" rIns="102870" bIns="102870" numCol="1" spcCol="1270" anchor="t" anchorCtr="0">
+          <a:noAutofit/>
+        </a:bodyPr>
+        <a:lstStyle/>
+        <a:p>
+          <a:pPr lvl="0" algn="l" defTabSz="1200150">
+            <a:lnSpc>
+              <a:spcPct val="90000"/>
+            </a:lnSpc>
+            <a:spcBef>
+              <a:spcPct val="0"/>
+            </a:spcBef>
+            <a:spcAft>
+              <a:spcPct val="35000"/>
+            </a:spcAft>
+          </a:pPr>
+          <a:r>
+            <a:rPr lang="en-US" sz="2700" b="0" i="0" kern="1200"/>
+            <a:t>Comparing performance between them.</a:t>
+          </a:r>
+          <a:endParaRPr lang="en-US" sz="2700" kern="1200"/>
+        </a:p>
+      </dsp:txBody>
+      <dsp:txXfrm>
+        <a:off x="0" y="3696546"/>
+        <a:ext cx="6116795" cy="1232182"/>
+      </dsp:txXfrm>
+    </dsp:sp>
   </dsp:spTree>
 </dsp:drawing>
 </file>
@@ -16803,13 +17239,55 @@
               <a:t>tensorflow</a:t>
             </a:r>
             <a:r>
-              <a:rPr lang="en-US" dirty="0">
+              <a:rPr lang="en-US" dirty="0" smtClean="0">
                 <a:solidFill>
                   <a:schemeClr val="bg1"/>
                 </a:solidFill>
               </a:rPr>
               <a:t>.</a:t>
             </a:r>
+          </a:p>
+          <a:p>
+            <a:pPr marL="0" indent="0">
+              <a:buNone/>
+            </a:pPr>
+            <a:r>
+              <a:rPr lang="en-US" dirty="0" smtClean="0">
+                <a:solidFill>
+                  <a:schemeClr val="bg1"/>
+                </a:solidFill>
+              </a:rPr>
+              <a:t>Used </a:t>
+            </a:r>
+            <a:r>
+              <a:rPr lang="en-US" dirty="0" err="1" smtClean="0">
+                <a:solidFill>
+                  <a:schemeClr val="bg1"/>
+                </a:solidFill>
+              </a:rPr>
+              <a:t>Horovod</a:t>
+            </a:r>
+            <a:r>
+              <a:rPr lang="en-US" dirty="0" smtClean="0">
+                <a:solidFill>
+                  <a:schemeClr val="bg1"/>
+                </a:solidFill>
+              </a:rPr>
+              <a:t> and MPI </a:t>
+            </a:r>
+            <a:r>
+              <a:rPr lang="en-US" dirty="0" err="1" smtClean="0">
+                <a:solidFill>
+                  <a:schemeClr val="bg1"/>
+                </a:solidFill>
+              </a:rPr>
+              <a:t>AllGather</a:t>
+            </a:r>
+            <a:endParaRPr lang="en-US" dirty="0">
+              <a:solidFill>
+                <a:schemeClr val="bg1"/>
+              </a:solidFill>
+            </a:endParaRPr>
           </a:p>
           <a:p>
             <a:r>
@@ -16958,8 +17436,8 @@
         </p:blipFill>
         <p:spPr>
           <a:xfrm>
-            <a:off x="5995284" y="1497440"/>
-            <a:ext cx="5999667" cy="3584802"/>
+            <a:off x="6558474" y="1506584"/>
+            <a:ext cx="5436477" cy="3248296"/>
           </a:xfrm>
           <a:prstGeom prst="rect">
             <a:avLst/>
@@ -17152,14 +17630,46 @@
         </p:blipFill>
         <p:spPr>
           <a:xfrm>
-            <a:off x="1402114" y="1680632"/>
-            <a:ext cx="8354534" cy="4991834"/>
+            <a:off x="2270794" y="2429250"/>
+            <a:ext cx="7147526" cy="4270647"/>
           </a:xfrm>
           <a:prstGeom prst="rect">
             <a:avLst/>
           </a:prstGeom>
         </p:spPr>
       </p:pic>
+      <p:sp>
+        <p:nvSpPr>
+          <p:cNvPr id="3" name="Title 1"/>
+          <p:cNvSpPr>
+            <a:spLocks noGrp="1"/>
+          </p:cNvSpPr>
+          <p:nvPr>
+            <p:ph type="title"/>
+          </p:nvPr>
+        </p:nvSpPr>
+        <p:spPr>
+          <a:xfrm>
+            <a:off x="1154954" y="827364"/>
+            <a:ext cx="9589246" cy="853268"/>
+          </a:xfrm>
+        </p:spPr>
+        <p:txBody>
+          <a:bodyPr/>
+          <a:lstStyle/>
+          <a:p>
+            <a:r>
+              <a:rPr lang="en-IN" dirty="0" err="1" smtClean="0"/>
+              <a:t>Tensorflow</a:t>
+            </a:r>
+            <a:r>
+              <a:rPr lang="en-IN" dirty="0" smtClean="0"/>
+              <a:t>: Time taken vs number of  trees </a:t>
+            </a:r>
+            <a:endParaRPr lang="en-IN" dirty="0"/>
+          </a:p>
+        </p:txBody>
+      </p:sp>
     </p:spTree>
     <p:extLst>
       <p:ext uri="{BB962C8B-B14F-4D97-AF65-F5344CB8AC3E}">
@@ -18111,8 +18621,8 @@
         </p:blipFill>
         <p:spPr>
           <a:xfrm>
-            <a:off x="5771537" y="1547849"/>
-            <a:ext cx="5726345" cy="3762301"/>
+            <a:off x="6505336" y="1547849"/>
+            <a:ext cx="4992546" cy="3280183"/>
           </a:xfrm>
           <a:prstGeom prst="rect">
             <a:avLst/>
@@ -18232,14 +18742,61 @@
         </p:blipFill>
         <p:spPr>
           <a:xfrm>
-            <a:off x="2130552" y="1553383"/>
-            <a:ext cx="7102724" cy="4658441"/>
+            <a:off x="2880360" y="2384212"/>
+            <a:ext cx="5989320" cy="3928196"/>
           </a:xfrm>
           <a:prstGeom prst="rect">
             <a:avLst/>
           </a:prstGeom>
         </p:spPr>
       </p:pic>
+      <p:sp>
+        <p:nvSpPr>
+          <p:cNvPr id="3" name="Title 1"/>
+          <p:cNvSpPr>
+            <a:spLocks noGrp="1"/>
+          </p:cNvSpPr>
+          <p:nvPr>
+            <p:ph type="title"/>
+          </p:nvPr>
+        </p:nvSpPr>
+        <p:spPr>
+          <a:xfrm>
+            <a:off x="1154954" y="973668"/>
+            <a:ext cx="8761413" cy="706964"/>
+          </a:xfrm>
+        </p:spPr>
+        <p:txBody>
+          <a:bodyPr/>
+          <a:lstStyle/>
+          <a:p>
+            <a:r>
+              <a:rPr lang="en-IN" dirty="0" smtClean="0"/>
+              <a:t>Spark and </a:t>
+            </a:r>
+            <a:r>
+              <a:rPr lang="en-IN" dirty="0" err="1" smtClean="0"/>
+              <a:t>Tensorflow</a:t>
+            </a:r>
+            <a:r>
+              <a:rPr lang="en-IN" dirty="0" smtClean="0"/>
+              <a:t> </a:t>
+            </a:r>
+            <a:r>
+              <a:rPr lang="en-IN" dirty="0" err="1" smtClean="0"/>
+              <a:t>comparision</a:t>
+            </a:r>
+            <a:r>
+              <a:rPr lang="en-IN" dirty="0" smtClean="0"/>
+              <a:t/>
+            </a:r>
+            <a:br>
+              <a:rPr lang="en-IN" dirty="0" smtClean="0"/>
+            </a:br>
+            <a:endParaRPr lang="en-IN" dirty="0"/>
+          </a:p>
+        </p:txBody>
+      </p:sp>
     </p:spTree>
     <p:extLst>
       <p:ext uri="{BB962C8B-B14F-4D97-AF65-F5344CB8AC3E}">
@@ -20992,8 +21549,8 @@
           <a:lstStyle/>
           <a:p>
             <a:r>
-              <a:rPr lang="en-IN" b="1" dirty="0"/>
-              <a:t>Preliminary Results</a:t>
+              <a:rPr lang="en-IN" b="1" dirty="0" smtClean="0"/>
+              <a:t>Spark single node</a:t>
             </a:r>
             <a:r>
               <a:rPr lang="en-IN" dirty="0"/>
@@ -22962,8 +23519,8 @@
         </p:blipFill>
         <p:spPr>
           <a:xfrm>
-            <a:off x="6869550" y="2013535"/>
-            <a:ext cx="5117549" cy="3211260"/>
+            <a:off x="7223760" y="2013535"/>
+            <a:ext cx="4763339" cy="2988993"/>
           </a:xfrm>
           <a:prstGeom prst="rect">
             <a:avLst/>
@@ -23082,14 +23639,42 @@
         </p:blipFill>
         <p:spPr>
           <a:xfrm>
-            <a:off x="1352508" y="1161288"/>
-            <a:ext cx="8833908" cy="5432852"/>
+            <a:off x="2221188" y="2279426"/>
+            <a:ext cx="7151412" cy="4398117"/>
           </a:xfrm>
           <a:prstGeom prst="rect">
             <a:avLst/>
           </a:prstGeom>
         </p:spPr>
       </p:pic>
+      <p:sp>
+        <p:nvSpPr>
+          <p:cNvPr id="4" name="Title 1"/>
+          <p:cNvSpPr>
+            <a:spLocks noGrp="1"/>
+          </p:cNvSpPr>
+          <p:nvPr>
+            <p:ph type="title"/>
+          </p:nvPr>
+        </p:nvSpPr>
+        <p:spPr>
+          <a:xfrm>
+            <a:off x="1154954" y="818220"/>
+            <a:ext cx="8761413" cy="706964"/>
+          </a:xfrm>
+        </p:spPr>
+        <p:txBody>
+          <a:bodyPr/>
+          <a:lstStyle/>
+          <a:p>
+            <a:r>
+              <a:rPr lang="en-IN" dirty="0" smtClean="0"/>
+              <a:t>Spark: Time vs number of trees</a:t>
+            </a:r>
+            <a:endParaRPr lang="en-IN" dirty="0"/>
+          </a:p>
+        </p:txBody>
+      </p:sp>
     </p:spTree>
     <p:extLst>
       <p:ext uri="{BB962C8B-B14F-4D97-AF65-F5344CB8AC3E}">

--- a/spring-2019/3/report/skandag_sumish_DRM_PPT.pptx
+++ b/spring-2019/3/report/skandag_sumish_DRM_PPT.pptx
@@ -131,11 +131,11 @@
 </file>
 
 <file path=ppt/diagrams/colors1.xml><?xml version="1.0" encoding="utf-8"?>
-<dgm:colorsDef xmlns:dgm="http://schemas.openxmlformats.org/drawingml/2006/diagram" xmlns:a="http://schemas.openxmlformats.org/drawingml/2006/main" uniqueId="urn:microsoft.com/office/officeart/2005/8/colors/colorful2">
+<dgm:colorsDef xmlns:dgm="http://schemas.openxmlformats.org/drawingml/2006/diagram" xmlns:a="http://schemas.openxmlformats.org/drawingml/2006/main" uniqueId="urn:microsoft.com/office/officeart/2018/5/colors/Iconchunking_neutralbg_colorful1">
   <dgm:title val=""/>
   <dgm:desc val=""/>
   <dgm:catLst>
-    <dgm:cat type="colorful" pri="10200"/>
+    <dgm:cat type="colorful" pri="10100"/>
   </dgm:catLst>
   <dgm:styleLbl name="node0">
     <dgm:fillClrLst meth="repeat">
@@ -150,12 +150,17 @@
     <dgm:txEffectClrLst/>
   </dgm:styleLbl>
   <dgm:styleLbl name="node1">
-    <dgm:fillClrLst>
+    <dgm:fillClrLst meth="repeat">
       <a:schemeClr val="accent2"/>
       <a:schemeClr val="accent3"/>
+      <a:schemeClr val="accent4"/>
+      <a:schemeClr val="accent5"/>
+      <a:schemeClr val="accent6"/>
     </dgm:fillClrLst>
     <dgm:linClrLst meth="repeat">
-      <a:schemeClr val="lt1"/>
+      <a:schemeClr val="lt1">
+        <a:alpha val="0"/>
+      </a:schemeClr>
     </dgm:linClrLst>
     <dgm:effectClrLst/>
     <dgm:txLinClrLst/>
@@ -163,13 +168,19 @@
     <dgm:txEffectClrLst/>
   </dgm:styleLbl>
   <dgm:styleLbl name="alignNode1">
-    <dgm:fillClrLst>
+    <dgm:fillClrLst meth="repeat">
       <a:schemeClr val="accent2"/>
       <a:schemeClr val="accent3"/>
+      <a:schemeClr val="accent4"/>
+      <a:schemeClr val="accent5"/>
+      <a:schemeClr val="accent6"/>
     </dgm:fillClrLst>
-    <dgm:linClrLst>
+    <dgm:linClrLst meth="repeat">
       <a:schemeClr val="accent2"/>
       <a:schemeClr val="accent3"/>
+      <a:schemeClr val="accent4"/>
+      <a:schemeClr val="accent5"/>
+      <a:schemeClr val="accent6"/>
     </dgm:linClrLst>
     <dgm:effectClrLst/>
     <dgm:txLinClrLst/>
@@ -177,9 +188,12 @@
     <dgm:txEffectClrLst/>
   </dgm:styleLbl>
   <dgm:styleLbl name="lnNode1">
-    <dgm:fillClrLst>
+    <dgm:fillClrLst meth="repeat">
       <a:schemeClr val="accent2"/>
       <a:schemeClr val="accent3"/>
+      <a:schemeClr val="accent4"/>
+      <a:schemeClr val="accent5"/>
+      <a:schemeClr val="accent6"/>
     </dgm:fillClrLst>
     <dgm:linClrLst meth="repeat">
       <a:schemeClr val="lt1"/>
@@ -190,11 +204,20 @@
     <dgm:txEffectClrLst/>
   </dgm:styleLbl>
   <dgm:styleLbl name="vennNode1">
-    <dgm:fillClrLst>
+    <dgm:fillClrLst meth="repeat">
       <a:schemeClr val="accent2">
         <a:alpha val="50000"/>
       </a:schemeClr>
       <a:schemeClr val="accent3">
+        <a:alpha val="50000"/>
+      </a:schemeClr>
+      <a:schemeClr val="accent4">
+        <a:alpha val="50000"/>
+      </a:schemeClr>
+      <a:schemeClr val="accent5">
+        <a:alpha val="50000"/>
+      </a:schemeClr>
+      <a:schemeClr val="accent6">
         <a:alpha val="50000"/>
       </a:schemeClr>
     </dgm:fillClrLst>
@@ -208,7 +231,7 @@
   </dgm:styleLbl>
   <dgm:styleLbl name="node2">
     <dgm:fillClrLst>
-      <a:schemeClr val="accent3"/>
+      <a:schemeClr val="accent2"/>
     </dgm:fillClrLst>
     <dgm:linClrLst meth="repeat">
       <a:schemeClr val="lt1"/>
@@ -220,7 +243,7 @@
   </dgm:styleLbl>
   <dgm:styleLbl name="node3">
     <dgm:fillClrLst>
-      <a:schemeClr val="accent4"/>
+      <a:schemeClr val="accent3"/>
     </dgm:fillClrLst>
     <dgm:linClrLst meth="repeat">
       <a:schemeClr val="lt1"/>
@@ -232,7 +255,7 @@
   </dgm:styleLbl>
   <dgm:styleLbl name="node4">
     <dgm:fillClrLst>
-      <a:schemeClr val="accent5"/>
+      <a:schemeClr val="accent4"/>
     </dgm:fillClrLst>
     <dgm:linClrLst meth="repeat">
       <a:schemeClr val="lt1"/>
@@ -243,11 +266,20 @@
     <dgm:txEffectClrLst/>
   </dgm:styleLbl>
   <dgm:styleLbl name="fgImgPlace1">
-    <dgm:fillClrLst>
+    <dgm:fillClrLst meth="repeat">
       <a:schemeClr val="accent2">
         <a:tint val="50000"/>
       </a:schemeClr>
       <a:schemeClr val="accent3">
+        <a:tint val="50000"/>
+      </a:schemeClr>
+      <a:schemeClr val="accent4">
+        <a:tint val="50000"/>
+      </a:schemeClr>
+      <a:schemeClr val="accent5">
+        <a:tint val="50000"/>
+      </a:schemeClr>
+      <a:schemeClr val="accent6">
         <a:tint val="50000"/>
       </a:schemeClr>
     </dgm:fillClrLst>
@@ -263,10 +295,10 @@
   </dgm:styleLbl>
   <dgm:styleLbl name="alignImgPlace1">
     <dgm:fillClrLst>
-      <a:schemeClr val="accent2">
+      <a:schemeClr val="accent1">
         <a:tint val="50000"/>
       </a:schemeClr>
-      <a:schemeClr val="accent3">
+      <a:schemeClr val="accent2">
         <a:tint val="20000"/>
       </a:schemeClr>
     </dgm:fillClrLst>
@@ -282,10 +314,10 @@
   </dgm:styleLbl>
   <dgm:styleLbl name="bgImgPlace1">
     <dgm:fillClrLst>
-      <a:schemeClr val="accent2">
+      <a:schemeClr val="accent1">
         <a:tint val="50000"/>
       </a:schemeClr>
-      <a:schemeClr val="accent3">
+      <a:schemeClr val="accent2">
         <a:tint val="20000"/>
       </a:schemeClr>
     </dgm:fillClrLst>
@@ -300,11 +332,14 @@
     <dgm:txEffectClrLst/>
   </dgm:styleLbl>
   <dgm:styleLbl name="sibTrans2D1">
-    <dgm:fillClrLst>
+    <dgm:fillClrLst meth="repeat">
       <a:schemeClr val="accent2"/>
       <a:schemeClr val="accent3"/>
+      <a:schemeClr val="accent4"/>
+      <a:schemeClr val="accent5"/>
+      <a:schemeClr val="accent6"/>
     </dgm:fillClrLst>
-    <dgm:linClrLst meth="repeat">
+    <dgm:linClrLst meth="cycle">
       <a:schemeClr val="lt1"/>
     </dgm:linClrLst>
     <dgm:effectClrLst/>
@@ -313,11 +348,14 @@
     <dgm:txEffectClrLst/>
   </dgm:styleLbl>
   <dgm:styleLbl name="fgSibTrans2D1">
-    <dgm:fillClrLst>
+    <dgm:fillClrLst meth="repeat">
       <a:schemeClr val="accent2"/>
       <a:schemeClr val="accent3"/>
+      <a:schemeClr val="accent4"/>
+      <a:schemeClr val="accent5"/>
+      <a:schemeClr val="accent6"/>
     </dgm:fillClrLst>
-    <dgm:linClrLst meth="repeat">
+    <dgm:linClrLst meth="cycle">
       <a:schemeClr val="lt1"/>
     </dgm:linClrLst>
     <dgm:effectClrLst/>
@@ -328,11 +366,14 @@
     <dgm:txEffectClrLst/>
   </dgm:styleLbl>
   <dgm:styleLbl name="bgSibTrans2D1">
-    <dgm:fillClrLst>
+    <dgm:fillClrLst meth="repeat">
       <a:schemeClr val="accent2"/>
       <a:schemeClr val="accent3"/>
+      <a:schemeClr val="accent4"/>
+      <a:schemeClr val="accent5"/>
+      <a:schemeClr val="accent6"/>
     </dgm:fillClrLst>
-    <dgm:linClrLst meth="repeat">
+    <dgm:linClrLst meth="cycle">
       <a:schemeClr val="lt1"/>
     </dgm:linClrLst>
     <dgm:effectClrLst/>
@@ -343,10 +384,19 @@
     <dgm:txEffectClrLst/>
   </dgm:styleLbl>
   <dgm:styleLbl name="sibTrans1D1">
-    <dgm:fillClrLst/>
-    <dgm:linClrLst>
+    <dgm:fillClrLst meth="repeat">
       <a:schemeClr val="accent2"/>
       <a:schemeClr val="accent3"/>
+      <a:schemeClr val="accent4"/>
+      <a:schemeClr val="accent5"/>
+      <a:schemeClr val="accent6"/>
+    </dgm:fillClrLst>
+    <dgm:linClrLst meth="repeat">
+      <a:schemeClr val="accent2"/>
+      <a:schemeClr val="accent3"/>
+      <a:schemeClr val="accent4"/>
+      <a:schemeClr val="accent5"/>
+      <a:schemeClr val="accent6"/>
     </dgm:linClrLst>
     <dgm:effectClrLst/>
     <dgm:txLinClrLst/>
@@ -373,12 +423,10 @@
   </dgm:styleLbl>
   <dgm:styleLbl name="asst0">
     <dgm:fillClrLst meth="repeat">
-      <a:schemeClr val="accent2"/>
+      <a:schemeClr val="accent1"/>
     </dgm:fillClrLst>
     <dgm:linClrLst meth="repeat">
-      <a:schemeClr val="lt1">
-        <a:shade val="80000"/>
-      </a:schemeClr>
+      <a:schemeClr val="lt1"/>
     </dgm:linClrLst>
     <dgm:effectClrLst/>
     <dgm:txLinClrLst/>
@@ -387,12 +435,10 @@
   </dgm:styleLbl>
   <dgm:styleLbl name="asst1">
     <dgm:fillClrLst meth="repeat">
-      <a:schemeClr val="accent3"/>
+      <a:schemeClr val="accent2"/>
     </dgm:fillClrLst>
     <dgm:linClrLst meth="repeat">
-      <a:schemeClr val="lt1">
-        <a:shade val="80000"/>
-      </a:schemeClr>
+      <a:schemeClr val="lt1"/>
     </dgm:linClrLst>
     <dgm:effectClrLst/>
     <dgm:txLinClrLst/>
@@ -400,6 +446,18 @@
     <dgm:txEffectClrLst/>
   </dgm:styleLbl>
   <dgm:styleLbl name="asst2">
+    <dgm:fillClrLst>
+      <a:schemeClr val="accent3"/>
+    </dgm:fillClrLst>
+    <dgm:linClrLst meth="repeat">
+      <a:schemeClr val="lt1"/>
+    </dgm:linClrLst>
+    <dgm:effectClrLst/>
+    <dgm:txLinClrLst/>
+    <dgm:txFillClrLst/>
+    <dgm:txEffectClrLst/>
+  </dgm:styleLbl>
+  <dgm:styleLbl name="asst3">
     <dgm:fillClrLst>
       <a:schemeClr val="accent4"/>
     </dgm:fillClrLst>
@@ -411,21 +469,9 @@
     <dgm:txFillClrLst/>
     <dgm:txEffectClrLst/>
   </dgm:styleLbl>
-  <dgm:styleLbl name="asst3">
+  <dgm:styleLbl name="asst4">
     <dgm:fillClrLst>
       <a:schemeClr val="accent5"/>
-    </dgm:fillClrLst>
-    <dgm:linClrLst meth="repeat">
-      <a:schemeClr val="lt1"/>
-    </dgm:linClrLst>
-    <dgm:effectClrLst/>
-    <dgm:txLinClrLst/>
-    <dgm:txFillClrLst/>
-    <dgm:txEffectClrLst/>
-  </dgm:styleLbl>
-  <dgm:styleLbl name="asst4">
-    <dgm:fillClrLst>
-      <a:schemeClr val="accent6"/>
     </dgm:fillClrLst>
     <dgm:linClrLst meth="repeat">
       <a:schemeClr val="lt1"/>
@@ -492,7 +538,7 @@
       <a:schemeClr val="accent2"/>
     </dgm:fillClrLst>
     <dgm:linClrLst meth="repeat">
-      <a:schemeClr val="accent2"/>
+      <a:schemeClr val="accent1"/>
     </dgm:linClrLst>
     <dgm:effectClrLst/>
     <dgm:txLinClrLst/>
@@ -503,8 +549,24 @@
   </dgm:styleLbl>
   <dgm:styleLbl name="parChTrans1D2">
     <dgm:fillClrLst meth="repeat">
-      <a:schemeClr val="accent2">
+      <a:schemeClr val="accent3">
         <a:tint val="90000"/>
+      </a:schemeClr>
+    </dgm:fillClrLst>
+    <dgm:linClrLst meth="repeat">
+      <a:schemeClr val="accent2"/>
+    </dgm:linClrLst>
+    <dgm:effectClrLst/>
+    <dgm:txLinClrLst/>
+    <dgm:txFillClrLst meth="repeat">
+      <a:schemeClr val="tx1"/>
+    </dgm:txFillClrLst>
+    <dgm:txEffectClrLst/>
+  </dgm:styleLbl>
+  <dgm:styleLbl name="parChTrans1D3">
+    <dgm:fillClrLst meth="repeat">
+      <a:schemeClr val="accent4">
+        <a:tint val="70000"/>
       </a:schemeClr>
     </dgm:fillClrLst>
     <dgm:linClrLst meth="repeat">
@@ -517,30 +579,14 @@
     </dgm:txFillClrLst>
     <dgm:txEffectClrLst/>
   </dgm:styleLbl>
-  <dgm:styleLbl name="parChTrans1D3">
+  <dgm:styleLbl name="parChTrans1D4">
     <dgm:fillClrLst meth="repeat">
-      <a:schemeClr val="accent2">
-        <a:tint val="70000"/>
+      <a:schemeClr val="accent5">
+        <a:tint val="50000"/>
       </a:schemeClr>
     </dgm:fillClrLst>
     <dgm:linClrLst meth="repeat">
       <a:schemeClr val="accent4"/>
-    </dgm:linClrLst>
-    <dgm:effectClrLst/>
-    <dgm:txLinClrLst/>
-    <dgm:txFillClrLst meth="repeat">
-      <a:schemeClr val="tx1"/>
-    </dgm:txFillClrLst>
-    <dgm:txEffectClrLst/>
-  </dgm:styleLbl>
-  <dgm:styleLbl name="parChTrans1D4">
-    <dgm:fillClrLst meth="repeat">
-      <a:schemeClr val="accent2">
-        <a:tint val="50000"/>
-      </a:schemeClr>
-    </dgm:fillClrLst>
-    <dgm:linClrLst meth="repeat">
-      <a:schemeClr val="accent5"/>
     </dgm:linClrLst>
     <dgm:effectClrLst/>
     <dgm:txLinClrLst/>
@@ -555,9 +601,12 @@
         <a:alpha val="90000"/>
       </a:schemeClr>
     </dgm:fillClrLst>
-    <dgm:linClrLst>
+    <dgm:linClrLst meth="repeat">
       <a:schemeClr val="accent2"/>
       <a:schemeClr val="accent3"/>
+      <a:schemeClr val="accent4"/>
+      <a:schemeClr val="accent5"/>
+      <a:schemeClr val="accent6"/>
     </dgm:linClrLst>
     <dgm:effectClrLst/>
     <dgm:txLinClrLst/>
@@ -572,9 +621,12 @@
         <a:alpha val="90000"/>
       </a:schemeClr>
     </dgm:fillClrLst>
-    <dgm:linClrLst>
+    <dgm:linClrLst meth="repeat">
       <a:schemeClr val="accent2"/>
       <a:schemeClr val="accent3"/>
+      <a:schemeClr val="accent4"/>
+      <a:schemeClr val="accent5"/>
+      <a:schemeClr val="accent6"/>
     </dgm:linClrLst>
     <dgm:effectClrLst/>
     <dgm:txLinClrLst/>
@@ -589,9 +641,12 @@
         <a:alpha val="90000"/>
       </a:schemeClr>
     </dgm:fillClrLst>
-    <dgm:linClrLst>
+    <dgm:linClrLst meth="repeat">
       <a:schemeClr val="accent2"/>
       <a:schemeClr val="accent3"/>
+      <a:schemeClr val="accent4"/>
+      <a:schemeClr val="accent5"/>
+      <a:schemeClr val="accent6"/>
     </dgm:linClrLst>
     <dgm:effectClrLst/>
     <dgm:txLinClrLst/>
@@ -607,7 +662,7 @@
       </a:schemeClr>
     </dgm:fillClrLst>
     <dgm:linClrLst meth="repeat">
-      <a:schemeClr val="accent2"/>
+      <a:schemeClr val="accent1"/>
     </dgm:linClrLst>
     <dgm:effectClrLst/>
     <dgm:txLinClrLst/>
@@ -622,9 +677,12 @@
         <a:alpha val="90000"/>
       </a:schemeClr>
     </dgm:fillClrLst>
-    <dgm:linClrLst>
+    <dgm:linClrLst meth="repeat">
       <a:schemeClr val="accent2"/>
       <a:schemeClr val="accent3"/>
+      <a:schemeClr val="accent4"/>
+      <a:schemeClr val="accent5"/>
+      <a:schemeClr val="accent6"/>
     </dgm:linClrLst>
     <dgm:effectClrLst/>
     <dgm:txLinClrLst/>
@@ -637,9 +695,12 @@
     <dgm:fillClrLst meth="repeat">
       <a:schemeClr val="lt1"/>
     </dgm:fillClrLst>
-    <dgm:linClrLst>
+    <dgm:linClrLst meth="repeat">
       <a:schemeClr val="accent2"/>
       <a:schemeClr val="accent3"/>
+      <a:schemeClr val="accent4"/>
+      <a:schemeClr val="accent5"/>
+      <a:schemeClr val="accent6"/>
     </dgm:linClrLst>
     <dgm:effectClrLst/>
     <dgm:txLinClrLst/>
@@ -652,9 +713,12 @@
     <dgm:fillClrLst meth="repeat">
       <a:schemeClr val="lt1"/>
     </dgm:fillClrLst>
-    <dgm:linClrLst>
+    <dgm:linClrLst meth="repeat">
       <a:schemeClr val="accent2"/>
       <a:schemeClr val="accent3"/>
+      <a:schemeClr val="accent4"/>
+      <a:schemeClr val="accent5"/>
+      <a:schemeClr val="accent6"/>
     </dgm:linClrLst>
     <dgm:effectClrLst/>
     <dgm:txLinClrLst/>
@@ -667,9 +731,12 @@
     <dgm:fillClrLst meth="repeat">
       <a:schemeClr val="lt1"/>
     </dgm:fillClrLst>
-    <dgm:linClrLst>
+    <dgm:linClrLst meth="repeat">
       <a:schemeClr val="accent2"/>
       <a:schemeClr val="accent3"/>
+      <a:schemeClr val="accent4"/>
+      <a:schemeClr val="accent5"/>
+      <a:schemeClr val="accent6"/>
     </dgm:linClrLst>
     <dgm:effectClrLst/>
     <dgm:txLinClrLst/>
@@ -679,7 +746,7 @@
     <dgm:txEffectClrLst/>
   </dgm:styleLbl>
   <dgm:styleLbl name="fgAccFollowNode1">
-    <dgm:fillClrLst>
+    <dgm:fillClrLst meth="repeat">
       <a:schemeClr val="accent2">
         <a:tint val="40000"/>
         <a:alpha val="90000"/>
@@ -688,13 +755,37 @@
         <a:tint val="40000"/>
         <a:alpha val="90000"/>
       </a:schemeClr>
+      <a:schemeClr val="accent4">
+        <a:tint val="40000"/>
+        <a:alpha val="90000"/>
+      </a:schemeClr>
+      <a:schemeClr val="accent5">
+        <a:tint val="40000"/>
+        <a:alpha val="90000"/>
+      </a:schemeClr>
+      <a:schemeClr val="accent6">
+        <a:tint val="40000"/>
+        <a:alpha val="90000"/>
+      </a:schemeClr>
     </dgm:fillClrLst>
-    <dgm:linClrLst>
+    <dgm:linClrLst meth="repeat">
       <a:schemeClr val="accent2">
         <a:tint val="40000"/>
         <a:alpha val="90000"/>
       </a:schemeClr>
       <a:schemeClr val="accent3">
+        <a:tint val="40000"/>
+        <a:alpha val="90000"/>
+      </a:schemeClr>
+      <a:schemeClr val="accent4">
+        <a:tint val="40000"/>
+        <a:alpha val="90000"/>
+      </a:schemeClr>
+      <a:schemeClr val="accent5">
+        <a:tint val="40000"/>
+        <a:alpha val="90000"/>
+      </a:schemeClr>
+      <a:schemeClr val="accent6">
         <a:tint val="40000"/>
         <a:alpha val="90000"/>
       </a:schemeClr>
@@ -707,7 +798,7 @@
     <dgm:txEffectClrLst/>
   </dgm:styleLbl>
   <dgm:styleLbl name="alignAccFollowNode1">
-    <dgm:fillClrLst>
+    <dgm:fillClrLst meth="repeat">
       <a:schemeClr val="accent2">
         <a:tint val="40000"/>
         <a:alpha val="90000"/>
@@ -716,13 +807,37 @@
         <a:tint val="40000"/>
         <a:alpha val="90000"/>
       </a:schemeClr>
+      <a:schemeClr val="accent4">
+        <a:tint val="40000"/>
+        <a:alpha val="90000"/>
+      </a:schemeClr>
+      <a:schemeClr val="accent5">
+        <a:tint val="40000"/>
+        <a:alpha val="90000"/>
+      </a:schemeClr>
+      <a:schemeClr val="accent6">
+        <a:tint val="40000"/>
+        <a:alpha val="90000"/>
+      </a:schemeClr>
     </dgm:fillClrLst>
-    <dgm:linClrLst>
+    <dgm:linClrLst meth="repeat">
       <a:schemeClr val="accent2">
         <a:tint val="40000"/>
         <a:alpha val="90000"/>
       </a:schemeClr>
       <a:schemeClr val="accent3">
+        <a:tint val="40000"/>
+        <a:alpha val="90000"/>
+      </a:schemeClr>
+      <a:schemeClr val="accent4">
+        <a:tint val="40000"/>
+        <a:alpha val="90000"/>
+      </a:schemeClr>
+      <a:schemeClr val="accent5">
+        <a:tint val="40000"/>
+        <a:alpha val="90000"/>
+      </a:schemeClr>
+      <a:schemeClr val="accent6">
         <a:tint val="40000"/>
         <a:alpha val="90000"/>
       </a:schemeClr>
@@ -735,7 +850,7 @@
     <dgm:txEffectClrLst/>
   </dgm:styleLbl>
   <dgm:styleLbl name="bgAccFollowNode1">
-    <dgm:fillClrLst>
+    <dgm:fillClrLst meth="repeat">
       <a:schemeClr val="accent2">
         <a:tint val="40000"/>
         <a:alpha val="90000"/>
@@ -744,13 +859,37 @@
         <a:tint val="40000"/>
         <a:alpha val="90000"/>
       </a:schemeClr>
+      <a:schemeClr val="accent4">
+        <a:tint val="40000"/>
+        <a:alpha val="90000"/>
+      </a:schemeClr>
+      <a:schemeClr val="accent5">
+        <a:tint val="40000"/>
+        <a:alpha val="90000"/>
+      </a:schemeClr>
+      <a:schemeClr val="accent6">
+        <a:tint val="40000"/>
+        <a:alpha val="90000"/>
+      </a:schemeClr>
     </dgm:fillClrLst>
-    <dgm:linClrLst>
+    <dgm:linClrLst meth="repeat">
       <a:schemeClr val="accent2">
         <a:tint val="40000"/>
         <a:alpha val="90000"/>
       </a:schemeClr>
       <a:schemeClr val="accent3">
+        <a:tint val="40000"/>
+        <a:alpha val="90000"/>
+      </a:schemeClr>
+      <a:schemeClr val="accent4">
+        <a:tint val="40000"/>
+        <a:alpha val="90000"/>
+      </a:schemeClr>
+      <a:schemeClr val="accent5">
+        <a:tint val="40000"/>
+        <a:alpha val="90000"/>
+      </a:schemeClr>
+      <a:schemeClr val="accent6">
         <a:tint val="40000"/>
         <a:alpha val="90000"/>
       </a:schemeClr>
@@ -785,7 +924,7 @@
       </a:schemeClr>
     </dgm:fillClrLst>
     <dgm:linClrLst>
-      <a:schemeClr val="accent3"/>
+      <a:schemeClr val="accent2"/>
     </dgm:linClrLst>
     <dgm:effectClrLst/>
     <dgm:txLinClrLst/>
@@ -801,7 +940,7 @@
       </a:schemeClr>
     </dgm:fillClrLst>
     <dgm:linClrLst>
-      <a:schemeClr val="accent4"/>
+      <a:schemeClr val="accent3"/>
     </dgm:linClrLst>
     <dgm:effectClrLst/>
     <dgm:txLinClrLst/>
@@ -817,7 +956,7 @@
       </a:schemeClr>
     </dgm:fillClrLst>
     <dgm:linClrLst>
-      <a:schemeClr val="accent5"/>
+      <a:schemeClr val="accent4"/>
     </dgm:linClrLst>
     <dgm:effectClrLst/>
     <dgm:txLinClrLst/>
@@ -828,8 +967,8 @@
   </dgm:styleLbl>
   <dgm:styleLbl name="bgShp">
     <dgm:fillClrLst meth="repeat">
-      <a:schemeClr val="accent2">
-        <a:tint val="40000"/>
+      <a:schemeClr val="bg1">
+        <a:lumMod val="95000"/>
       </a:schemeClr>
     </dgm:fillClrLst>
     <dgm:linClrLst meth="repeat">
@@ -860,7 +999,7 @@
   </dgm:styleLbl>
   <dgm:styleLbl name="trBgShp">
     <dgm:fillClrLst meth="repeat">
-      <a:schemeClr val="accent2">
+      <a:schemeClr val="accent1">
         <a:tint val="50000"/>
         <a:alpha val="40000"/>
       </a:schemeClr>
@@ -916,7 +1055,7 @@
 <dgm:dataModel xmlns:dgm="http://schemas.openxmlformats.org/drawingml/2006/diagram" xmlns:a="http://schemas.openxmlformats.org/drawingml/2006/main">
   <dgm:ptLst>
     <dgm:pt modelId="{13AC8D70-F568-45D9-81A2-F0D920E208E9}" type="doc">
-      <dgm:prSet loTypeId="urn:microsoft.com/office/officeart/2008/layout/LinedList" loCatId="list" qsTypeId="urn:microsoft.com/office/officeart/2005/8/quickstyle/simple1" qsCatId="simple" csTypeId="urn:microsoft.com/office/officeart/2005/8/colors/colorful2" csCatId="colorful"/>
+      <dgm:prSet loTypeId="urn:microsoft.com/office/officeart/2018/2/layout/IconVerticalSolidList" loCatId="icon" qsTypeId="urn:microsoft.com/office/officeart/2005/8/quickstyle/simple1" qsCatId="simple" csTypeId="urn:microsoft.com/office/officeart/2018/5/colors/Iconchunking_neutralbg_colorful1" csCatId="colorful" phldr="1"/>
       <dgm:spPr/>
       <dgm:t>
         <a:bodyPr/>
@@ -933,6 +1072,11 @@
         <a:bodyPr/>
         <a:lstStyle/>
         <a:p>
+          <a:pPr>
+            <a:lnSpc>
+              <a:spcPct val="100000"/>
+            </a:lnSpc>
+          </a:pPr>
           <a:r>
             <a:rPr lang="en-US" b="0" i="0"/>
             <a:t>Implementation of parallized forest using spark on multiple nodes. </a:t>
@@ -970,6 +1114,11 @@
         <a:bodyPr/>
         <a:lstStyle/>
         <a:p>
+          <a:pPr>
+            <a:lnSpc>
+              <a:spcPct val="100000"/>
+            </a:lnSpc>
+          </a:pPr>
           <a:r>
             <a:rPr lang="en-US" b="0" i="0"/>
             <a:t>TensorFlow Implementation of random forest. </a:t>
@@ -1007,6 +1156,11 @@
         <a:bodyPr/>
         <a:lstStyle/>
         <a:p>
+          <a:pPr>
+            <a:lnSpc>
+              <a:spcPct val="100000"/>
+            </a:lnSpc>
+          </a:pPr>
           <a:r>
             <a:rPr lang="en-US" b="0" i="0"/>
             <a:t>Tensorflow implementation on multiple nodes.</a:t>
@@ -1044,6 +1198,11 @@
         <a:bodyPr/>
         <a:lstStyle/>
         <a:p>
+          <a:pPr>
+            <a:lnSpc>
+              <a:spcPct val="100000"/>
+            </a:lnSpc>
+          </a:pPr>
           <a:r>
             <a:rPr lang="en-US" b="0" i="0"/>
             <a:t>Comparing performance between them.</a:t>
@@ -1074,142 +1233,257 @@
         </a:p>
       </dgm:t>
     </dgm:pt>
-    <dgm:pt modelId="{403A3C0C-B93F-0D4D-8676-5814407BEF09}" type="pres">
-      <dgm:prSet presAssocID="{13AC8D70-F568-45D9-81A2-F0D920E208E9}" presName="vert0" presStyleCnt="0">
+    <dgm:pt modelId="{FA87CF56-6C77-4E93-9125-486ACFD254C9}" type="pres">
+      <dgm:prSet presAssocID="{13AC8D70-F568-45D9-81A2-F0D920E208E9}" presName="root" presStyleCnt="0">
         <dgm:presLayoutVars>
           <dgm:dir/>
-          <dgm:animOne val="branch"/>
-          <dgm:animLvl val="lvl"/>
+          <dgm:resizeHandles val="exact"/>
         </dgm:presLayoutVars>
       </dgm:prSet>
       <dgm:spPr/>
-      <dgm:t>
-        <a:bodyPr/>
-        <a:lstStyle/>
-        <a:p>
-          <a:endParaRPr lang="en-IN"/>
-        </a:p>
-      </dgm:t>
     </dgm:pt>
-    <dgm:pt modelId="{F876CFDF-1C88-1B4A-8E16-40571C14BD3D}" type="pres">
-      <dgm:prSet presAssocID="{FD5282B0-954D-41AF-BA68-E4F145F1B0F6}" presName="thickLine" presStyleLbl="alignNode1" presStyleIdx="0" presStyleCnt="4"/>
+    <dgm:pt modelId="{A72EBB66-EE78-4405-B4CB-564F5645D0C5}" type="pres">
+      <dgm:prSet presAssocID="{FD5282B0-954D-41AF-BA68-E4F145F1B0F6}" presName="compNode" presStyleCnt="0"/>
       <dgm:spPr/>
     </dgm:pt>
-    <dgm:pt modelId="{CCB54DC7-184C-184E-9272-F6FB928F1BA1}" type="pres">
-      <dgm:prSet presAssocID="{FD5282B0-954D-41AF-BA68-E4F145F1B0F6}" presName="horz1" presStyleCnt="0"/>
+    <dgm:pt modelId="{F3634AEC-311C-4F2F-BF22-0DE3EC78308F}" type="pres">
+      <dgm:prSet presAssocID="{FD5282B0-954D-41AF-BA68-E4F145F1B0F6}" presName="bgRect" presStyleLbl="bgShp" presStyleIdx="0" presStyleCnt="4"/>
       <dgm:spPr/>
     </dgm:pt>
-    <dgm:pt modelId="{676C96C9-90EE-9A45-9BA6-5692FA3E3CFD}" type="pres">
-      <dgm:prSet presAssocID="{FD5282B0-954D-41AF-BA68-E4F145F1B0F6}" presName="tx1" presStyleLbl="revTx" presStyleIdx="0" presStyleCnt="4"/>
-      <dgm:spPr/>
-      <dgm:t>
-        <a:bodyPr/>
-        <a:lstStyle/>
-        <a:p>
-          <a:endParaRPr lang="en-IN"/>
-        </a:p>
-      </dgm:t>
+    <dgm:pt modelId="{91B5D3C4-3E58-4244-AA69-93848A3CEA9B}" type="pres">
+      <dgm:prSet presAssocID="{FD5282B0-954D-41AF-BA68-E4F145F1B0F6}" presName="iconRect" presStyleLbl="node1" presStyleIdx="0" presStyleCnt="4"/>
+      <dgm:spPr>
+        <a:blipFill>
+          <a:blip xmlns:r="http://schemas.openxmlformats.org/officeDocument/2006/relationships" r:embed="rId1">
+            <a:extLst>
+              <a:ext uri="{28A0092B-C50C-407E-A947-70E740481C1C}">
+                <a14:useLocalDpi xmlns:a14="http://schemas.microsoft.com/office/drawing/2010/main" val="0"/>
+              </a:ext>
+              <a:ext uri="{96DAC541-7B7A-43D3-8B79-37D633B846F1}">
+                <asvg:svgBlip xmlns:asvg="http://schemas.microsoft.com/office/drawing/2016/SVG/main" r:embed="rId2"/>
+              </a:ext>
+            </a:extLst>
+          </a:blip>
+          <a:stretch>
+            <a:fillRect/>
+          </a:stretch>
+        </a:blipFill>
+        <a:ln>
+          <a:noFill/>
+        </a:ln>
+      </dgm:spPr>
+      <dgm:extLst>
+        <a:ext uri="{E40237B7-FDA0-4F09-8148-C483321AD2D9}">
+          <dgm14:cNvPr xmlns:dgm14="http://schemas.microsoft.com/office/drawing/2010/diagram" id="0" name="" descr="Deciduous tree"/>
+        </a:ext>
+      </dgm:extLst>
     </dgm:pt>
-    <dgm:pt modelId="{7EF02686-FC06-5541-B42A-A48EA7648D96}" type="pres">
-      <dgm:prSet presAssocID="{FD5282B0-954D-41AF-BA68-E4F145F1B0F6}" presName="vert1" presStyleCnt="0"/>
+    <dgm:pt modelId="{D852CE1D-625F-4707-BE45-19CC97211DCB}" type="pres">
+      <dgm:prSet presAssocID="{FD5282B0-954D-41AF-BA68-E4F145F1B0F6}" presName="spaceRect" presStyleCnt="0"/>
       <dgm:spPr/>
     </dgm:pt>
-    <dgm:pt modelId="{EBDB7942-1E4A-4947-890C-D099C0E6E28C}" type="pres">
-      <dgm:prSet presAssocID="{95F36B48-14FF-462F-BC05-AF60509D9FA0}" presName="thickLine" presStyleLbl="alignNode1" presStyleIdx="1" presStyleCnt="4"/>
+    <dgm:pt modelId="{5AB953DF-38A2-44D4-84BC-478B0B9047D3}" type="pres">
+      <dgm:prSet presAssocID="{FD5282B0-954D-41AF-BA68-E4F145F1B0F6}" presName="parTx" presStyleLbl="revTx" presStyleIdx="0" presStyleCnt="4">
+        <dgm:presLayoutVars>
+          <dgm:chMax val="0"/>
+          <dgm:chPref val="0"/>
+        </dgm:presLayoutVars>
+      </dgm:prSet>
       <dgm:spPr/>
     </dgm:pt>
-    <dgm:pt modelId="{937F1B12-F7F3-124A-98A2-0C1952C40B96}" type="pres">
-      <dgm:prSet presAssocID="{95F36B48-14FF-462F-BC05-AF60509D9FA0}" presName="horz1" presStyleCnt="0"/>
+    <dgm:pt modelId="{2A6DCEFF-7AD3-49C8-999B-23AA54280347}" type="pres">
+      <dgm:prSet presAssocID="{CE856DC8-804F-468E-93BA-539C60BD47D7}" presName="sibTrans" presStyleCnt="0"/>
       <dgm:spPr/>
     </dgm:pt>
-    <dgm:pt modelId="{736CAD82-A059-6F41-A9E5-8D6D2BEC750E}" type="pres">
-      <dgm:prSet presAssocID="{95F36B48-14FF-462F-BC05-AF60509D9FA0}" presName="tx1" presStyleLbl="revTx" presStyleIdx="1" presStyleCnt="4"/>
-      <dgm:spPr/>
-      <dgm:t>
-        <a:bodyPr/>
-        <a:lstStyle/>
-        <a:p>
-          <a:endParaRPr lang="en-IN"/>
-        </a:p>
-      </dgm:t>
-    </dgm:pt>
-    <dgm:pt modelId="{EE62B030-9BED-8545-95F0-213CA24594C0}" type="pres">
-      <dgm:prSet presAssocID="{95F36B48-14FF-462F-BC05-AF60509D9FA0}" presName="vert1" presStyleCnt="0"/>
+    <dgm:pt modelId="{E8482BC5-043C-4105-91CF-348AB7525A59}" type="pres">
+      <dgm:prSet presAssocID="{95F36B48-14FF-462F-BC05-AF60509D9FA0}" presName="compNode" presStyleCnt="0"/>
       <dgm:spPr/>
     </dgm:pt>
-    <dgm:pt modelId="{D678CC4A-2ABD-8F4C-8479-2C29D00B7CC3}" type="pres">
-      <dgm:prSet presAssocID="{5607A2BF-15FC-4F62-95A9-1CD3B5483BF5}" presName="thickLine" presStyleLbl="alignNode1" presStyleIdx="2" presStyleCnt="4"/>
+    <dgm:pt modelId="{521480B4-6CB9-4F29-89B5-95B0E857E437}" type="pres">
+      <dgm:prSet presAssocID="{95F36B48-14FF-462F-BC05-AF60509D9FA0}" presName="bgRect" presStyleLbl="bgShp" presStyleIdx="1" presStyleCnt="4"/>
       <dgm:spPr/>
     </dgm:pt>
-    <dgm:pt modelId="{65700656-77BA-DA46-A1F4-F0560D66F5D5}" type="pres">
-      <dgm:prSet presAssocID="{5607A2BF-15FC-4F62-95A9-1CD3B5483BF5}" presName="horz1" presStyleCnt="0"/>
+    <dgm:pt modelId="{1EF42B2F-0606-40BC-AB19-15B6586AA98A}" type="pres">
+      <dgm:prSet presAssocID="{95F36B48-14FF-462F-BC05-AF60509D9FA0}" presName="iconRect" presStyleLbl="node1" presStyleIdx="1" presStyleCnt="4"/>
+      <dgm:spPr>
+        <a:blipFill>
+          <a:blip xmlns:r="http://schemas.openxmlformats.org/officeDocument/2006/relationships" r:embed="rId3">
+            <a:extLst>
+              <a:ext uri="{28A0092B-C50C-407E-A947-70E740481C1C}">
+                <a14:useLocalDpi xmlns:a14="http://schemas.microsoft.com/office/drawing/2010/main" val="0"/>
+              </a:ext>
+              <a:ext uri="{96DAC541-7B7A-43D3-8B79-37D633B846F1}">
+                <asvg:svgBlip xmlns:asvg="http://schemas.microsoft.com/office/drawing/2016/SVG/main" r:embed="rId4"/>
+              </a:ext>
+            </a:extLst>
+          </a:blip>
+          <a:stretch>
+            <a:fillRect/>
+          </a:stretch>
+        </a:blipFill>
+        <a:ln>
+          <a:noFill/>
+        </a:ln>
+      </dgm:spPr>
+      <dgm:extLst>
+        <a:ext uri="{E40237B7-FDA0-4F09-8148-C483321AD2D9}">
+          <dgm14:cNvPr xmlns:dgm14="http://schemas.microsoft.com/office/drawing/2010/diagram" id="0" name="" descr="Fir tree"/>
+        </a:ext>
+      </dgm:extLst>
+    </dgm:pt>
+    <dgm:pt modelId="{2534A019-ED0E-43EB-99EB-1E3015FAF22E}" type="pres">
+      <dgm:prSet presAssocID="{95F36B48-14FF-462F-BC05-AF60509D9FA0}" presName="spaceRect" presStyleCnt="0"/>
       <dgm:spPr/>
     </dgm:pt>
-    <dgm:pt modelId="{67D8BE1B-E8AF-7F4A-B54E-86BF10688827}" type="pres">
-      <dgm:prSet presAssocID="{5607A2BF-15FC-4F62-95A9-1CD3B5483BF5}" presName="tx1" presStyleLbl="revTx" presStyleIdx="2" presStyleCnt="4"/>
-      <dgm:spPr/>
-      <dgm:t>
-        <a:bodyPr/>
-        <a:lstStyle/>
-        <a:p>
-          <a:endParaRPr lang="en-IN"/>
-        </a:p>
-      </dgm:t>
-    </dgm:pt>
-    <dgm:pt modelId="{E7EAE728-4C57-1E43-8E0E-21B3876E5772}" type="pres">
-      <dgm:prSet presAssocID="{5607A2BF-15FC-4F62-95A9-1CD3B5483BF5}" presName="vert1" presStyleCnt="0"/>
+    <dgm:pt modelId="{12BA50BD-05EC-4440-B000-BF1EE52DEB3E}" type="pres">
+      <dgm:prSet presAssocID="{95F36B48-14FF-462F-BC05-AF60509D9FA0}" presName="parTx" presStyleLbl="revTx" presStyleIdx="1" presStyleCnt="4">
+        <dgm:presLayoutVars>
+          <dgm:chMax val="0"/>
+          <dgm:chPref val="0"/>
+        </dgm:presLayoutVars>
+      </dgm:prSet>
       <dgm:spPr/>
     </dgm:pt>
-    <dgm:pt modelId="{70AB2AB2-6309-E248-9CB3-609E02B58EF6}" type="pres">
-      <dgm:prSet presAssocID="{42BD645A-4325-4904-BF74-748A5153F0F8}" presName="thickLine" presStyleLbl="alignNode1" presStyleIdx="3" presStyleCnt="4"/>
+    <dgm:pt modelId="{AC1F7297-684D-4125-9D0B-70BF454A5AB9}" type="pres">
+      <dgm:prSet presAssocID="{3BD4B47A-461D-4F3F-ABB1-D4E9AE005C1D}" presName="sibTrans" presStyleCnt="0"/>
       <dgm:spPr/>
     </dgm:pt>
-    <dgm:pt modelId="{56ADA381-D99F-8F4A-BA25-78D9814BA07E}" type="pres">
-      <dgm:prSet presAssocID="{42BD645A-4325-4904-BF74-748A5153F0F8}" presName="horz1" presStyleCnt="0"/>
+    <dgm:pt modelId="{7879E8B4-E593-411D-A9CB-7E08C71C767C}" type="pres">
+      <dgm:prSet presAssocID="{5607A2BF-15FC-4F62-95A9-1CD3B5483BF5}" presName="compNode" presStyleCnt="0"/>
       <dgm:spPr/>
     </dgm:pt>
-    <dgm:pt modelId="{64853A4E-A5BC-6646-888C-52FF13580E5B}" type="pres">
-      <dgm:prSet presAssocID="{42BD645A-4325-4904-BF74-748A5153F0F8}" presName="tx1" presStyleLbl="revTx" presStyleIdx="3" presStyleCnt="4"/>
+    <dgm:pt modelId="{F3712F59-615C-4334-98C8-3B2E4374E39C}" type="pres">
+      <dgm:prSet presAssocID="{5607A2BF-15FC-4F62-95A9-1CD3B5483BF5}" presName="bgRect" presStyleLbl="bgShp" presStyleIdx="2" presStyleCnt="4"/>
       <dgm:spPr/>
-      <dgm:t>
-        <a:bodyPr/>
-        <a:lstStyle/>
-        <a:p>
-          <a:endParaRPr lang="en-IN"/>
-        </a:p>
-      </dgm:t>
     </dgm:pt>
-    <dgm:pt modelId="{CF234A4D-5FF8-434A-85DF-E72475B0578D}" type="pres">
-      <dgm:prSet presAssocID="{42BD645A-4325-4904-BF74-748A5153F0F8}" presName="vert1" presStyleCnt="0"/>
+    <dgm:pt modelId="{694FC8F6-AC95-4B4E-95F9-6F230BE53E8E}" type="pres">
+      <dgm:prSet presAssocID="{5607A2BF-15FC-4F62-95A9-1CD3B5483BF5}" presName="iconRect" presStyleLbl="node1" presStyleIdx="2" presStyleCnt="4"/>
+      <dgm:spPr>
+        <a:blipFill>
+          <a:blip xmlns:r="http://schemas.openxmlformats.org/officeDocument/2006/relationships" r:embed="rId5">
+            <a:extLst>
+              <a:ext uri="{28A0092B-C50C-407E-A947-70E740481C1C}">
+                <a14:useLocalDpi xmlns:a14="http://schemas.microsoft.com/office/drawing/2010/main" val="0"/>
+              </a:ext>
+              <a:ext uri="{96DAC541-7B7A-43D3-8B79-37D633B846F1}">
+                <asvg:svgBlip xmlns:asvg="http://schemas.microsoft.com/office/drawing/2016/SVG/main" r:embed="rId6"/>
+              </a:ext>
+            </a:extLst>
+          </a:blip>
+          <a:stretch>
+            <a:fillRect/>
+          </a:stretch>
+        </a:blipFill>
+        <a:ln>
+          <a:noFill/>
+        </a:ln>
+      </dgm:spPr>
+      <dgm:extLst>
+        <a:ext uri="{E40237B7-FDA0-4F09-8148-C483321AD2D9}">
+          <dgm14:cNvPr xmlns:dgm14="http://schemas.microsoft.com/office/drawing/2010/diagram" id="0" name="" descr="Network Diagram"/>
+        </a:ext>
+      </dgm:extLst>
+    </dgm:pt>
+    <dgm:pt modelId="{5E8266F6-68A8-44FB-B45E-04B1540A220C}" type="pres">
+      <dgm:prSet presAssocID="{5607A2BF-15FC-4F62-95A9-1CD3B5483BF5}" presName="spaceRect" presStyleCnt="0"/>
+      <dgm:spPr/>
+    </dgm:pt>
+    <dgm:pt modelId="{029FD10A-6632-4D1D-A3AC-A1B0BAE781BE}" type="pres">
+      <dgm:prSet presAssocID="{5607A2BF-15FC-4F62-95A9-1CD3B5483BF5}" presName="parTx" presStyleLbl="revTx" presStyleIdx="2" presStyleCnt="4">
+        <dgm:presLayoutVars>
+          <dgm:chMax val="0"/>
+          <dgm:chPref val="0"/>
+        </dgm:presLayoutVars>
+      </dgm:prSet>
+      <dgm:spPr/>
+    </dgm:pt>
+    <dgm:pt modelId="{25FDFE3C-D389-49FE-BF8A-855B9569EC9C}" type="pres">
+      <dgm:prSet presAssocID="{D5F0D772-4321-4A6F-82AD-E4850CF825F0}" presName="sibTrans" presStyleCnt="0"/>
+      <dgm:spPr/>
+    </dgm:pt>
+    <dgm:pt modelId="{663C4E23-C4BB-490F-BA4C-813B4B915F4E}" type="pres">
+      <dgm:prSet presAssocID="{42BD645A-4325-4904-BF74-748A5153F0F8}" presName="compNode" presStyleCnt="0"/>
+      <dgm:spPr/>
+    </dgm:pt>
+    <dgm:pt modelId="{D8B8D7BA-39AC-4B9A-A5C5-F95A2A186F52}" type="pres">
+      <dgm:prSet presAssocID="{42BD645A-4325-4904-BF74-748A5153F0F8}" presName="bgRect" presStyleLbl="bgShp" presStyleIdx="3" presStyleCnt="4"/>
+      <dgm:spPr/>
+    </dgm:pt>
+    <dgm:pt modelId="{BF69DE66-136B-4DC3-A23B-4E594BF6FB82}" type="pres">
+      <dgm:prSet presAssocID="{42BD645A-4325-4904-BF74-748A5153F0F8}" presName="iconRect" presStyleLbl="node1" presStyleIdx="3" presStyleCnt="4"/>
+      <dgm:spPr>
+        <a:blipFill>
+          <a:blip xmlns:r="http://schemas.openxmlformats.org/officeDocument/2006/relationships" r:embed="rId7">
+            <a:extLst>
+              <a:ext uri="{28A0092B-C50C-407E-A947-70E740481C1C}">
+                <a14:useLocalDpi xmlns:a14="http://schemas.microsoft.com/office/drawing/2010/main" val="0"/>
+              </a:ext>
+              <a:ext uri="{96DAC541-7B7A-43D3-8B79-37D633B846F1}">
+                <asvg:svgBlip xmlns:asvg="http://schemas.microsoft.com/office/drawing/2016/SVG/main" r:embed="rId8"/>
+              </a:ext>
+            </a:extLst>
+          </a:blip>
+          <a:stretch>
+            <a:fillRect/>
+          </a:stretch>
+        </a:blipFill>
+        <a:ln>
+          <a:noFill/>
+        </a:ln>
+      </dgm:spPr>
+      <dgm:extLst>
+        <a:ext uri="{E40237B7-FDA0-4F09-8148-C483321AD2D9}">
+          <dgm14:cNvPr xmlns:dgm14="http://schemas.microsoft.com/office/drawing/2010/diagram" id="0" name="" descr="Gauge"/>
+        </a:ext>
+      </dgm:extLst>
+    </dgm:pt>
+    <dgm:pt modelId="{44A2BC92-F06F-420C-8336-CF0CE14B8ED0}" type="pres">
+      <dgm:prSet presAssocID="{42BD645A-4325-4904-BF74-748A5153F0F8}" presName="spaceRect" presStyleCnt="0"/>
+      <dgm:spPr/>
+    </dgm:pt>
+    <dgm:pt modelId="{61C93BB0-27A0-46AD-8645-26313670AEB7}" type="pres">
+      <dgm:prSet presAssocID="{42BD645A-4325-4904-BF74-748A5153F0F8}" presName="parTx" presStyleLbl="revTx" presStyleIdx="3" presStyleCnt="4">
+        <dgm:presLayoutVars>
+          <dgm:chMax val="0"/>
+          <dgm:chPref val="0"/>
+        </dgm:presLayoutVars>
+      </dgm:prSet>
       <dgm:spPr/>
     </dgm:pt>
   </dgm:ptLst>
   <dgm:cxnLst>
-    <dgm:cxn modelId="{259E4FD6-AF74-AB4D-8FF2-C45265B8700E}" type="presOf" srcId="{13AC8D70-F568-45D9-81A2-F0D920E208E9}" destId="{403A3C0C-B93F-0D4D-8676-5814407BEF09}" srcOrd="0" destOrd="0" presId="urn:microsoft.com/office/officeart/2008/layout/LinedList"/>
+    <dgm:cxn modelId="{B9963A2B-CABA-BB4A-8A45-7AF7CAF44230}" type="presOf" srcId="{42BD645A-4325-4904-BF74-748A5153F0F8}" destId="{61C93BB0-27A0-46AD-8645-26313670AEB7}" srcOrd="0" destOrd="0" presId="urn:microsoft.com/office/officeart/2018/2/layout/IconVerticalSolidList"/>
+    <dgm:cxn modelId="{3DE5D033-2D10-4A18-832F-25B590EDE5F2}" srcId="{13AC8D70-F568-45D9-81A2-F0D920E208E9}" destId="{95F36B48-14FF-462F-BC05-AF60509D9FA0}" srcOrd="1" destOrd="0" parTransId="{3560937D-21CF-4FB1-9394-BB227FEA1AB7}" sibTransId="{3BD4B47A-461D-4F3F-ABB1-D4E9AE005C1D}"/>
+    <dgm:cxn modelId="{BE88653D-BFDA-429F-8C3F-18C8A4A47235}" srcId="{13AC8D70-F568-45D9-81A2-F0D920E208E9}" destId="{FD5282B0-954D-41AF-BA68-E4F145F1B0F6}" srcOrd="0" destOrd="0" parTransId="{6319FE05-B737-4385-B682-F1D645712A64}" sibTransId="{CE856DC8-804F-468E-93BA-539C60BD47D7}"/>
+    <dgm:cxn modelId="{BF20F455-E554-4AC6-B1CC-2598FEA0C476}" srcId="{13AC8D70-F568-45D9-81A2-F0D920E208E9}" destId="{5607A2BF-15FC-4F62-95A9-1CD3B5483BF5}" srcOrd="2" destOrd="0" parTransId="{5E637F5B-E81B-4DD3-B7CA-503956515497}" sibTransId="{D5F0D772-4321-4A6F-82AD-E4850CF825F0}"/>
+    <dgm:cxn modelId="{73081357-ADDD-B740-A052-3A8953612367}" type="presOf" srcId="{5607A2BF-15FC-4F62-95A9-1CD3B5483BF5}" destId="{029FD10A-6632-4D1D-A3AC-A1B0BAE781BE}" srcOrd="0" destOrd="0" presId="urn:microsoft.com/office/officeart/2018/2/layout/IconVerticalSolidList"/>
+    <dgm:cxn modelId="{D8A9145C-98CB-FF4B-BF90-CEFCF1DB14C9}" type="presOf" srcId="{95F36B48-14FF-462F-BC05-AF60509D9FA0}" destId="{12BA50BD-05EC-4440-B000-BF1EE52DEB3E}" srcOrd="0" destOrd="0" presId="urn:microsoft.com/office/officeart/2018/2/layout/IconVerticalSolidList"/>
+    <dgm:cxn modelId="{93A7D8AE-2C63-1640-98D1-4CC0D1F795F1}" type="presOf" srcId="{13AC8D70-F568-45D9-81A2-F0D920E208E9}" destId="{FA87CF56-6C77-4E93-9125-486ACFD254C9}" srcOrd="0" destOrd="0" presId="urn:microsoft.com/office/officeart/2018/2/layout/IconVerticalSolidList"/>
     <dgm:cxn modelId="{7E6A6BB8-9C37-4754-9655-24456F6E9BA0}" srcId="{13AC8D70-F568-45D9-81A2-F0D920E208E9}" destId="{42BD645A-4325-4904-BF74-748A5153F0F8}" srcOrd="3" destOrd="0" parTransId="{D5F82C99-98A0-4053-BD77-9FD0D23B80AD}" sibTransId="{4F8A79E9-411C-4668-812D-C117F2F6CE72}"/>
-    <dgm:cxn modelId="{2A1C99D9-D399-274D-B518-1DAF7563A2DB}" type="presOf" srcId="{42BD645A-4325-4904-BF74-748A5153F0F8}" destId="{64853A4E-A5BC-6646-888C-52FF13580E5B}" srcOrd="0" destOrd="0" presId="urn:microsoft.com/office/officeart/2008/layout/LinedList"/>
-    <dgm:cxn modelId="{BE88653D-BFDA-429F-8C3F-18C8A4A47235}" srcId="{13AC8D70-F568-45D9-81A2-F0D920E208E9}" destId="{FD5282B0-954D-41AF-BA68-E4F145F1B0F6}" srcOrd="0" destOrd="0" parTransId="{6319FE05-B737-4385-B682-F1D645712A64}" sibTransId="{CE856DC8-804F-468E-93BA-539C60BD47D7}"/>
-    <dgm:cxn modelId="{3DE5D033-2D10-4A18-832F-25B590EDE5F2}" srcId="{13AC8D70-F568-45D9-81A2-F0D920E208E9}" destId="{95F36B48-14FF-462F-BC05-AF60509D9FA0}" srcOrd="1" destOrd="0" parTransId="{3560937D-21CF-4FB1-9394-BB227FEA1AB7}" sibTransId="{3BD4B47A-461D-4F3F-ABB1-D4E9AE005C1D}"/>
-    <dgm:cxn modelId="{BBB081C9-5F3F-494A-BF35-714A24262114}" type="presOf" srcId="{95F36B48-14FF-462F-BC05-AF60509D9FA0}" destId="{736CAD82-A059-6F41-A9E5-8D6D2BEC750E}" srcOrd="0" destOrd="0" presId="urn:microsoft.com/office/officeart/2008/layout/LinedList"/>
-    <dgm:cxn modelId="{CF539797-3304-A64A-91A3-6137AB916383}" type="presOf" srcId="{5607A2BF-15FC-4F62-95A9-1CD3B5483BF5}" destId="{67D8BE1B-E8AF-7F4A-B54E-86BF10688827}" srcOrd="0" destOrd="0" presId="urn:microsoft.com/office/officeart/2008/layout/LinedList"/>
-    <dgm:cxn modelId="{BF20F455-E554-4AC6-B1CC-2598FEA0C476}" srcId="{13AC8D70-F568-45D9-81A2-F0D920E208E9}" destId="{5607A2BF-15FC-4F62-95A9-1CD3B5483BF5}" srcOrd="2" destOrd="0" parTransId="{5E637F5B-E81B-4DD3-B7CA-503956515497}" sibTransId="{D5F0D772-4321-4A6F-82AD-E4850CF825F0}"/>
-    <dgm:cxn modelId="{083A092E-B6A8-7947-87ED-3D8C2CF61DB6}" type="presOf" srcId="{FD5282B0-954D-41AF-BA68-E4F145F1B0F6}" destId="{676C96C9-90EE-9A45-9BA6-5692FA3E3CFD}" srcOrd="0" destOrd="0" presId="urn:microsoft.com/office/officeart/2008/layout/LinedList"/>
-    <dgm:cxn modelId="{3F4CE82D-90E7-1F41-B6A1-A59D2C1395E0}" type="presParOf" srcId="{403A3C0C-B93F-0D4D-8676-5814407BEF09}" destId="{F876CFDF-1C88-1B4A-8E16-40571C14BD3D}" srcOrd="0" destOrd="0" presId="urn:microsoft.com/office/officeart/2008/layout/LinedList"/>
-    <dgm:cxn modelId="{AA68D41D-BE5E-2B40-8855-8C9E66A7A899}" type="presParOf" srcId="{403A3C0C-B93F-0D4D-8676-5814407BEF09}" destId="{CCB54DC7-184C-184E-9272-F6FB928F1BA1}" srcOrd="1" destOrd="0" presId="urn:microsoft.com/office/officeart/2008/layout/LinedList"/>
-    <dgm:cxn modelId="{1FD591AD-A2D0-6D45-9E57-B6B3B45E2855}" type="presParOf" srcId="{CCB54DC7-184C-184E-9272-F6FB928F1BA1}" destId="{676C96C9-90EE-9A45-9BA6-5692FA3E3CFD}" srcOrd="0" destOrd="0" presId="urn:microsoft.com/office/officeart/2008/layout/LinedList"/>
-    <dgm:cxn modelId="{CD6E2AF6-480A-3640-B7E4-FA7CB38B3363}" type="presParOf" srcId="{CCB54DC7-184C-184E-9272-F6FB928F1BA1}" destId="{7EF02686-FC06-5541-B42A-A48EA7648D96}" srcOrd="1" destOrd="0" presId="urn:microsoft.com/office/officeart/2008/layout/LinedList"/>
-    <dgm:cxn modelId="{718484BB-89D1-F344-BC2E-90F5EE64531D}" type="presParOf" srcId="{403A3C0C-B93F-0D4D-8676-5814407BEF09}" destId="{EBDB7942-1E4A-4947-890C-D099C0E6E28C}" srcOrd="2" destOrd="0" presId="urn:microsoft.com/office/officeart/2008/layout/LinedList"/>
-    <dgm:cxn modelId="{574C93A0-0798-0B45-B0C9-DC52732B043D}" type="presParOf" srcId="{403A3C0C-B93F-0D4D-8676-5814407BEF09}" destId="{937F1B12-F7F3-124A-98A2-0C1952C40B96}" srcOrd="3" destOrd="0" presId="urn:microsoft.com/office/officeart/2008/layout/LinedList"/>
-    <dgm:cxn modelId="{3DD1D861-6084-A243-B035-33FFD5D88FE2}" type="presParOf" srcId="{937F1B12-F7F3-124A-98A2-0C1952C40B96}" destId="{736CAD82-A059-6F41-A9E5-8D6D2BEC750E}" srcOrd="0" destOrd="0" presId="urn:microsoft.com/office/officeart/2008/layout/LinedList"/>
-    <dgm:cxn modelId="{F0FC026B-EB1A-074D-B482-50110E44F8CE}" type="presParOf" srcId="{937F1B12-F7F3-124A-98A2-0C1952C40B96}" destId="{EE62B030-9BED-8545-95F0-213CA24594C0}" srcOrd="1" destOrd="0" presId="urn:microsoft.com/office/officeart/2008/layout/LinedList"/>
-    <dgm:cxn modelId="{C9F5B3D1-6468-B54F-A662-516C20B17D3F}" type="presParOf" srcId="{403A3C0C-B93F-0D4D-8676-5814407BEF09}" destId="{D678CC4A-2ABD-8F4C-8479-2C29D00B7CC3}" srcOrd="4" destOrd="0" presId="urn:microsoft.com/office/officeart/2008/layout/LinedList"/>
-    <dgm:cxn modelId="{FB26DD51-6B93-A944-9F0C-08CB7AB6D229}" type="presParOf" srcId="{403A3C0C-B93F-0D4D-8676-5814407BEF09}" destId="{65700656-77BA-DA46-A1F4-F0560D66F5D5}" srcOrd="5" destOrd="0" presId="urn:microsoft.com/office/officeart/2008/layout/LinedList"/>
-    <dgm:cxn modelId="{4AD815E4-9F67-EB44-AEA7-AD906141DB09}" type="presParOf" srcId="{65700656-77BA-DA46-A1F4-F0560D66F5D5}" destId="{67D8BE1B-E8AF-7F4A-B54E-86BF10688827}" srcOrd="0" destOrd="0" presId="urn:microsoft.com/office/officeart/2008/layout/LinedList"/>
-    <dgm:cxn modelId="{D26BA4F5-DD0F-B148-B94A-2D012736E5B9}" type="presParOf" srcId="{65700656-77BA-DA46-A1F4-F0560D66F5D5}" destId="{E7EAE728-4C57-1E43-8E0E-21B3876E5772}" srcOrd="1" destOrd="0" presId="urn:microsoft.com/office/officeart/2008/layout/LinedList"/>
-    <dgm:cxn modelId="{EAADBD5D-8A65-AE4A-8CDE-8262823A946A}" type="presParOf" srcId="{403A3C0C-B93F-0D4D-8676-5814407BEF09}" destId="{70AB2AB2-6309-E248-9CB3-609E02B58EF6}" srcOrd="6" destOrd="0" presId="urn:microsoft.com/office/officeart/2008/layout/LinedList"/>
-    <dgm:cxn modelId="{A3E1071E-93E2-684F-8743-F74CEC2868A2}" type="presParOf" srcId="{403A3C0C-B93F-0D4D-8676-5814407BEF09}" destId="{56ADA381-D99F-8F4A-BA25-78D9814BA07E}" srcOrd="7" destOrd="0" presId="urn:microsoft.com/office/officeart/2008/layout/LinedList"/>
-    <dgm:cxn modelId="{7C0D01A8-B855-474C-8FD4-8D0D6E7133AD}" type="presParOf" srcId="{56ADA381-D99F-8F4A-BA25-78D9814BA07E}" destId="{64853A4E-A5BC-6646-888C-52FF13580E5B}" srcOrd="0" destOrd="0" presId="urn:microsoft.com/office/officeart/2008/layout/LinedList"/>
-    <dgm:cxn modelId="{A4BC217A-B2F2-194C-91A2-6FF9CCEB8817}" type="presParOf" srcId="{56ADA381-D99F-8F4A-BA25-78D9814BA07E}" destId="{CF234A4D-5FF8-434A-85DF-E72475B0578D}" srcOrd="1" destOrd="0" presId="urn:microsoft.com/office/officeart/2008/layout/LinedList"/>
+    <dgm:cxn modelId="{63E64BD3-670D-CB49-9B03-3ED3B118657D}" type="presOf" srcId="{FD5282B0-954D-41AF-BA68-E4F145F1B0F6}" destId="{5AB953DF-38A2-44D4-84BC-478B0B9047D3}" srcOrd="0" destOrd="0" presId="urn:microsoft.com/office/officeart/2018/2/layout/IconVerticalSolidList"/>
+    <dgm:cxn modelId="{06015BCE-DB2D-554E-97D5-F9C700163187}" type="presParOf" srcId="{FA87CF56-6C77-4E93-9125-486ACFD254C9}" destId="{A72EBB66-EE78-4405-B4CB-564F5645D0C5}" srcOrd="0" destOrd="0" presId="urn:microsoft.com/office/officeart/2018/2/layout/IconVerticalSolidList"/>
+    <dgm:cxn modelId="{E511DD77-030A-9246-A602-FD2CFDFF3FF9}" type="presParOf" srcId="{A72EBB66-EE78-4405-B4CB-564F5645D0C5}" destId="{F3634AEC-311C-4F2F-BF22-0DE3EC78308F}" srcOrd="0" destOrd="0" presId="urn:microsoft.com/office/officeart/2018/2/layout/IconVerticalSolidList"/>
+    <dgm:cxn modelId="{591D7BF7-369A-CC46-9CB3-3705C81A0EF5}" type="presParOf" srcId="{A72EBB66-EE78-4405-B4CB-564F5645D0C5}" destId="{91B5D3C4-3E58-4244-AA69-93848A3CEA9B}" srcOrd="1" destOrd="0" presId="urn:microsoft.com/office/officeart/2018/2/layout/IconVerticalSolidList"/>
+    <dgm:cxn modelId="{AC6408D5-81AE-8747-808A-4AA102414684}" type="presParOf" srcId="{A72EBB66-EE78-4405-B4CB-564F5645D0C5}" destId="{D852CE1D-625F-4707-BE45-19CC97211DCB}" srcOrd="2" destOrd="0" presId="urn:microsoft.com/office/officeart/2018/2/layout/IconVerticalSolidList"/>
+    <dgm:cxn modelId="{C4A7FF1C-2F74-334B-A3CA-0651CFFE84E8}" type="presParOf" srcId="{A72EBB66-EE78-4405-B4CB-564F5645D0C5}" destId="{5AB953DF-38A2-44D4-84BC-478B0B9047D3}" srcOrd="3" destOrd="0" presId="urn:microsoft.com/office/officeart/2018/2/layout/IconVerticalSolidList"/>
+    <dgm:cxn modelId="{4E3BC85F-53B6-3B4C-BB9B-32CEEDEDC8C4}" type="presParOf" srcId="{FA87CF56-6C77-4E93-9125-486ACFD254C9}" destId="{2A6DCEFF-7AD3-49C8-999B-23AA54280347}" srcOrd="1" destOrd="0" presId="urn:microsoft.com/office/officeart/2018/2/layout/IconVerticalSolidList"/>
+    <dgm:cxn modelId="{5EECF4B6-48CE-D943-990B-18453A3B9865}" type="presParOf" srcId="{FA87CF56-6C77-4E93-9125-486ACFD254C9}" destId="{E8482BC5-043C-4105-91CF-348AB7525A59}" srcOrd="2" destOrd="0" presId="urn:microsoft.com/office/officeart/2018/2/layout/IconVerticalSolidList"/>
+    <dgm:cxn modelId="{6F6B8224-E585-1A46-8886-B7221A55BF3D}" type="presParOf" srcId="{E8482BC5-043C-4105-91CF-348AB7525A59}" destId="{521480B4-6CB9-4F29-89B5-95B0E857E437}" srcOrd="0" destOrd="0" presId="urn:microsoft.com/office/officeart/2018/2/layout/IconVerticalSolidList"/>
+    <dgm:cxn modelId="{5E4A5482-E2AE-9547-ADF7-D690D5D31E12}" type="presParOf" srcId="{E8482BC5-043C-4105-91CF-348AB7525A59}" destId="{1EF42B2F-0606-40BC-AB19-15B6586AA98A}" srcOrd="1" destOrd="0" presId="urn:microsoft.com/office/officeart/2018/2/layout/IconVerticalSolidList"/>
+    <dgm:cxn modelId="{BA392365-246C-D842-8AD4-72EA5E6EEF1D}" type="presParOf" srcId="{E8482BC5-043C-4105-91CF-348AB7525A59}" destId="{2534A019-ED0E-43EB-99EB-1E3015FAF22E}" srcOrd="2" destOrd="0" presId="urn:microsoft.com/office/officeart/2018/2/layout/IconVerticalSolidList"/>
+    <dgm:cxn modelId="{124DE104-B2DC-E343-96E4-102A562CE166}" type="presParOf" srcId="{E8482BC5-043C-4105-91CF-348AB7525A59}" destId="{12BA50BD-05EC-4440-B000-BF1EE52DEB3E}" srcOrd="3" destOrd="0" presId="urn:microsoft.com/office/officeart/2018/2/layout/IconVerticalSolidList"/>
+    <dgm:cxn modelId="{5197CA8F-BA6B-E642-9AE6-A7EB9CF4BF14}" type="presParOf" srcId="{FA87CF56-6C77-4E93-9125-486ACFD254C9}" destId="{AC1F7297-684D-4125-9D0B-70BF454A5AB9}" srcOrd="3" destOrd="0" presId="urn:microsoft.com/office/officeart/2018/2/layout/IconVerticalSolidList"/>
+    <dgm:cxn modelId="{99B86B3F-8073-EC43-8C02-4FEF0B022BD8}" type="presParOf" srcId="{FA87CF56-6C77-4E93-9125-486ACFD254C9}" destId="{7879E8B4-E593-411D-A9CB-7E08C71C767C}" srcOrd="4" destOrd="0" presId="urn:microsoft.com/office/officeart/2018/2/layout/IconVerticalSolidList"/>
+    <dgm:cxn modelId="{181FDE5B-0371-614D-AA91-D31D479BA3D9}" type="presParOf" srcId="{7879E8B4-E593-411D-A9CB-7E08C71C767C}" destId="{F3712F59-615C-4334-98C8-3B2E4374E39C}" srcOrd="0" destOrd="0" presId="urn:microsoft.com/office/officeart/2018/2/layout/IconVerticalSolidList"/>
+    <dgm:cxn modelId="{06582A6A-952A-D44E-AD26-1596601AEAB3}" type="presParOf" srcId="{7879E8B4-E593-411D-A9CB-7E08C71C767C}" destId="{694FC8F6-AC95-4B4E-95F9-6F230BE53E8E}" srcOrd="1" destOrd="0" presId="urn:microsoft.com/office/officeart/2018/2/layout/IconVerticalSolidList"/>
+    <dgm:cxn modelId="{EAACA949-6B84-884F-9E01-DAEE527BCE21}" type="presParOf" srcId="{7879E8B4-E593-411D-A9CB-7E08C71C767C}" destId="{5E8266F6-68A8-44FB-B45E-04B1540A220C}" srcOrd="2" destOrd="0" presId="urn:microsoft.com/office/officeart/2018/2/layout/IconVerticalSolidList"/>
+    <dgm:cxn modelId="{C4D77E0D-C654-B74E-8395-DB9DD5E28D8C}" type="presParOf" srcId="{7879E8B4-E593-411D-A9CB-7E08C71C767C}" destId="{029FD10A-6632-4D1D-A3AC-A1B0BAE781BE}" srcOrd="3" destOrd="0" presId="urn:microsoft.com/office/officeart/2018/2/layout/IconVerticalSolidList"/>
+    <dgm:cxn modelId="{EC9C5642-2259-3447-95C7-4B70EBFCCED8}" type="presParOf" srcId="{FA87CF56-6C77-4E93-9125-486ACFD254C9}" destId="{25FDFE3C-D389-49FE-BF8A-855B9569EC9C}" srcOrd="5" destOrd="0" presId="urn:microsoft.com/office/officeart/2018/2/layout/IconVerticalSolidList"/>
+    <dgm:cxn modelId="{313FE08D-0118-0A4E-A12C-3B7577FEFED2}" type="presParOf" srcId="{FA87CF56-6C77-4E93-9125-486ACFD254C9}" destId="{663C4E23-C4BB-490F-BA4C-813B4B915F4E}" srcOrd="6" destOrd="0" presId="urn:microsoft.com/office/officeart/2018/2/layout/IconVerticalSolidList"/>
+    <dgm:cxn modelId="{8124F0B8-32C8-7843-B7DD-0BA33E0EADDD}" type="presParOf" srcId="{663C4E23-C4BB-490F-BA4C-813B4B915F4E}" destId="{D8B8D7BA-39AC-4B9A-A5C5-F95A2A186F52}" srcOrd="0" destOrd="0" presId="urn:microsoft.com/office/officeart/2018/2/layout/IconVerticalSolidList"/>
+    <dgm:cxn modelId="{1E693337-6AE5-EA42-B624-700AA21E28A2}" type="presParOf" srcId="{663C4E23-C4BB-490F-BA4C-813B4B915F4E}" destId="{BF69DE66-136B-4DC3-A23B-4E594BF6FB82}" srcOrd="1" destOrd="0" presId="urn:microsoft.com/office/officeart/2018/2/layout/IconVerticalSolidList"/>
+    <dgm:cxn modelId="{0ED9C6A1-4746-9949-81F4-539E117EE87F}" type="presParOf" srcId="{663C4E23-C4BB-490F-BA4C-813B4B915F4E}" destId="{44A2BC92-F06F-420C-8336-CF0CE14B8ED0}" srcOrd="2" destOrd="0" presId="urn:microsoft.com/office/officeart/2018/2/layout/IconVerticalSolidList"/>
+    <dgm:cxn modelId="{C360CC58-5D74-9640-871D-F3612CC95C9A}" type="presParOf" srcId="{663C4E23-C4BB-490F-BA4C-813B4B915F4E}" destId="{61C93BB0-27A0-46AD-8645-26313670AEB7}" srcOrd="3" destOrd="0" presId="urn:microsoft.com/office/officeart/2018/2/layout/IconVerticalSolidList"/>
   </dgm:cxnLst>
   <dgm:bg/>
   <dgm:whole/>
@@ -1229,36 +1503,78 @@
       <dsp:cNvGrpSpPr/>
     </dsp:nvGrpSpPr>
     <dsp:grpSpPr/>
-    <dsp:sp modelId="{F876CFDF-1C88-1B4A-8E16-40571C14BD3D}">
+    <dsp:sp modelId="{F3634AEC-311C-4F2F-BF22-0DE3EC78308F}">
       <dsp:nvSpPr>
         <dsp:cNvPr id="0" name=""/>
         <dsp:cNvSpPr/>
       </dsp:nvSpPr>
       <dsp:spPr>
         <a:xfrm>
-          <a:off x="0" y="0"/>
-          <a:ext cx="6116795" cy="0"/>
+          <a:off x="0" y="2177"/>
+          <a:ext cx="6391275" cy="1103648"/>
         </a:xfrm>
-        <a:prstGeom prst="line">
-          <a:avLst/>
+        <a:prstGeom prst="roundRect">
+          <a:avLst>
+            <a:gd name="adj" fmla="val 10000"/>
+          </a:avLst>
         </a:prstGeom>
         <a:solidFill>
-          <a:schemeClr val="accent2">
+          <a:schemeClr val="bg1">
+            <a:lumMod val="95000"/>
             <a:hueOff val="0"/>
             <a:satOff val="0"/>
             <a:lumOff val="0"/>
             <a:alphaOff val="0"/>
           </a:schemeClr>
         </a:solidFill>
+        <a:ln>
+          <a:noFill/>
+        </a:ln>
+        <a:effectLst/>
+      </dsp:spPr>
+      <dsp:style>
+        <a:lnRef idx="0">
+          <a:scrgbClr r="0" g="0" b="0"/>
+        </a:lnRef>
+        <a:fillRef idx="1">
+          <a:scrgbClr r="0" g="0" b="0"/>
+        </a:fillRef>
+        <a:effectRef idx="0">
+          <a:scrgbClr r="0" g="0" b="0"/>
+        </a:effectRef>
+        <a:fontRef idx="minor"/>
+      </dsp:style>
+    </dsp:sp>
+    <dsp:sp modelId="{91B5D3C4-3E58-4244-AA69-93848A3CEA9B}">
+      <dsp:nvSpPr>
+        <dsp:cNvPr id="0" name=""/>
+        <dsp:cNvSpPr/>
+      </dsp:nvSpPr>
+      <dsp:spPr>
+        <a:xfrm>
+          <a:off x="333853" y="250498"/>
+          <a:ext cx="607006" cy="607006"/>
+        </a:xfrm>
+        <a:prstGeom prst="rect">
+          <a:avLst/>
+        </a:prstGeom>
+        <a:blipFill>
+          <a:blip xmlns:r="http://schemas.openxmlformats.org/officeDocument/2006/relationships" r:embed="rId1">
+            <a:extLst>
+              <a:ext uri="{28A0092B-C50C-407E-A947-70E740481C1C}">
+                <a14:useLocalDpi xmlns:a14="http://schemas.microsoft.com/office/drawing/2010/main" val="0"/>
+              </a:ext>
+              <a:ext uri="{96DAC541-7B7A-43D3-8B79-37D633B846F1}">
+                <asvg:svgBlip xmlns:asvg="http://schemas.microsoft.com/office/drawing/2016/SVG/main" r:embed="rId2"/>
+              </a:ext>
+            </a:extLst>
+          </a:blip>
+          <a:stretch>
+            <a:fillRect/>
+          </a:stretch>
+        </a:blipFill>
         <a:ln w="19050" cap="rnd" cmpd="sng" algn="ctr">
-          <a:solidFill>
-            <a:schemeClr val="accent2">
-              <a:hueOff val="0"/>
-              <a:satOff val="0"/>
-              <a:lumOff val="0"/>
-              <a:alphaOff val="0"/>
-            </a:schemeClr>
-          </a:solidFill>
+          <a:noFill/>
           <a:prstDash val="solid"/>
         </a:ln>
         <a:effectLst/>
@@ -1278,15 +1594,15 @@
         </a:fontRef>
       </dsp:style>
     </dsp:sp>
-    <dsp:sp modelId="{676C96C9-90EE-9A45-9BA6-5692FA3E3CFD}">
+    <dsp:sp modelId="{5AB953DF-38A2-44D4-84BC-478B0B9047D3}">
       <dsp:nvSpPr>
         <dsp:cNvPr id="0" name=""/>
         <dsp:cNvSpPr/>
       </dsp:nvSpPr>
       <dsp:spPr>
         <a:xfrm>
-          <a:off x="0" y="0"/>
-          <a:ext cx="6116795" cy="1232182"/>
+          <a:off x="1274714" y="2177"/>
+          <a:ext cx="5116560" cy="1103648"/>
         </a:xfrm>
         <a:prstGeom prst="rect">
           <a:avLst/>
@@ -1310,14 +1626,14 @@
         <a:fontRef idx="minor"/>
       </dsp:style>
       <dsp:txBody>
-        <a:bodyPr spcFirstLastPara="0" vert="horz" wrap="square" lIns="102870" tIns="102870" rIns="102870" bIns="102870" numCol="1" spcCol="1270" anchor="t" anchorCtr="0">
+        <a:bodyPr spcFirstLastPara="0" vert="horz" wrap="square" lIns="116803" tIns="116803" rIns="116803" bIns="116803" numCol="1" spcCol="1270" anchor="ctr" anchorCtr="0">
           <a:noAutofit/>
         </a:bodyPr>
         <a:lstStyle/>
         <a:p>
-          <a:pPr lvl="0" algn="l" defTabSz="1200150">
+          <a:pPr marL="0" lvl="0" indent="0" algn="l" defTabSz="977900">
             <a:lnSpc>
-              <a:spcPct val="90000"/>
+              <a:spcPct val="100000"/>
             </a:lnSpc>
             <a:spcBef>
               <a:spcPct val="0"/>
@@ -1325,49 +1641,92 @@
             <a:spcAft>
               <a:spcPct val="35000"/>
             </a:spcAft>
+            <a:buNone/>
           </a:pPr>
           <a:r>
-            <a:rPr lang="en-US" sz="2700" b="0" i="0" kern="1200"/>
+            <a:rPr lang="en-US" sz="2200" b="0" i="0" kern="1200"/>
             <a:t>Implementation of parallized forest using spark on multiple nodes. </a:t>
           </a:r>
-          <a:endParaRPr lang="en-US" sz="2700" kern="1200"/>
+          <a:endParaRPr lang="en-US" sz="2200" kern="1200"/>
         </a:p>
       </dsp:txBody>
       <dsp:txXfrm>
-        <a:off x="0" y="0"/>
-        <a:ext cx="6116795" cy="1232182"/>
+        <a:off x="1274714" y="2177"/>
+        <a:ext cx="5116560" cy="1103648"/>
       </dsp:txXfrm>
     </dsp:sp>
-    <dsp:sp modelId="{EBDB7942-1E4A-4947-890C-D099C0E6E28C}">
+    <dsp:sp modelId="{521480B4-6CB9-4F29-89B5-95B0E857E437}">
       <dsp:nvSpPr>
         <dsp:cNvPr id="0" name=""/>
         <dsp:cNvSpPr/>
       </dsp:nvSpPr>
       <dsp:spPr>
         <a:xfrm>
-          <a:off x="0" y="1232181"/>
-          <a:ext cx="6116795" cy="0"/>
+          <a:off x="0" y="1381738"/>
+          <a:ext cx="6391275" cy="1103648"/>
         </a:xfrm>
-        <a:prstGeom prst="line">
-          <a:avLst/>
+        <a:prstGeom prst="roundRect">
+          <a:avLst>
+            <a:gd name="adj" fmla="val 10000"/>
+          </a:avLst>
         </a:prstGeom>
         <a:solidFill>
-          <a:schemeClr val="accent2">
-            <a:hueOff val="-6588574"/>
-            <a:satOff val="300"/>
+          <a:schemeClr val="bg1">
+            <a:lumMod val="95000"/>
+            <a:hueOff val="0"/>
+            <a:satOff val="0"/>
             <a:lumOff val="0"/>
             <a:alphaOff val="0"/>
           </a:schemeClr>
         </a:solidFill>
+        <a:ln>
+          <a:noFill/>
+        </a:ln>
+        <a:effectLst/>
+      </dsp:spPr>
+      <dsp:style>
+        <a:lnRef idx="0">
+          <a:scrgbClr r="0" g="0" b="0"/>
+        </a:lnRef>
+        <a:fillRef idx="1">
+          <a:scrgbClr r="0" g="0" b="0"/>
+        </a:fillRef>
+        <a:effectRef idx="0">
+          <a:scrgbClr r="0" g="0" b="0"/>
+        </a:effectRef>
+        <a:fontRef idx="minor"/>
+      </dsp:style>
+    </dsp:sp>
+    <dsp:sp modelId="{1EF42B2F-0606-40BC-AB19-15B6586AA98A}">
+      <dsp:nvSpPr>
+        <dsp:cNvPr id="0" name=""/>
+        <dsp:cNvSpPr/>
+      </dsp:nvSpPr>
+      <dsp:spPr>
+        <a:xfrm>
+          <a:off x="333853" y="1630059"/>
+          <a:ext cx="607006" cy="607006"/>
+        </a:xfrm>
+        <a:prstGeom prst="rect">
+          <a:avLst/>
+        </a:prstGeom>
+        <a:blipFill>
+          <a:blip xmlns:r="http://schemas.openxmlformats.org/officeDocument/2006/relationships" r:embed="rId3">
+            <a:extLst>
+              <a:ext uri="{28A0092B-C50C-407E-A947-70E740481C1C}">
+                <a14:useLocalDpi xmlns:a14="http://schemas.microsoft.com/office/drawing/2010/main" val="0"/>
+              </a:ext>
+              <a:ext uri="{96DAC541-7B7A-43D3-8B79-37D633B846F1}">
+                <asvg:svgBlip xmlns:asvg="http://schemas.microsoft.com/office/drawing/2016/SVG/main" r:embed="rId4"/>
+              </a:ext>
+            </a:extLst>
+          </a:blip>
+          <a:stretch>
+            <a:fillRect/>
+          </a:stretch>
+        </a:blipFill>
         <a:ln w="19050" cap="rnd" cmpd="sng" algn="ctr">
-          <a:solidFill>
-            <a:schemeClr val="accent2">
-              <a:hueOff val="-6588574"/>
-              <a:satOff val="300"/>
-              <a:lumOff val="0"/>
-              <a:alphaOff val="0"/>
-            </a:schemeClr>
-          </a:solidFill>
+          <a:noFill/>
           <a:prstDash val="solid"/>
         </a:ln>
         <a:effectLst/>
@@ -1387,15 +1746,15 @@
         </a:fontRef>
       </dsp:style>
     </dsp:sp>
-    <dsp:sp modelId="{736CAD82-A059-6F41-A9E5-8D6D2BEC750E}">
+    <dsp:sp modelId="{12BA50BD-05EC-4440-B000-BF1EE52DEB3E}">
       <dsp:nvSpPr>
         <dsp:cNvPr id="0" name=""/>
         <dsp:cNvSpPr/>
       </dsp:nvSpPr>
       <dsp:spPr>
         <a:xfrm>
-          <a:off x="0" y="1232182"/>
-          <a:ext cx="6116795" cy="1232182"/>
+          <a:off x="1274714" y="1381738"/>
+          <a:ext cx="5116560" cy="1103648"/>
         </a:xfrm>
         <a:prstGeom prst="rect">
           <a:avLst/>
@@ -1419,14 +1778,14 @@
         <a:fontRef idx="minor"/>
       </dsp:style>
       <dsp:txBody>
-        <a:bodyPr spcFirstLastPara="0" vert="horz" wrap="square" lIns="102870" tIns="102870" rIns="102870" bIns="102870" numCol="1" spcCol="1270" anchor="t" anchorCtr="0">
+        <a:bodyPr spcFirstLastPara="0" vert="horz" wrap="square" lIns="116803" tIns="116803" rIns="116803" bIns="116803" numCol="1" spcCol="1270" anchor="ctr" anchorCtr="0">
           <a:noAutofit/>
         </a:bodyPr>
         <a:lstStyle/>
         <a:p>
-          <a:pPr lvl="0" algn="l" defTabSz="1200150">
+          <a:pPr marL="0" lvl="0" indent="0" algn="l" defTabSz="977900">
             <a:lnSpc>
-              <a:spcPct val="90000"/>
+              <a:spcPct val="100000"/>
             </a:lnSpc>
             <a:spcBef>
               <a:spcPct val="0"/>
@@ -1434,49 +1793,92 @@
             <a:spcAft>
               <a:spcPct val="35000"/>
             </a:spcAft>
+            <a:buNone/>
           </a:pPr>
           <a:r>
-            <a:rPr lang="en-US" sz="2700" b="0" i="0" kern="1200"/>
+            <a:rPr lang="en-US" sz="2200" b="0" i="0" kern="1200"/>
             <a:t>TensorFlow Implementation of random forest. </a:t>
           </a:r>
-          <a:endParaRPr lang="en-US" sz="2700" kern="1200"/>
+          <a:endParaRPr lang="en-US" sz="2200" kern="1200"/>
         </a:p>
       </dsp:txBody>
       <dsp:txXfrm>
-        <a:off x="0" y="1232182"/>
-        <a:ext cx="6116795" cy="1232182"/>
+        <a:off x="1274714" y="1381738"/>
+        <a:ext cx="5116560" cy="1103648"/>
       </dsp:txXfrm>
     </dsp:sp>
-    <dsp:sp modelId="{D678CC4A-2ABD-8F4C-8479-2C29D00B7CC3}">
+    <dsp:sp modelId="{F3712F59-615C-4334-98C8-3B2E4374E39C}">
       <dsp:nvSpPr>
         <dsp:cNvPr id="0" name=""/>
         <dsp:cNvSpPr/>
       </dsp:nvSpPr>
       <dsp:spPr>
         <a:xfrm>
-          <a:off x="0" y="2464363"/>
-          <a:ext cx="6116795" cy="0"/>
+          <a:off x="0" y="2761299"/>
+          <a:ext cx="6391275" cy="1103648"/>
         </a:xfrm>
-        <a:prstGeom prst="line">
-          <a:avLst/>
+        <a:prstGeom prst="roundRect">
+          <a:avLst>
+            <a:gd name="adj" fmla="val 10000"/>
+          </a:avLst>
         </a:prstGeom>
         <a:solidFill>
-          <a:schemeClr val="accent2">
-            <a:hueOff val="-13177148"/>
-            <a:satOff val="601"/>
+          <a:schemeClr val="bg1">
+            <a:lumMod val="95000"/>
+            <a:hueOff val="0"/>
+            <a:satOff val="0"/>
             <a:lumOff val="0"/>
             <a:alphaOff val="0"/>
           </a:schemeClr>
         </a:solidFill>
+        <a:ln>
+          <a:noFill/>
+        </a:ln>
+        <a:effectLst/>
+      </dsp:spPr>
+      <dsp:style>
+        <a:lnRef idx="0">
+          <a:scrgbClr r="0" g="0" b="0"/>
+        </a:lnRef>
+        <a:fillRef idx="1">
+          <a:scrgbClr r="0" g="0" b="0"/>
+        </a:fillRef>
+        <a:effectRef idx="0">
+          <a:scrgbClr r="0" g="0" b="0"/>
+        </a:effectRef>
+        <a:fontRef idx="minor"/>
+      </dsp:style>
+    </dsp:sp>
+    <dsp:sp modelId="{694FC8F6-AC95-4B4E-95F9-6F230BE53E8E}">
+      <dsp:nvSpPr>
+        <dsp:cNvPr id="0" name=""/>
+        <dsp:cNvSpPr/>
+      </dsp:nvSpPr>
+      <dsp:spPr>
+        <a:xfrm>
+          <a:off x="333853" y="3009620"/>
+          <a:ext cx="607006" cy="607006"/>
+        </a:xfrm>
+        <a:prstGeom prst="rect">
+          <a:avLst/>
+        </a:prstGeom>
+        <a:blipFill>
+          <a:blip xmlns:r="http://schemas.openxmlformats.org/officeDocument/2006/relationships" r:embed="rId5">
+            <a:extLst>
+              <a:ext uri="{28A0092B-C50C-407E-A947-70E740481C1C}">
+                <a14:useLocalDpi xmlns:a14="http://schemas.microsoft.com/office/drawing/2010/main" val="0"/>
+              </a:ext>
+              <a:ext uri="{96DAC541-7B7A-43D3-8B79-37D633B846F1}">
+                <asvg:svgBlip xmlns:asvg="http://schemas.microsoft.com/office/drawing/2016/SVG/main" r:embed="rId6"/>
+              </a:ext>
+            </a:extLst>
+          </a:blip>
+          <a:stretch>
+            <a:fillRect/>
+          </a:stretch>
+        </a:blipFill>
         <a:ln w="19050" cap="rnd" cmpd="sng" algn="ctr">
-          <a:solidFill>
-            <a:schemeClr val="accent2">
-              <a:hueOff val="-13177148"/>
-              <a:satOff val="601"/>
-              <a:lumOff val="0"/>
-              <a:alphaOff val="0"/>
-            </a:schemeClr>
-          </a:solidFill>
+          <a:noFill/>
           <a:prstDash val="solid"/>
         </a:ln>
         <a:effectLst/>
@@ -1496,15 +1898,15 @@
         </a:fontRef>
       </dsp:style>
     </dsp:sp>
-    <dsp:sp modelId="{67D8BE1B-E8AF-7F4A-B54E-86BF10688827}">
+    <dsp:sp modelId="{029FD10A-6632-4D1D-A3AC-A1B0BAE781BE}">
       <dsp:nvSpPr>
         <dsp:cNvPr id="0" name=""/>
         <dsp:cNvSpPr/>
       </dsp:nvSpPr>
       <dsp:spPr>
         <a:xfrm>
-          <a:off x="0" y="2464364"/>
-          <a:ext cx="6116795" cy="1232182"/>
+          <a:off x="1274714" y="2761299"/>
+          <a:ext cx="5116560" cy="1103648"/>
         </a:xfrm>
         <a:prstGeom prst="rect">
           <a:avLst/>
@@ -1528,14 +1930,14 @@
         <a:fontRef idx="minor"/>
       </dsp:style>
       <dsp:txBody>
-        <a:bodyPr spcFirstLastPara="0" vert="horz" wrap="square" lIns="102870" tIns="102870" rIns="102870" bIns="102870" numCol="1" spcCol="1270" anchor="t" anchorCtr="0">
+        <a:bodyPr spcFirstLastPara="0" vert="horz" wrap="square" lIns="116803" tIns="116803" rIns="116803" bIns="116803" numCol="1" spcCol="1270" anchor="ctr" anchorCtr="0">
           <a:noAutofit/>
         </a:bodyPr>
         <a:lstStyle/>
         <a:p>
-          <a:pPr lvl="0" algn="l" defTabSz="1200150">
+          <a:pPr marL="0" lvl="0" indent="0" algn="l" defTabSz="977900">
             <a:lnSpc>
-              <a:spcPct val="90000"/>
+              <a:spcPct val="100000"/>
             </a:lnSpc>
             <a:spcBef>
               <a:spcPct val="0"/>
@@ -1543,49 +1945,92 @@
             <a:spcAft>
               <a:spcPct val="35000"/>
             </a:spcAft>
+            <a:buNone/>
           </a:pPr>
           <a:r>
-            <a:rPr lang="en-US" sz="2700" b="0" i="0" kern="1200"/>
+            <a:rPr lang="en-US" sz="2200" b="0" i="0" kern="1200"/>
             <a:t>Tensorflow implementation on multiple nodes.</a:t>
           </a:r>
-          <a:endParaRPr lang="en-US" sz="2700" kern="1200"/>
+          <a:endParaRPr lang="en-US" sz="2200" kern="1200"/>
         </a:p>
       </dsp:txBody>
       <dsp:txXfrm>
-        <a:off x="0" y="2464364"/>
-        <a:ext cx="6116795" cy="1232182"/>
+        <a:off x="1274714" y="2761299"/>
+        <a:ext cx="5116560" cy="1103648"/>
       </dsp:txXfrm>
     </dsp:sp>
-    <dsp:sp modelId="{70AB2AB2-6309-E248-9CB3-609E02B58EF6}">
+    <dsp:sp modelId="{D8B8D7BA-39AC-4B9A-A5C5-F95A2A186F52}">
       <dsp:nvSpPr>
         <dsp:cNvPr id="0" name=""/>
         <dsp:cNvSpPr/>
       </dsp:nvSpPr>
       <dsp:spPr>
         <a:xfrm>
-          <a:off x="0" y="3696545"/>
-          <a:ext cx="6116795" cy="0"/>
+          <a:off x="0" y="4140860"/>
+          <a:ext cx="6391275" cy="1103648"/>
         </a:xfrm>
-        <a:prstGeom prst="line">
-          <a:avLst/>
+        <a:prstGeom prst="roundRect">
+          <a:avLst>
+            <a:gd name="adj" fmla="val 10000"/>
+          </a:avLst>
         </a:prstGeom>
         <a:solidFill>
-          <a:schemeClr val="accent2">
-            <a:hueOff val="-19765721"/>
-            <a:satOff val="901"/>
+          <a:schemeClr val="bg1">
+            <a:lumMod val="95000"/>
+            <a:hueOff val="0"/>
+            <a:satOff val="0"/>
             <a:lumOff val="0"/>
             <a:alphaOff val="0"/>
           </a:schemeClr>
         </a:solidFill>
+        <a:ln>
+          <a:noFill/>
+        </a:ln>
+        <a:effectLst/>
+      </dsp:spPr>
+      <dsp:style>
+        <a:lnRef idx="0">
+          <a:scrgbClr r="0" g="0" b="0"/>
+        </a:lnRef>
+        <a:fillRef idx="1">
+          <a:scrgbClr r="0" g="0" b="0"/>
+        </a:fillRef>
+        <a:effectRef idx="0">
+          <a:scrgbClr r="0" g="0" b="0"/>
+        </a:effectRef>
+        <a:fontRef idx="minor"/>
+      </dsp:style>
+    </dsp:sp>
+    <dsp:sp modelId="{BF69DE66-136B-4DC3-A23B-4E594BF6FB82}">
+      <dsp:nvSpPr>
+        <dsp:cNvPr id="0" name=""/>
+        <dsp:cNvSpPr/>
+      </dsp:nvSpPr>
+      <dsp:spPr>
+        <a:xfrm>
+          <a:off x="333853" y="4389181"/>
+          <a:ext cx="607006" cy="607006"/>
+        </a:xfrm>
+        <a:prstGeom prst="rect">
+          <a:avLst/>
+        </a:prstGeom>
+        <a:blipFill>
+          <a:blip xmlns:r="http://schemas.openxmlformats.org/officeDocument/2006/relationships" r:embed="rId7">
+            <a:extLst>
+              <a:ext uri="{28A0092B-C50C-407E-A947-70E740481C1C}">
+                <a14:useLocalDpi xmlns:a14="http://schemas.microsoft.com/office/drawing/2010/main" val="0"/>
+              </a:ext>
+              <a:ext uri="{96DAC541-7B7A-43D3-8B79-37D633B846F1}">
+                <asvg:svgBlip xmlns:asvg="http://schemas.microsoft.com/office/drawing/2016/SVG/main" r:embed="rId8"/>
+              </a:ext>
+            </a:extLst>
+          </a:blip>
+          <a:stretch>
+            <a:fillRect/>
+          </a:stretch>
+        </a:blipFill>
         <a:ln w="19050" cap="rnd" cmpd="sng" algn="ctr">
-          <a:solidFill>
-            <a:schemeClr val="accent2">
-              <a:hueOff val="-19765721"/>
-              <a:satOff val="901"/>
-              <a:lumOff val="0"/>
-              <a:alphaOff val="0"/>
-            </a:schemeClr>
-          </a:solidFill>
+          <a:noFill/>
           <a:prstDash val="solid"/>
         </a:ln>
         <a:effectLst/>
@@ -1605,15 +2050,15 @@
         </a:fontRef>
       </dsp:style>
     </dsp:sp>
-    <dsp:sp modelId="{64853A4E-A5BC-6646-888C-52FF13580E5B}">
+    <dsp:sp modelId="{61C93BB0-27A0-46AD-8645-26313670AEB7}">
       <dsp:nvSpPr>
         <dsp:cNvPr id="0" name=""/>
         <dsp:cNvSpPr/>
       </dsp:nvSpPr>
       <dsp:spPr>
         <a:xfrm>
-          <a:off x="0" y="3696546"/>
-          <a:ext cx="6116795" cy="1232182"/>
+          <a:off x="1274714" y="4140860"/>
+          <a:ext cx="5116560" cy="1103648"/>
         </a:xfrm>
         <a:prstGeom prst="rect">
           <a:avLst/>
@@ -1637,14 +2082,14 @@
         <a:fontRef idx="minor"/>
       </dsp:style>
       <dsp:txBody>
-        <a:bodyPr spcFirstLastPara="0" vert="horz" wrap="square" lIns="102870" tIns="102870" rIns="102870" bIns="102870" numCol="1" spcCol="1270" anchor="t" anchorCtr="0">
+        <a:bodyPr spcFirstLastPara="0" vert="horz" wrap="square" lIns="116803" tIns="116803" rIns="116803" bIns="116803" numCol="1" spcCol="1270" anchor="ctr" anchorCtr="0">
           <a:noAutofit/>
         </a:bodyPr>
         <a:lstStyle/>
         <a:p>
-          <a:pPr lvl="0" algn="l" defTabSz="1200150">
+          <a:pPr marL="0" lvl="0" indent="0" algn="l" defTabSz="977900">
             <a:lnSpc>
-              <a:spcPct val="90000"/>
+              <a:spcPct val="100000"/>
             </a:lnSpc>
             <a:spcBef>
               <a:spcPct val="0"/>
@@ -1652,17 +2097,18 @@
             <a:spcAft>
               <a:spcPct val="35000"/>
             </a:spcAft>
+            <a:buNone/>
           </a:pPr>
           <a:r>
-            <a:rPr lang="en-US" sz="2700" b="0" i="0" kern="1200"/>
+            <a:rPr lang="en-US" sz="2200" b="0" i="0" kern="1200"/>
             <a:t>Comparing performance between them.</a:t>
           </a:r>
-          <a:endParaRPr lang="en-US" sz="2700" kern="1200"/>
+          <a:endParaRPr lang="en-US" sz="2200" kern="1200"/>
         </a:p>
       </dsp:txBody>
       <dsp:txXfrm>
-        <a:off x="0" y="3696546"/>
-        <a:ext cx="6116795" cy="1232182"/>
+        <a:off x="1274714" y="4140860"/>
+        <a:ext cx="5116560" cy="1103648"/>
       </dsp:txXfrm>
     </dsp:sp>
   </dsp:spTree>
@@ -1670,94 +2116,40 @@
 </file>
 
 <file path=ppt/diagrams/layout1.xml><?xml version="1.0" encoding="utf-8"?>
-<dgm:layoutDef xmlns:dgm="http://schemas.openxmlformats.org/drawingml/2006/diagram" xmlns:a="http://schemas.openxmlformats.org/drawingml/2006/main" uniqueId="urn:microsoft.com/office/officeart/2008/layout/LinedList">
-  <dgm:title val=""/>
-  <dgm:desc val=""/>
+<dgm:layoutDef xmlns:dgm="http://schemas.openxmlformats.org/drawingml/2006/diagram" xmlns:a="http://schemas.openxmlformats.org/drawingml/2006/main" uniqueId="urn:microsoft.com/office/officeart/2018/2/layout/IconVerticalSolidList">
+  <dgm:title val="Icon Vertical Solid List"/>
+  <dgm:desc val="Use to show a series of visuals from top to bottom with Level 1 or Level 1 and Level 2 text grouped in a shape. Works best with icons or small pictures with lengthier descriptions."/>
   <dgm:catLst>
-    <dgm:cat type="hierarchy" pri="8000"/>
-    <dgm:cat type="list" pri="2500"/>
+    <dgm:cat type="icon" pri="500"/>
   </dgm:catLst>
-  <dgm:sampData>
+  <dgm:sampData useDef="1">
     <dgm:dataModel>
-      <dgm:ptLst>
-        <dgm:pt modelId="0" type="doc"/>
-        <dgm:pt modelId="1">
-          <dgm:prSet phldr="1"/>
-        </dgm:pt>
-        <dgm:pt modelId="11">
-          <dgm:prSet phldr="1"/>
-        </dgm:pt>
-        <dgm:pt modelId="12">
-          <dgm:prSet phldr="1"/>
-        </dgm:pt>
-        <dgm:pt modelId="13">
-          <dgm:prSet phldr="1"/>
-        </dgm:pt>
-      </dgm:ptLst>
-      <dgm:cxnLst>
-        <dgm:cxn modelId="2" srcId="0" destId="1" srcOrd="0" destOrd="0"/>
-        <dgm:cxn modelId="3" srcId="1" destId="11" srcOrd="0" destOrd="0"/>
-        <dgm:cxn modelId="4" srcId="1" destId="12" srcOrd="1" destOrd="0"/>
-        <dgm:cxn modelId="5" srcId="1" destId="13" srcOrd="2" destOrd="0"/>
-      </dgm:cxnLst>
+      <dgm:ptLst/>
       <dgm:bg/>
       <dgm:whole/>
     </dgm:dataModel>
   </dgm:sampData>
-  <dgm:styleData>
+  <dgm:styleData useDef="1">
     <dgm:dataModel>
-      <dgm:ptLst>
-        <dgm:pt modelId="0" type="doc"/>
-        <dgm:pt modelId="1">
-          <dgm:prSet phldr="1"/>
-        </dgm:pt>
-        <dgm:pt modelId="11">
-          <dgm:prSet phldr="1"/>
-        </dgm:pt>
-        <dgm:pt modelId="12">
-          <dgm:prSet phldr="1"/>
-        </dgm:pt>
-      </dgm:ptLst>
-      <dgm:cxnLst>
-        <dgm:cxn modelId="2" srcId="0" destId="1" srcOrd="0" destOrd="0"/>
-        <dgm:cxn modelId="3" srcId="1" destId="11" srcOrd="0" destOrd="0"/>
-        <dgm:cxn modelId="4" srcId="1" destId="12" srcOrd="1" destOrd="0"/>
-      </dgm:cxnLst>
+      <dgm:ptLst/>
       <dgm:bg/>
       <dgm:whole/>
     </dgm:dataModel>
   </dgm:styleData>
-  <dgm:clrData>
+  <dgm:clrData useDef="1">
     <dgm:dataModel>
-      <dgm:ptLst>
-        <dgm:pt modelId="0" type="doc"/>
-        <dgm:pt modelId="1">
-          <dgm:prSet phldr="1"/>
-        </dgm:pt>
-        <dgm:pt modelId="11">
-          <dgm:prSet phldr="1"/>
-        </dgm:pt>
-        <dgm:pt modelId="12">
-          <dgm:prSet phldr="1"/>
-        </dgm:pt>
-      </dgm:ptLst>
-      <dgm:cxnLst>
-        <dgm:cxn modelId="2" srcId="0" destId="1" srcOrd="0" destOrd="0"/>
-        <dgm:cxn modelId="3" srcId="1" destId="11" srcOrd="0" destOrd="0"/>
-        <dgm:cxn modelId="4" srcId="1" destId="12" srcOrd="1" destOrd="0"/>
-      </dgm:cxnLst>
+      <dgm:ptLst/>
       <dgm:bg/>
       <dgm:whole/>
     </dgm:dataModel>
   </dgm:clrData>
-  <dgm:layoutNode name="vert0">
+  <dgm:layoutNode name="root">
     <dgm:varLst>
       <dgm:dir/>
-      <dgm:animOne val="branch"/>
-      <dgm:animLvl val="lvl"/>
+      <dgm:resizeHandles val="exact"/>
     </dgm:varLst>
     <dgm:choose name="Name0">
-      <dgm:if name="Name1" func="var" arg="dir" op="equ" val="norm">
+      <dgm:if name="Name1" axis="self" func="var" arg="dir" op="equ" val="norm">
         <dgm:alg type="lin">
           <dgm:param type="linDir" val="fromT"/>
           <dgm:param type="nodeHorzAlign" val="l"/>
@@ -1774,364 +2166,246 @@
       <dgm:adjLst/>
     </dgm:shape>
     <dgm:presOf/>
-    <dgm:constrLst>
-      <dgm:constr type="w" for="ch" forName="horz1" refType="w"/>
-      <dgm:constr type="h" for="ch" forName="horz1" refType="h"/>
-      <dgm:constr type="h" for="des" forName="vert1" refType="h"/>
-      <dgm:constr type="h" for="des" forName="tx1" refType="h"/>
-      <dgm:constr type="h" for="des" forName="horz2" refType="h"/>
-      <dgm:constr type="h" for="des" forName="vert2" refType="h"/>
-      <dgm:constr type="h" for="des" forName="horz3" refType="h"/>
-      <dgm:constr type="h" for="des" forName="vert3" refType="h"/>
-      <dgm:constr type="h" for="des" forName="horz4" refType="h"/>
-      <dgm:constr type="h" for="des" ptType="node" refType="h"/>
-      <dgm:constr type="primFontSz" for="des" forName="tx1" op="equ" val="65"/>
-      <dgm:constr type="primFontSz" for="des" forName="tx2" op="equ" val="65"/>
-      <dgm:constr type="primFontSz" for="des" forName="tx3" op="equ" val="65"/>
-      <dgm:constr type="primFontSz" for="des" forName="tx4" op="equ" val="65"/>
-      <dgm:constr type="w" for="des" forName="thickLine" refType="w"/>
-      <dgm:constr type="h" for="des" forName="thickLine"/>
-      <dgm:constr type="h" for="des" forName="thinLine1"/>
-      <dgm:constr type="h" for="des" forName="thinLine2b"/>
-      <dgm:constr type="h" for="des" forName="thinLine3"/>
-      <dgm:constr type="h" for="des" forName="vertSpace2a" refType="h" fact="0.05"/>
-      <dgm:constr type="h" for="des" forName="vertSpace2b" refType="h" refFor="des" refForName="vertSpace2a"/>
-    </dgm:constrLst>
-    <dgm:forEach name="Name3" axis="ch" ptType="node">
-      <dgm:layoutNode name="thickLine" styleLbl="alignNode1">
-        <dgm:alg type="sp"/>
-        <dgm:shape xmlns:r="http://schemas.openxmlformats.org/officeDocument/2006/relationships" type="line" r:blip="">
-          <dgm:adjLst/>
-        </dgm:shape>
-        <dgm:presOf/>
-      </dgm:layoutNode>
-      <dgm:layoutNode name="horz1">
-        <dgm:choose name="Name4">
-          <dgm:if name="Name5" func="var" arg="dir" op="equ" val="norm">
-            <dgm:alg type="lin">
-              <dgm:param type="linDir" val="fromL"/>
-              <dgm:param type="nodeVertAlign" val="t"/>
-            </dgm:alg>
-          </dgm:if>
-          <dgm:else name="Name6">
-            <dgm:alg type="lin">
-              <dgm:param type="linDir" val="fromR"/>
-              <dgm:param type="nodeVertAlign" val="t"/>
-            </dgm:alg>
-          </dgm:else>
-        </dgm:choose>
+    <dgm:choose name="Name3">
+      <dgm:if name="Name4" axis="ch" ptType="node" func="cnt" op="lte" val="3">
+        <dgm:constrLst>
+          <dgm:constr type="h" for="ch" forName="compNode" refType="h" fact="0.3"/>
+          <dgm:constr type="w" for="ch" forName="compNode" refType="w"/>
+          <dgm:constr type="h" for="ch" forName="sibTrans" refType="h" refFor="ch" refForName="compNode" fact="0.25"/>
+          <dgm:constr type="primFontSz" for="des" forName="parTx" val="25"/>
+          <dgm:constr type="primFontSz" for="des" forName="desTx" refType="primFontSz" refFor="des" refForName="parTx" op="lte" fact="0.75"/>
+          <dgm:constr type="h" for="des" forName="compNode" op="equ"/>
+          <dgm:constr type="h" for="des" forName="bgRect" op="equ"/>
+          <dgm:constr type="h" for="des" forName="iconRect" op="equ"/>
+          <dgm:constr type="w" for="des" forName="iconRect" op="equ"/>
+          <dgm:constr type="h" for="des" forName="spaceRect" op="equ"/>
+          <dgm:constr type="h" for="des" forName="parTx" op="equ"/>
+          <dgm:constr type="h" for="des" forName="desTx" op="equ"/>
+        </dgm:constrLst>
+      </dgm:if>
+      <dgm:if name="Name5" axis="ch" ptType="node" func="cnt" op="lte" val="4">
+        <dgm:constrLst>
+          <dgm:constr type="h" for="ch" forName="compNode" refType="h" fact="0.3"/>
+          <dgm:constr type="w" for="ch" forName="compNode" refType="w"/>
+          <dgm:constr type="h" for="ch" forName="sibTrans" refType="h" refFor="ch" refForName="compNode" fact="0.25"/>
+          <dgm:constr type="primFontSz" for="des" forName="parTx" val="22"/>
+          <dgm:constr type="primFontSz" for="des" forName="desTx" refType="primFontSz" refFor="des" refForName="parTx" op="lte" fact="0.75"/>
+          <dgm:constr type="h" for="des" forName="compNode" op="equ"/>
+          <dgm:constr type="h" for="des" forName="bgRect" op="equ"/>
+          <dgm:constr type="h" for="des" forName="iconRect" op="equ"/>
+          <dgm:constr type="w" for="des" forName="iconRect" op="equ"/>
+          <dgm:constr type="h" for="des" forName="spaceRect" op="equ"/>
+          <dgm:constr type="h" for="des" forName="parTx" op="equ"/>
+          <dgm:constr type="h" for="des" forName="desTx" op="equ"/>
+        </dgm:constrLst>
+      </dgm:if>
+      <dgm:if name="Name6" axis="ch" ptType="node" func="cnt" op="lte" val="6">
+        <dgm:constrLst>
+          <dgm:constr type="h" for="ch" forName="compNode" refType="h" fact="0.3"/>
+          <dgm:constr type="w" for="ch" forName="compNode" refType="w"/>
+          <dgm:constr type="h" for="ch" forName="sibTrans" refType="h" refFor="ch" refForName="compNode" fact="0.25"/>
+          <dgm:constr type="primFontSz" for="des" forName="parTx" val="19"/>
+          <dgm:constr type="primFontSz" for="des" forName="desTx" refType="primFontSz" refFor="des" refForName="parTx" op="lte" fact="0.75"/>
+          <dgm:constr type="h" for="des" forName="compNode" op="equ"/>
+          <dgm:constr type="h" for="des" forName="bgRect" op="equ"/>
+          <dgm:constr type="h" for="des" forName="iconRect" op="equ"/>
+          <dgm:constr type="w" for="des" forName="iconRect" op="equ"/>
+          <dgm:constr type="h" for="des" forName="spaceRect" op="equ"/>
+          <dgm:constr type="h" for="des" forName="parTx" op="equ"/>
+          <dgm:constr type="h" for="des" forName="desTx" op="equ"/>
+        </dgm:constrLst>
+      </dgm:if>
+      <dgm:else name="Name7">
+        <dgm:constrLst>
+          <dgm:constr type="h" for="ch" forName="compNode" refType="h" fact="0.3"/>
+          <dgm:constr type="w" for="ch" forName="compNode" refType="w"/>
+          <dgm:constr type="h" for="ch" forName="sibTrans" refType="h" refFor="ch" refForName="compNode" fact="0.25"/>
+          <dgm:constr type="primFontSz" for="des" forName="parTx" val="16"/>
+          <dgm:constr type="primFontSz" for="des" forName="desTx" refType="primFontSz" refFor="des" refForName="parTx" op="lte" fact="0.75"/>
+          <dgm:constr type="h" for="des" forName="compNode" op="equ"/>
+          <dgm:constr type="h" for="des" forName="bgRect" op="equ"/>
+          <dgm:constr type="h" for="des" forName="iconRect" op="equ"/>
+          <dgm:constr type="w" for="des" forName="iconRect" op="equ"/>
+          <dgm:constr type="h" for="des" forName="spaceRect" op="equ"/>
+          <dgm:constr type="h" for="des" forName="parTx" op="equ"/>
+          <dgm:constr type="h" for="des" forName="desTx" op="equ"/>
+        </dgm:constrLst>
+      </dgm:else>
+    </dgm:choose>
+    <dgm:ruleLst>
+      <dgm:rule type="h" for="ch" forName="compNode" val="0" fact="NaN" max="NaN"/>
+    </dgm:ruleLst>
+    <dgm:forEach name="Name8" axis="ch" ptType="node">
+      <dgm:layoutNode name="compNode">
+        <dgm:alg type="composite"/>
         <dgm:shape xmlns:r="http://schemas.openxmlformats.org/officeDocument/2006/relationships" r:blip="">
           <dgm:adjLst/>
         </dgm:shape>
-        <dgm:presOf/>
-        <dgm:choose name="Name7">
-          <dgm:if name="Name8" axis="root des" func="maxDepth" op="equ" val="1">
+        <dgm:presOf axis="self"/>
+        <dgm:choose name="Name9">
+          <dgm:if name="Name10" axis="ch" ptType="node" func="cnt" op="gte" val="1">
             <dgm:constrLst>
-              <dgm:constr type="w" for="ch" forName="tx1" refType="w"/>
+              <dgm:constr type="w" for="ch" forName="bgRect" refType="w"/>
+              <dgm:constr type="h" for="ch" forName="bgRect" refType="h"/>
+              <dgm:constr type="l" for="ch" forName="bgRect"/>
+              <dgm:constr type="t" for="ch" forName="bgRect"/>
+              <dgm:constr type="h" for="ch" forName="iconRect" refType="h" fact="0.55"/>
+              <dgm:constr type="w" for="ch" forName="iconRect" refType="h" refFor="ch" refForName="iconRect"/>
+              <dgm:constr type="l" for="ch" forName="iconRect" refType="h" refFor="ch" refForName="iconRect" fact="0.55"/>
+              <dgm:constr type="ctrY" for="ch" forName="iconRect" refType="ctrY" refFor="ch" refForName="bgRect"/>
+              <dgm:constr type="w" for="ch" forName="spaceRect" refType="l" refFor="ch" refForName="iconRect"/>
+              <dgm:constr type="h" for="ch" forName="spaceRect" refType="h"/>
+              <dgm:constr type="l" for="ch" forName="spaceRect" refType="r" refFor="ch" refForName="iconRect"/>
+              <dgm:constr type="t" for="ch" forName="spaceRect"/>
+              <dgm:constr type="w" for="ch" forName="parTx" refType="w" fact="0.45"/>
+              <dgm:constr type="h" for="ch" forName="parTx" refType="h"/>
+              <dgm:constr type="l" for="ch" forName="parTx" refType="r" refFor="ch" refForName="spaceRect"/>
+              <dgm:constr type="t" for="ch" forName="parTx"/>
+              <dgm:constr type="h" for="ch" forName="desTx" refType="h"/>
+              <dgm:constr type="l" for="ch" forName="desTx" refType="r" refFor="ch" refForName="parTx"/>
+              <dgm:constr type="t" for="ch" forName="desTx"/>
             </dgm:constrLst>
           </dgm:if>
-          <dgm:if name="Name9" axis="root des" func="maxDepth" op="equ" val="2">
+          <dgm:else name="Name11">
             <dgm:constrLst>
-              <dgm:constr type="w" for="ch" forName="tx1" refType="w" fact="0.2"/>
-              <dgm:constr type="w" for="des" forName="tx2" refType="w" fact="0.785"/>
-              <dgm:constr type="w" for="des" forName="horzSpace2" refType="w" fact="0.015"/>
-              <dgm:constr type="w" for="des" forName="thinLine2b" refType="w" fact="0.8"/>
+              <dgm:constr type="w" for="ch" forName="bgRect" refType="w"/>
+              <dgm:constr type="h" for="ch" forName="bgRect" refType="h"/>
+              <dgm:constr type="l" for="ch" forName="bgRect"/>
+              <dgm:constr type="t" for="ch" forName="bgRect"/>
+              <dgm:constr type="h" for="ch" forName="iconRect" refType="h" fact="0.55"/>
+              <dgm:constr type="w" for="ch" forName="iconRect" refType="h" refFor="ch" refForName="iconRect"/>
+              <dgm:constr type="l" for="ch" forName="iconRect" refType="h" refFor="ch" refForName="iconRect" fact="0.55"/>
+              <dgm:constr type="ctrY" for="ch" forName="iconRect" refType="ctrY" refFor="ch" refForName="bgRect"/>
+              <dgm:constr type="w" for="ch" forName="spaceRect" refType="l" refFor="ch" refForName="iconRect"/>
+              <dgm:constr type="h" for="ch" forName="spaceRect" refType="h"/>
+              <dgm:constr type="l" for="ch" forName="spaceRect" refType="r" refFor="ch" refForName="iconRect"/>
+              <dgm:constr type="t" for="ch" forName="spaceRect"/>
+              <dgm:constr type="h" for="ch" forName="parTx" refType="h"/>
+              <dgm:constr type="l" for="ch" forName="parTx" refType="r" refFor="ch" refForName="spaceRect"/>
+              <dgm:constr type="t" for="ch" forName="parTx"/>
             </dgm:constrLst>
-          </dgm:if>
-          <dgm:if name="Name10" axis="root des" func="maxDepth" op="equ" val="3">
-            <dgm:constrLst>
-              <dgm:constr type="w" for="ch" forName="tx1" refType="w" fact="0.2"/>
-              <dgm:constr type="w" for="des" forName="tx2" refType="w" fact="0.385"/>
-              <dgm:constr type="w" for="des" forName="tx3" refType="w" fact="0.385"/>
-              <dgm:constr type="w" for="des" forName="horzSpace2" refType="w" fact="0.015"/>
-              <dgm:constr type="w" for="des" forName="horzSpace3" refType="w" fact="0.015"/>
-              <dgm:constr type="w" for="des" forName="thinLine2b" refType="w" fact="0.8"/>
-              <dgm:constr type="w" for="des" forName="thinLine3" refType="w" fact="0.385"/>
-            </dgm:constrLst>
-          </dgm:if>
-          <dgm:if name="Name11" axis="root des" func="maxDepth" op="gte" val="4">
-            <dgm:constrLst>
-              <dgm:constr type="w" for="ch" forName="tx1" refType="w" fact="0.2"/>
-              <dgm:constr type="w" for="des" forName="tx2" refType="w" fact="0.2516"/>
-              <dgm:constr type="w" for="des" forName="tx3" refType="w" fact="0.2516"/>
-              <dgm:constr type="w" for="des" forName="tx4" refType="w" fact="0.2516"/>
-              <dgm:constr type="w" for="des" forName="horzSpace2" refType="w" fact="0.015"/>
-              <dgm:constr type="w" for="des" forName="horzSpace3" refType="w" fact="0.015"/>
-              <dgm:constr type="w" for="des" forName="horzSpace4" refType="w" fact="0.015"/>
-              <dgm:constr type="w" for="des" forName="thinLine2b" refType="w" fact="0.8"/>
-              <dgm:constr type="w" for="des" forName="thinLine3" refType="w" fact="0.5332"/>
-            </dgm:constrLst>
-          </dgm:if>
-          <dgm:else name="Name12"/>
+          </dgm:else>
         </dgm:choose>
-        <dgm:layoutNode name="tx1" styleLbl="revTx">
+        <dgm:ruleLst>
+          <dgm:rule type="h" val="INF" fact="NaN" max="NaN"/>
+        </dgm:ruleLst>
+        <dgm:layoutNode name="bgRect" styleLbl="bgShp">
+          <dgm:alg type="sp"/>
+          <dgm:shape xmlns:r="http://schemas.openxmlformats.org/officeDocument/2006/relationships" type="roundRect" r:blip="">
+            <dgm:adjLst>
+              <dgm:adj idx="1" val="0.1"/>
+            </dgm:adjLst>
+          </dgm:shape>
+          <dgm:presOf/>
+          <dgm:constrLst/>
+          <dgm:ruleLst/>
+        </dgm:layoutNode>
+        <dgm:layoutNode name="iconRect" styleLbl="node1">
+          <dgm:alg type="sp"/>
+          <dgm:shape xmlns:r="http://schemas.openxmlformats.org/officeDocument/2006/relationships" type="rect" r:blip="" blipPhldr="1">
+            <dgm:adjLst/>
+          </dgm:shape>
+          <dgm:presOf/>
+          <dgm:constrLst/>
+          <dgm:ruleLst/>
+        </dgm:layoutNode>
+        <dgm:layoutNode name="spaceRect">
+          <dgm:alg type="sp"/>
+          <dgm:shape xmlns:r="http://schemas.openxmlformats.org/officeDocument/2006/relationships" r:blip="">
+            <dgm:adjLst/>
+          </dgm:shape>
+          <dgm:presOf/>
+          <dgm:constrLst/>
+          <dgm:ruleLst/>
+        </dgm:layoutNode>
+        <dgm:layoutNode name="parTx" styleLbl="revTx">
+          <dgm:varLst>
+            <dgm:chMax val="0"/>
+            <dgm:chPref val="0"/>
+          </dgm:varLst>
           <dgm:alg type="tx">
+            <dgm:param type="txAnchorVert" val="mid"/>
             <dgm:param type="parTxLTRAlign" val="l"/>
+            <dgm:param type="shpTxLTRAlignCh" val="l"/>
             <dgm:param type="parTxRTLAlign" val="r"/>
-            <dgm:param type="txAnchorVert" val="t"/>
+            <dgm:param type="shpTxRTLAlignCh" val="r"/>
           </dgm:alg>
           <dgm:shape xmlns:r="http://schemas.openxmlformats.org/officeDocument/2006/relationships" type="rect" r:blip="">
             <dgm:adjLst/>
           </dgm:shape>
-          <dgm:presOf axis="self"/>
+          <dgm:presOf axis="self" ptType="node"/>
           <dgm:constrLst>
-            <dgm:constr type="tMarg" refType="primFontSz" fact="0.3"/>
-            <dgm:constr type="bMarg" refType="primFontSz" fact="0.3"/>
-            <dgm:constr type="lMarg" refType="primFontSz" fact="0.3"/>
-            <dgm:constr type="rMarg" refType="primFontSz" fact="0.3"/>
+            <dgm:constr type="lMarg" refType="h" fact="0.3"/>
+            <dgm:constr type="rMarg" refType="h" fact="0.3"/>
+            <dgm:constr type="tMarg" refType="h" fact="0.3"/>
+            <dgm:constr type="bMarg" refType="h" fact="0.3"/>
           </dgm:constrLst>
           <dgm:ruleLst>
-            <dgm:rule type="primFontSz" val="5" fact="NaN" max="NaN"/>
+            <dgm:rule type="primFontSz" val="14" fact="NaN" max="NaN"/>
+            <dgm:rule type="h" val="INF" fact="NaN" max="NaN"/>
           </dgm:ruleLst>
         </dgm:layoutNode>
-        <dgm:layoutNode name="vert1">
-          <dgm:choose name="Name13">
-            <dgm:if name="Name14" func="var" arg="dir" op="equ" val="norm">
-              <dgm:alg type="lin">
-                <dgm:param type="linDir" val="fromT"/>
-                <dgm:param type="nodeHorzAlign" val="l"/>
+        <dgm:choose name="Name12">
+          <dgm:if name="Name13" axis="ch" ptType="node" func="cnt" op="gte" val="1">
+            <dgm:layoutNode name="desTx" styleLbl="revTx">
+              <dgm:varLst/>
+              <dgm:alg type="tx">
+                <dgm:param type="txAnchorVertCh" val="mid"/>
+                <dgm:param type="parTxLTRAlign" val="l"/>
+                <dgm:param type="shpTxLTRAlignCh" val="l"/>
+                <dgm:param type="parTxRTLAlign" val="r"/>
+                <dgm:param type="shpTxRTLAlignCh" val="r"/>
+                <dgm:param type="stBulletLvl" val="0"/>
               </dgm:alg>
-            </dgm:if>
-            <dgm:else name="Name15">
-              <dgm:alg type="lin">
-                <dgm:param type="linDir" val="fromT"/>
-                <dgm:param type="nodeHorzAlign" val="r"/>
-              </dgm:alg>
-            </dgm:else>
-          </dgm:choose>
+              <dgm:shape xmlns:r="http://schemas.openxmlformats.org/officeDocument/2006/relationships" type="rect" r:blip="">
+                <dgm:adjLst/>
+              </dgm:shape>
+              <dgm:presOf axis="des" ptType="node"/>
+              <dgm:constrLst>
+                <dgm:constr type="primFontSz" val="18"/>
+                <dgm:constr type="secFontSz" refType="primFontSz"/>
+                <dgm:constr type="lMarg" refType="h" fact="0.3"/>
+                <dgm:constr type="rMarg" refType="h" fact="0.3"/>
+                <dgm:constr type="tMarg" refType="h" fact="0.3"/>
+                <dgm:constr type="bMarg" refType="h" fact="0.3"/>
+              </dgm:constrLst>
+              <dgm:ruleLst>
+                <dgm:rule type="primFontSz" val="11" fact="NaN" max="NaN"/>
+              </dgm:ruleLst>
+            </dgm:layoutNode>
+          </dgm:if>
+          <dgm:else name="Name14"/>
+        </dgm:choose>
+      </dgm:layoutNode>
+      <dgm:forEach name="Name15" axis="followSib" ptType="sibTrans" cnt="1">
+        <dgm:layoutNode name="sibTrans">
+          <dgm:alg type="sp"/>
           <dgm:shape xmlns:r="http://schemas.openxmlformats.org/officeDocument/2006/relationships" r:blip="">
             <dgm:adjLst/>
           </dgm:shape>
-          <dgm:presOf/>
-          <dgm:forEach name="Name16" axis="ch" ptType="node">
-            <dgm:choose name="Name17">
-              <dgm:if name="Name18" axis="self" ptType="node" func="pos" op="equ" val="1">
-                <dgm:layoutNode name="vertSpace2a">
-                  <dgm:alg type="sp"/>
-                  <dgm:shape xmlns:r="http://schemas.openxmlformats.org/officeDocument/2006/relationships" r:blip="">
-                    <dgm:adjLst/>
-                  </dgm:shape>
-                  <dgm:presOf/>
-                </dgm:layoutNode>
-              </dgm:if>
-              <dgm:else name="Name19"/>
-            </dgm:choose>
-            <dgm:layoutNode name="horz2">
-              <dgm:choose name="Name20">
-                <dgm:if name="Name21" func="var" arg="dir" op="equ" val="norm">
-                  <dgm:alg type="lin">
-                    <dgm:param type="linDir" val="fromL"/>
-                    <dgm:param type="nodeVertAlign" val="t"/>
-                  </dgm:alg>
-                </dgm:if>
-                <dgm:else name="Name22">
-                  <dgm:alg type="lin">
-                    <dgm:param type="linDir" val="fromR"/>
-                    <dgm:param type="nodeVertAlign" val="t"/>
-                  </dgm:alg>
-                </dgm:else>
-              </dgm:choose>
-              <dgm:shape xmlns:r="http://schemas.openxmlformats.org/officeDocument/2006/relationships" r:blip="">
-                <dgm:adjLst/>
-              </dgm:shape>
-              <dgm:presOf/>
-              <dgm:layoutNode name="horzSpace2">
-                <dgm:alg type="sp"/>
-                <dgm:shape xmlns:r="http://schemas.openxmlformats.org/officeDocument/2006/relationships" r:blip="">
-                  <dgm:adjLst/>
-                </dgm:shape>
-                <dgm:presOf/>
-              </dgm:layoutNode>
-              <dgm:layoutNode name="tx2" styleLbl="revTx">
-                <dgm:alg type="tx">
-                  <dgm:param type="parTxLTRAlign" val="l"/>
-                  <dgm:param type="parTxRTLAlign" val="r"/>
-                  <dgm:param type="txAnchorVert" val="t"/>
-                </dgm:alg>
-                <dgm:shape xmlns:r="http://schemas.openxmlformats.org/officeDocument/2006/relationships" type="rect" r:blip="">
-                  <dgm:adjLst/>
-                </dgm:shape>
-                <dgm:presOf axis="self"/>
-                <dgm:constrLst>
-                  <dgm:constr type="tMarg" refType="primFontSz" fact="0.3"/>
-                  <dgm:constr type="bMarg" refType="primFontSz" fact="0.3"/>
-                  <dgm:constr type="lMarg" refType="primFontSz" fact="0.3"/>
-                  <dgm:constr type="rMarg" refType="primFontSz" fact="0.3"/>
-                </dgm:constrLst>
-                <dgm:ruleLst>
-                  <dgm:rule type="primFontSz" val="5" fact="NaN" max="NaN"/>
-                </dgm:ruleLst>
-              </dgm:layoutNode>
-              <dgm:layoutNode name="vert2">
-                <dgm:choose name="Name23">
-                  <dgm:if name="Name24" func="var" arg="dir" op="equ" val="norm">
-                    <dgm:alg type="lin">
-                      <dgm:param type="linDir" val="fromT"/>
-                      <dgm:param type="nodeHorzAlign" val="l"/>
-                    </dgm:alg>
-                  </dgm:if>
-                  <dgm:else name="Name25">
-                    <dgm:alg type="lin">
-                      <dgm:param type="linDir" val="fromT"/>
-                      <dgm:param type="nodeHorzAlign" val="r"/>
-                    </dgm:alg>
-                  </dgm:else>
-                </dgm:choose>
-                <dgm:shape xmlns:r="http://schemas.openxmlformats.org/officeDocument/2006/relationships" r:blip="">
-                  <dgm:adjLst/>
-                </dgm:shape>
-                <dgm:presOf/>
-                <dgm:forEach name="Name26" axis="ch" ptType="node">
-                  <dgm:layoutNode name="horz3">
-                    <dgm:choose name="Name27">
-                      <dgm:if name="Name28" func="var" arg="dir" op="equ" val="norm">
-                        <dgm:alg type="lin">
-                          <dgm:param type="linDir" val="fromL"/>
-                          <dgm:param type="nodeVertAlign" val="t"/>
-                        </dgm:alg>
-                      </dgm:if>
-                      <dgm:else name="Name29">
-                        <dgm:alg type="lin">
-                          <dgm:param type="linDir" val="fromR"/>
-                          <dgm:param type="nodeVertAlign" val="t"/>
-                        </dgm:alg>
-                      </dgm:else>
-                    </dgm:choose>
-                    <dgm:shape xmlns:r="http://schemas.openxmlformats.org/officeDocument/2006/relationships" r:blip="">
-                      <dgm:adjLst/>
-                    </dgm:shape>
-                    <dgm:presOf/>
-                    <dgm:layoutNode name="horzSpace3">
-                      <dgm:alg type="sp"/>
-                      <dgm:shape xmlns:r="http://schemas.openxmlformats.org/officeDocument/2006/relationships" r:blip="">
-                        <dgm:adjLst/>
-                      </dgm:shape>
-                      <dgm:presOf/>
-                    </dgm:layoutNode>
-                    <dgm:layoutNode name="tx3" styleLbl="revTx">
-                      <dgm:alg type="tx">
-                        <dgm:param type="parTxLTRAlign" val="l"/>
-                        <dgm:param type="parTxRTLAlign" val="r"/>
-                        <dgm:param type="txAnchorVert" val="t"/>
-                      </dgm:alg>
-                      <dgm:shape xmlns:r="http://schemas.openxmlformats.org/officeDocument/2006/relationships" type="rect" r:blip="">
-                        <dgm:adjLst/>
-                      </dgm:shape>
-                      <dgm:presOf axis="self"/>
-                      <dgm:constrLst>
-                        <dgm:constr type="tMarg" refType="primFontSz" fact="0.3"/>
-                        <dgm:constr type="bMarg" refType="primFontSz" fact="0.3"/>
-                        <dgm:constr type="lMarg" refType="primFontSz" fact="0.3"/>
-                        <dgm:constr type="rMarg" refType="primFontSz" fact="0.3"/>
-                      </dgm:constrLst>
-                      <dgm:ruleLst>
-                        <dgm:rule type="primFontSz" val="5" fact="NaN" max="NaN"/>
-                      </dgm:ruleLst>
-                    </dgm:layoutNode>
-                    <dgm:layoutNode name="vert3">
-                      <dgm:choose name="Name30">
-                        <dgm:if name="Name31" func="var" arg="dir" op="equ" val="norm">
-                          <dgm:alg type="lin">
-                            <dgm:param type="linDir" val="fromT"/>
-                            <dgm:param type="nodeHorzAlign" val="l"/>
-                          </dgm:alg>
-                        </dgm:if>
-                        <dgm:else name="Name32">
-                          <dgm:alg type="lin">
-                            <dgm:param type="linDir" val="fromT"/>
-                            <dgm:param type="nodeHorzAlign" val="r"/>
-                          </dgm:alg>
-                        </dgm:else>
-                      </dgm:choose>
-                      <dgm:shape xmlns:r="http://schemas.openxmlformats.org/officeDocument/2006/relationships" r:blip="">
-                        <dgm:adjLst/>
-                      </dgm:shape>
-                      <dgm:presOf/>
-                      <dgm:forEach name="Name33" axis="ch" ptType="node">
-                        <dgm:layoutNode name="horz4">
-                          <dgm:choose name="Name34">
-                            <dgm:if name="Name35" func="var" arg="dir" op="equ" val="norm">
-                              <dgm:alg type="lin">
-                                <dgm:param type="linDir" val="fromL"/>
-                                <dgm:param type="nodeVertAlign" val="t"/>
-                              </dgm:alg>
-                            </dgm:if>
-                            <dgm:else name="Name36">
-                              <dgm:alg type="lin">
-                                <dgm:param type="linDir" val="fromR"/>
-                                <dgm:param type="nodeVertAlign" val="t"/>
-                              </dgm:alg>
-                            </dgm:else>
-                          </dgm:choose>
-                          <dgm:shape xmlns:r="http://schemas.openxmlformats.org/officeDocument/2006/relationships" r:blip="">
-                            <dgm:adjLst/>
-                          </dgm:shape>
-                          <dgm:presOf/>
-                          <dgm:layoutNode name="horzSpace4">
-                            <dgm:alg type="sp"/>
-                            <dgm:shape xmlns:r="http://schemas.openxmlformats.org/officeDocument/2006/relationships" r:blip="">
-                              <dgm:adjLst/>
-                            </dgm:shape>
-                            <dgm:presOf/>
-                          </dgm:layoutNode>
-                          <dgm:layoutNode name="tx4" styleLbl="revTx">
-                            <dgm:varLst>
-                              <dgm:bulletEnabled val="1"/>
-                            </dgm:varLst>
-                            <dgm:alg type="tx">
-                              <dgm:param type="parTxLTRAlign" val="l"/>
-                              <dgm:param type="parTxRTLAlign" val="r"/>
-                              <dgm:param type="txAnchorVert" val="t"/>
-                            </dgm:alg>
-                            <dgm:shape xmlns:r="http://schemas.openxmlformats.org/officeDocument/2006/relationships" type="rect" r:blip="">
-                              <dgm:adjLst/>
-                            </dgm:shape>
-                            <dgm:presOf axis="desOrSelf" ptType="node"/>
-                            <dgm:constrLst>
-                              <dgm:constr type="tMarg" refType="primFontSz" fact="0.3"/>
-                              <dgm:constr type="bMarg" refType="primFontSz" fact="0.3"/>
-                              <dgm:constr type="lMarg" refType="primFontSz" fact="0.3"/>
-                              <dgm:constr type="rMarg" refType="primFontSz" fact="0.3"/>
-                            </dgm:constrLst>
-                            <dgm:ruleLst>
-                              <dgm:rule type="primFontSz" val="5" fact="NaN" max="NaN"/>
-                            </dgm:ruleLst>
-                          </dgm:layoutNode>
-                        </dgm:layoutNode>
-                      </dgm:forEach>
-                    </dgm:layoutNode>
-                  </dgm:layoutNode>
-                  <dgm:forEach name="Name37" axis="followSib" ptType="sibTrans" cnt="1">
-                    <dgm:layoutNode name="thinLine3" styleLbl="callout">
-                      <dgm:alg type="sp"/>
-                      <dgm:shape xmlns:r="http://schemas.openxmlformats.org/officeDocument/2006/relationships" type="line" r:blip="">
-                        <dgm:adjLst/>
-                      </dgm:shape>
-                      <dgm:presOf/>
-                    </dgm:layoutNode>
-                  </dgm:forEach>
-                </dgm:forEach>
-              </dgm:layoutNode>
-            </dgm:layoutNode>
-            <dgm:layoutNode name="thinLine2b" styleLbl="callout">
-              <dgm:alg type="sp"/>
-              <dgm:shape xmlns:r="http://schemas.openxmlformats.org/officeDocument/2006/relationships" type="line" r:blip="">
-                <dgm:adjLst/>
-              </dgm:shape>
-              <dgm:presOf/>
-            </dgm:layoutNode>
-            <dgm:layoutNode name="vertSpace2b">
-              <dgm:alg type="sp"/>
-              <dgm:shape xmlns:r="http://schemas.openxmlformats.org/officeDocument/2006/relationships" r:blip="">
-                <dgm:adjLst/>
-              </dgm:shape>
-              <dgm:presOf/>
-            </dgm:layoutNode>
-          </dgm:forEach>
+          <dgm:presOf axis="self"/>
+          <dgm:constrLst/>
+          <dgm:ruleLst/>
         </dgm:layoutNode>
-      </dgm:layoutNode>
+      </dgm:forEach>
     </dgm:forEach>
   </dgm:layoutNode>
+  <dgm:extLst>
+    <a:ext uri="{68A01E43-0DF5-4B5B-8FA6-DAF915123BFB}">
+      <dgm1612:lstStyle xmlns:dgm1612="http://schemas.microsoft.com/office/drawing/2016/12/diagram">
+        <a:lvl1pPr>
+          <a:lnSpc>
+            <a:spcPct val="100000"/>
+          </a:lnSpc>
+        </a:lvl1pPr>
+        <a:lvl2pPr>
+          <a:lnSpc>
+            <a:spcPct val="100000"/>
+          </a:lnSpc>
+        </a:lvl2pPr>
+      </dgm1612:lstStyle>
+    </a:ext>
+  </dgm:extLst>
 </dgm:layoutDef>
 </file>
 
@@ -3505,7 +3779,7 @@
             <a:fld id="{5923F103-BC34-4FE4-A40E-EDDEECFDA5D0}" type="datetimeFigureOut">
               <a:rPr lang="en-US" dirty="0"/>
               <a:pPr/>
-              <a:t>4/28/2019</a:t>
+              <a:t>4/28/19</a:t>
             </a:fld>
             <a:endParaRPr lang="en-US" dirty="0"/>
           </a:p>
@@ -4589,7 +4863,7 @@
           <a:p>
             <a:fld id="{923A1CC3-2375-41D4-9E03-427CAF2A4C1A}" type="datetimeFigureOut">
               <a:rPr lang="en-US" dirty="0"/>
-              <a:t>4/28/2019</a:t>
+              <a:t>4/28/19</a:t>
             </a:fld>
             <a:endParaRPr lang="en-US" dirty="0"/>
           </a:p>
@@ -5565,7 +5839,7 @@
           <a:p>
             <a:fld id="{AFF16868-8199-4C2C-A5B1-63AEE139F88E}" type="datetimeFigureOut">
               <a:rPr lang="en-US" dirty="0"/>
-              <a:t>4/28/2019</a:t>
+              <a:t>4/28/19</a:t>
             </a:fld>
             <a:endParaRPr lang="en-US" dirty="0"/>
           </a:p>
@@ -6695,7 +6969,7 @@
           <a:p>
             <a:fld id="{AAD9FF7F-6988-44CC-821B-644E70CD2F73}" type="datetimeFigureOut">
               <a:rPr lang="en-US" dirty="0"/>
-              <a:t>4/28/2019</a:t>
+              <a:t>4/28/19</a:t>
             </a:fld>
             <a:endParaRPr lang="en-US" dirty="0"/>
           </a:p>
@@ -7724,7 +7998,7 @@
           <a:p>
             <a:fld id="{5C12C299-16B2-4475-990D-751901EACC14}" type="datetimeFigureOut">
               <a:rPr lang="en-US" dirty="0"/>
-              <a:t>4/28/2019</a:t>
+              <a:t>4/28/19</a:t>
             </a:fld>
             <a:endParaRPr lang="en-US" dirty="0"/>
           </a:p>
@@ -8380,7 +8654,7 @@
           <a:p>
             <a:fld id="{9FE86839-B9D8-4651-8783-F325ECE74E65}" type="datetimeFigureOut">
               <a:rPr lang="en-US" dirty="0"/>
-              <a:t>4/28/2019</a:t>
+              <a:t>4/28/19</a:t>
             </a:fld>
             <a:endParaRPr lang="en-US" dirty="0"/>
           </a:p>
@@ -9237,7 +9511,7 @@
           <a:p>
             <a:fld id="{FD484F64-32F6-45C5-931F-ADC1662401D0}" type="datetimeFigureOut">
               <a:rPr lang="en-US" dirty="0"/>
-              <a:t>4/28/2019</a:t>
+              <a:t>4/28/19</a:t>
             </a:fld>
             <a:endParaRPr lang="en-US" dirty="0"/>
           </a:p>
@@ -9423,7 +9697,7 @@
           <a:p>
             <a:fld id="{53086D93-FCAC-47E0-A2EE-787E62CA814C}" type="datetimeFigureOut">
               <a:rPr lang="en-US" dirty="0"/>
-              <a:t>4/28/2019</a:t>
+              <a:t>4/28/19</a:t>
             </a:fld>
             <a:endParaRPr lang="en-US" dirty="0"/>
           </a:p>
@@ -10391,7 +10665,7 @@
           <a:p>
             <a:fld id="{CDA879A6-0FD0-4734-A311-86BFCA472E6E}" type="datetimeFigureOut">
               <a:rPr lang="en-US" dirty="0"/>
-              <a:t>4/28/2019</a:t>
+              <a:t>4/28/19</a:t>
             </a:fld>
             <a:endParaRPr lang="en-US" dirty="0"/>
           </a:p>
@@ -10598,7 +10872,7 @@
           <a:p>
             <a:fld id="{19C9CA7B-DFD4-44B5-8C60-D14B8CD1FB59}" type="datetimeFigureOut">
               <a:rPr lang="en-US" dirty="0"/>
-              <a:t>4/28/2019</a:t>
+              <a:t>4/28/19</a:t>
             </a:fld>
             <a:endParaRPr lang="en-US" dirty="0"/>
           </a:p>
@@ -11628,7 +11902,7 @@
           <a:p>
             <a:fld id="{F34E6425-0181-43F2-84FC-787E803FD2F8}" type="datetimeFigureOut">
               <a:rPr lang="en-US" dirty="0"/>
-              <a:t>4/28/2019</a:t>
+              <a:t>4/28/19</a:t>
             </a:fld>
             <a:endParaRPr lang="en-US" dirty="0"/>
           </a:p>
@@ -11896,7 +12170,7 @@
           <a:p>
             <a:fld id="{3BDB8791-F1B0-41E7-B7FD-A781E65C4266}" type="datetimeFigureOut">
               <a:rPr lang="en-US" dirty="0"/>
-              <a:t>4/28/2019</a:t>
+              <a:t>4/28/19</a:t>
             </a:fld>
             <a:endParaRPr lang="en-US" dirty="0"/>
           </a:p>
@@ -12302,7 +12576,7 @@
           <a:p>
             <a:fld id="{5FDD63B2-E120-4ED8-B27B-C685F510A5FE}" type="datetimeFigureOut">
               <a:rPr lang="en-US" dirty="0"/>
-              <a:t>4/28/2019</a:t>
+              <a:t>4/28/19</a:t>
             </a:fld>
             <a:endParaRPr lang="en-US" dirty="0"/>
           </a:p>
@@ -12425,7 +12699,7 @@
           <a:p>
             <a:fld id="{7AA18ACC-A947-437B-A130-35BD54FDF1E9}" type="datetimeFigureOut">
               <a:rPr lang="en-US" dirty="0"/>
-              <a:t>4/28/2019</a:t>
+              <a:t>4/28/19</a:t>
             </a:fld>
             <a:endParaRPr lang="en-US" dirty="0"/>
           </a:p>
@@ -12516,7 +12790,7 @@
           <a:p>
             <a:fld id="{7C8D7E02-BCB8-4D50-A234-369438C08659}" type="datetimeFigureOut">
               <a:rPr lang="en-US" dirty="0"/>
-              <a:t>4/28/2019</a:t>
+              <a:t>4/28/19</a:t>
             </a:fld>
             <a:endParaRPr lang="en-US" dirty="0"/>
           </a:p>
@@ -13593,7 +13867,7 @@
           <a:p>
             <a:fld id="{76E86A4C-8E40-4F87-A4F0-01A0687C5742}" type="datetimeFigureOut">
               <a:rPr lang="en-US" dirty="0"/>
-              <a:t>4/28/2019</a:t>
+              <a:t>4/28/19</a:t>
             </a:fld>
             <a:endParaRPr lang="en-US" dirty="0"/>
           </a:p>
@@ -14697,7 +14971,7 @@
           <a:p>
             <a:fld id="{35E72C73-2D91-4E12-BA25-F0AA0C03599B}" type="datetimeFigureOut">
               <a:rPr lang="en-US" dirty="0"/>
-              <a:t>4/28/2019</a:t>
+              <a:t>4/28/19</a:t>
             </a:fld>
             <a:endParaRPr lang="en-US" dirty="0"/>
           </a:p>
@@ -15690,7 +15964,7 @@
           <a:p>
             <a:fld id="{2BE451C3-0FF4-47C4-B829-773ADF60F88C}" type="datetimeFigureOut">
               <a:rPr lang="en-US" dirty="0"/>
-              <a:t>4/28/2019</a:t>
+              <a:t>4/28/19</a:t>
             </a:fld>
             <a:endParaRPr lang="en-US" dirty="0"/>
           </a:p>
@@ -16251,7 +16525,7 @@
           <p:cNvPr id="2" name="Title 1">
             <a:extLst>
               <a:ext uri="{FF2B5EF4-FFF2-40B4-BE49-F238E27FC236}">
-                <a16:creationId xmlns="" xmlns:a16="http://schemas.microsoft.com/office/drawing/2014/main" id="{7DA533BC-F355-8446-91A8-BADDA1E40DAC}"/>
+                <a16:creationId xmlns:a16="http://schemas.microsoft.com/office/drawing/2014/main" id="{7DA533BC-F355-8446-91A8-BADDA1E40DAC}"/>
               </a:ext>
             </a:extLst>
           </p:cNvPr>
@@ -16283,10 +16557,6 @@
               <a:rPr lang="en-IN" sz="4800" b="1" dirty="0"/>
               <a:t>ENGR-E 599 : High Performance Big Data Systems </a:t>
             </a:r>
-            <a:r>
-              <a:rPr lang="en-IN" sz="4800" dirty="0"/>
-              <a:t/>
-            </a:r>
             <a:br>
               <a:rPr lang="en-IN" sz="4800" dirty="0"/>
             </a:br>
@@ -16299,7 +16569,7 @@
           <p:cNvPr id="3" name="Subtitle 2">
             <a:extLst>
               <a:ext uri="{FF2B5EF4-FFF2-40B4-BE49-F238E27FC236}">
-                <a16:creationId xmlns="" xmlns:a16="http://schemas.microsoft.com/office/drawing/2014/main" id="{63F892FB-F794-F047-9029-D9E74882983F}"/>
+                <a16:creationId xmlns:a16="http://schemas.microsoft.com/office/drawing/2014/main" id="{63F892FB-F794-F047-9029-D9E74882983F}"/>
               </a:ext>
             </a:extLst>
           </p:cNvPr>
@@ -16354,13 +16624,6 @@
   <p:clrMapOvr>
     <a:masterClrMapping/>
   </p:clrMapOvr>
-  <p:timing>
-    <p:tnLst>
-      <p:par>
-        <p:cTn id="1" dur="indefinite" restart="never" nodeType="tmRoot"/>
-      </p:par>
-    </p:tnLst>
-  </p:timing>
 </p:sld>
 </file>
 
@@ -16394,10 +16657,10 @@
           <p:cNvPr id="48" name="Group 47">
             <a:extLst>
               <a:ext uri="{FF2B5EF4-FFF2-40B4-BE49-F238E27FC236}">
-                <a16:creationId xmlns="" xmlns:a16="http://schemas.microsoft.com/office/drawing/2014/main" id="{B4AAB4D5-8AD0-4193-95B8-AD95981A94F4}"/>
+                <a16:creationId xmlns:a16="http://schemas.microsoft.com/office/drawing/2014/main" id="{B4AAB4D5-8AD0-4193-95B8-AD95981A94F4}"/>
               </a:ext>
               <a:ext uri="{C183D7F6-B498-43B3-948B-1728B52AA6E4}">
-                <adec:decorative xmlns="" xmlns:adec="http://schemas.microsoft.com/office/drawing/2017/decorative" val="1"/>
+                <adec:decorative xmlns:adec="http://schemas.microsoft.com/office/drawing/2017/decorative" val="1"/>
               </a:ext>
             </a:extLst>
           </p:cNvPr>
@@ -16407,7 +16670,7 @@
           <p:nvPr>
             <p:extLst>
               <p:ext uri="{386F3935-93C4-4BCD-93E2-E3B085C9AB24}">
-                <p16:designElem xmlns="" xmlns:p16="http://schemas.microsoft.com/office/powerpoint/2015/main" val="1"/>
+                <p16:designElem xmlns:p16="http://schemas.microsoft.com/office/powerpoint/2015/main" val="1"/>
               </p:ext>
             </p:extLst>
           </p:nvPr>
@@ -16425,10 +16688,10 @@
             <p:cNvPr id="49" name="Rectangle 48">
               <a:extLst>
                 <a:ext uri="{FF2B5EF4-FFF2-40B4-BE49-F238E27FC236}">
-                  <a16:creationId xmlns="" xmlns:a16="http://schemas.microsoft.com/office/drawing/2014/main" id="{D1DE3271-DD99-4DEF-AF9F-84397884C8EF}"/>
+                  <a16:creationId xmlns:a16="http://schemas.microsoft.com/office/drawing/2014/main" id="{D1DE3271-DD99-4DEF-AF9F-84397884C8EF}"/>
                 </a:ext>
                 <a:ext uri="{C183D7F6-B498-43B3-948B-1728B52AA6E4}">
-                  <adec:decorative xmlns="" xmlns:adec="http://schemas.microsoft.com/office/drawing/2017/decorative" val="1"/>
+                  <adec:decorative xmlns:adec="http://schemas.microsoft.com/office/drawing/2017/decorative" val="1"/>
                 </a:ext>
               </a:extLst>
             </p:cNvPr>
@@ -16436,7 +16699,7 @@
             <p:nvPr>
               <p:extLst>
                 <p:ext uri="{386F3935-93C4-4BCD-93E2-E3B085C9AB24}">
-                  <p16:designElem xmlns="" xmlns:p16="http://schemas.microsoft.com/office/powerpoint/2015/main" val="1"/>
+                  <p16:designElem xmlns:p16="http://schemas.microsoft.com/office/powerpoint/2015/main" val="1"/>
                 </p:ext>
               </p:extLst>
             </p:nvPr>
@@ -16495,10 +16758,10 @@
             <p:cNvPr id="50" name="Oval 49">
               <a:extLst>
                 <a:ext uri="{FF2B5EF4-FFF2-40B4-BE49-F238E27FC236}">
-                  <a16:creationId xmlns="" xmlns:a16="http://schemas.microsoft.com/office/drawing/2014/main" id="{88293F9A-C61B-4B8A-AB73-31CEBFE2D89E}"/>
+                  <a16:creationId xmlns:a16="http://schemas.microsoft.com/office/drawing/2014/main" id="{88293F9A-C61B-4B8A-AB73-31CEBFE2D89E}"/>
                 </a:ext>
                 <a:ext uri="{C183D7F6-B498-43B3-948B-1728B52AA6E4}">
-                  <adec:decorative xmlns="" xmlns:adec="http://schemas.microsoft.com/office/drawing/2017/decorative" val="1"/>
+                  <adec:decorative xmlns:adec="http://schemas.microsoft.com/office/drawing/2017/decorative" val="1"/>
                 </a:ext>
               </a:extLst>
             </p:cNvPr>
@@ -16506,7 +16769,7 @@
             <p:nvPr>
               <p:extLst>
                 <p:ext uri="{386F3935-93C4-4BCD-93E2-E3B085C9AB24}">
-                  <p16:designElem xmlns="" xmlns:p16="http://schemas.microsoft.com/office/powerpoint/2015/main" val="1"/>
+                  <p16:designElem xmlns:p16="http://schemas.microsoft.com/office/powerpoint/2015/main" val="1"/>
                 </p:ext>
               </p:extLst>
             </p:nvPr>
@@ -16567,10 +16830,10 @@
             <p:cNvPr id="51" name="Oval 50">
               <a:extLst>
                 <a:ext uri="{FF2B5EF4-FFF2-40B4-BE49-F238E27FC236}">
-                  <a16:creationId xmlns="" xmlns:a16="http://schemas.microsoft.com/office/drawing/2014/main" id="{B5B72353-146F-44BE-B989-EB9E8E894C57}"/>
+                  <a16:creationId xmlns:a16="http://schemas.microsoft.com/office/drawing/2014/main" id="{B5B72353-146F-44BE-B989-EB9E8E894C57}"/>
                 </a:ext>
                 <a:ext uri="{C183D7F6-B498-43B3-948B-1728B52AA6E4}">
-                  <adec:decorative xmlns="" xmlns:adec="http://schemas.microsoft.com/office/drawing/2017/decorative" val="1"/>
+                  <adec:decorative xmlns:adec="http://schemas.microsoft.com/office/drawing/2017/decorative" val="1"/>
                 </a:ext>
               </a:extLst>
             </p:cNvPr>
@@ -16578,7 +16841,7 @@
             <p:nvPr>
               <p:extLst>
                 <p:ext uri="{386F3935-93C4-4BCD-93E2-E3B085C9AB24}">
-                  <p16:designElem xmlns="" xmlns:p16="http://schemas.microsoft.com/office/powerpoint/2015/main" val="1"/>
+                  <p16:designElem xmlns:p16="http://schemas.microsoft.com/office/powerpoint/2015/main" val="1"/>
                 </p:ext>
               </p:extLst>
             </p:nvPr>
@@ -16639,10 +16902,10 @@
             <p:cNvPr id="52" name="Rectangle 51">
               <a:extLst>
                 <a:ext uri="{FF2B5EF4-FFF2-40B4-BE49-F238E27FC236}">
-                  <a16:creationId xmlns="" xmlns:a16="http://schemas.microsoft.com/office/drawing/2014/main" id="{BF1F5E4D-034A-4ED9-856C-14F8E2FC850E}"/>
+                  <a16:creationId xmlns:a16="http://schemas.microsoft.com/office/drawing/2014/main" id="{BF1F5E4D-034A-4ED9-856C-14F8E2FC850E}"/>
                 </a:ext>
                 <a:ext uri="{C183D7F6-B498-43B3-948B-1728B52AA6E4}">
-                  <adec:decorative xmlns="" xmlns:adec="http://schemas.microsoft.com/office/drawing/2017/decorative" val="1"/>
+                  <adec:decorative xmlns:adec="http://schemas.microsoft.com/office/drawing/2017/decorative" val="1"/>
                 </a:ext>
               </a:extLst>
             </p:cNvPr>
@@ -16650,7 +16913,7 @@
             <p:nvPr>
               <p:extLst>
                 <p:ext uri="{386F3935-93C4-4BCD-93E2-E3B085C9AB24}">
-                  <p16:designElem xmlns="" xmlns:p16="http://schemas.microsoft.com/office/powerpoint/2015/main" val="1"/>
+                  <p16:designElem xmlns:p16="http://schemas.microsoft.com/office/powerpoint/2015/main" val="1"/>
                 </p:ext>
               </p:extLst>
             </p:nvPr>
@@ -16691,10 +16954,10 @@
             <p:cNvPr id="53" name="Freeform 5">
               <a:extLst>
                 <a:ext uri="{FF2B5EF4-FFF2-40B4-BE49-F238E27FC236}">
-                  <a16:creationId xmlns="" xmlns:a16="http://schemas.microsoft.com/office/drawing/2014/main" id="{CE5D2423-FE63-4717-8074-F9CA7146B733}"/>
+                  <a16:creationId xmlns:a16="http://schemas.microsoft.com/office/drawing/2014/main" id="{CE5D2423-FE63-4717-8074-F9CA7146B733}"/>
                 </a:ext>
                 <a:ext uri="{C183D7F6-B498-43B3-948B-1728B52AA6E4}">
-                  <adec:decorative xmlns="" xmlns:adec="http://schemas.microsoft.com/office/drawing/2017/decorative" val="1"/>
+                  <adec:decorative xmlns:adec="http://schemas.microsoft.com/office/drawing/2017/decorative" val="1"/>
                 </a:ext>
               </a:extLst>
             </p:cNvPr>
@@ -16702,7 +16965,7 @@
             <p:nvPr>
               <p:extLst>
                 <p:ext uri="{386F3935-93C4-4BCD-93E2-E3B085C9AB24}">
-                  <p16:designElem xmlns="" xmlns:p16="http://schemas.microsoft.com/office/powerpoint/2015/main" val="1"/>
+                  <p16:designElem xmlns:p16="http://schemas.microsoft.com/office/powerpoint/2015/main" val="1"/>
                 </p:ext>
               </p:extLst>
             </p:nvPr>
@@ -16890,10 +17153,10 @@
             <p:cNvPr id="54" name="Freeform 5">
               <a:extLst>
                 <a:ext uri="{FF2B5EF4-FFF2-40B4-BE49-F238E27FC236}">
-                  <a16:creationId xmlns="" xmlns:a16="http://schemas.microsoft.com/office/drawing/2014/main" id="{8ADF14A3-1454-4B74-8B4A-CB197D7A797F}"/>
+                  <a16:creationId xmlns:a16="http://schemas.microsoft.com/office/drawing/2014/main" id="{8ADF14A3-1454-4B74-8B4A-CB197D7A797F}"/>
                 </a:ext>
                 <a:ext uri="{C183D7F6-B498-43B3-948B-1728B52AA6E4}">
-                  <adec:decorative xmlns="" xmlns:adec="http://schemas.microsoft.com/office/drawing/2017/decorative" val="1"/>
+                  <adec:decorative xmlns:adec="http://schemas.microsoft.com/office/drawing/2017/decorative" val="1"/>
                 </a:ext>
               </a:extLst>
             </p:cNvPr>
@@ -16901,7 +17164,7 @@
             <p:nvPr>
               <p:extLst>
                 <p:ext uri="{386F3935-93C4-4BCD-93E2-E3B085C9AB24}">
-                  <p16:designElem xmlns="" xmlns:p16="http://schemas.microsoft.com/office/powerpoint/2015/main" val="1"/>
+                  <p16:designElem xmlns:p16="http://schemas.microsoft.com/office/powerpoint/2015/main" val="1"/>
                 </p:ext>
               </p:extLst>
             </p:nvPr>
@@ -17052,10 +17315,10 @@
             <p:cNvPr id="55" name="Freeform 5">
               <a:extLst>
                 <a:ext uri="{FF2B5EF4-FFF2-40B4-BE49-F238E27FC236}">
-                  <a16:creationId xmlns="" xmlns:a16="http://schemas.microsoft.com/office/drawing/2014/main" id="{EC19D556-0251-4E87-AE24-890965BAD5D9}"/>
+                  <a16:creationId xmlns:a16="http://schemas.microsoft.com/office/drawing/2014/main" id="{EC19D556-0251-4E87-AE24-890965BAD5D9}"/>
                 </a:ext>
                 <a:ext uri="{C183D7F6-B498-43B3-948B-1728B52AA6E4}">
-                  <adec:decorative xmlns="" xmlns:adec="http://schemas.microsoft.com/office/drawing/2017/decorative" val="1"/>
+                  <adec:decorative xmlns:adec="http://schemas.microsoft.com/office/drawing/2017/decorative" val="1"/>
                 </a:ext>
               </a:extLst>
             </p:cNvPr>
@@ -17065,7 +17328,7 @@
             <p:nvPr>
               <p:extLst>
                 <p:ext uri="{386F3935-93C4-4BCD-93E2-E3B085C9AB24}">
-                  <p16:designElem xmlns="" xmlns:p16="http://schemas.microsoft.com/office/powerpoint/2015/main" val="1"/>
+                  <p16:designElem xmlns:p16="http://schemas.microsoft.com/office/powerpoint/2015/main" val="1"/>
                 </p:ext>
               </p:extLst>
             </p:nvPr>
@@ -17132,7 +17395,7 @@
           <p:cNvPr id="2" name="Title 1">
             <a:extLst>
               <a:ext uri="{FF2B5EF4-FFF2-40B4-BE49-F238E27FC236}">
-                <a16:creationId xmlns="" xmlns:a16="http://schemas.microsoft.com/office/drawing/2014/main" id="{BBD1F286-89A6-0748-AFBC-0D4492700803}"/>
+                <a16:creationId xmlns:a16="http://schemas.microsoft.com/office/drawing/2014/main" id="{BBD1F286-89A6-0748-AFBC-0D4492700803}"/>
               </a:ext>
             </a:extLst>
           </p:cNvPr>
@@ -17168,14 +17431,6 @@
               </a:rPr>
               <a:t>TensorFlow Implementation of random forest </a:t>
             </a:r>
-            <a:r>
-              <a:rPr lang="en-US" sz="2800" b="0" i="0" kern="1200" dirty="0">
-                <a:latin typeface="+mj-lt"/>
-                <a:ea typeface="+mj-ea"/>
-                <a:cs typeface="+mj-cs"/>
-              </a:rPr>
-              <a:t/>
-            </a:r>
             <a:br>
               <a:rPr lang="en-US" sz="2800" b="0" i="0" kern="1200" dirty="0">
                 <a:latin typeface="+mj-lt"/>
@@ -17196,7 +17451,7 @@
           <p:cNvPr id="45" name="Content Placeholder 44">
             <a:extLst>
               <a:ext uri="{FF2B5EF4-FFF2-40B4-BE49-F238E27FC236}">
-                <a16:creationId xmlns="" xmlns:a16="http://schemas.microsoft.com/office/drawing/2014/main" id="{C2B0D32E-403E-4EE5-905F-559C516E599E}"/>
+                <a16:creationId xmlns:a16="http://schemas.microsoft.com/office/drawing/2014/main" id="{C2B0D32E-403E-4EE5-905F-559C516E599E}"/>
               </a:ext>
             </a:extLst>
           </p:cNvPr>
@@ -17239,7 +17494,7 @@
               <a:t>tensorflow</a:t>
             </a:r>
             <a:r>
-              <a:rPr lang="en-US" dirty="0" smtClean="0">
+              <a:rPr lang="en-US" dirty="0">
                 <a:solidFill>
                   <a:schemeClr val="bg1"/>
                 </a:solidFill>
@@ -17252,7 +17507,7 @@
               <a:buNone/>
             </a:pPr>
             <a:r>
-              <a:rPr lang="en-US" dirty="0" smtClean="0">
+              <a:rPr lang="en-US" dirty="0">
                 <a:solidFill>
                   <a:schemeClr val="bg1"/>
                 </a:solidFill>
@@ -17260,7 +17515,7 @@
               <a:t>Used </a:t>
             </a:r>
             <a:r>
-              <a:rPr lang="en-US" dirty="0" err="1" smtClean="0">
+              <a:rPr lang="en-US" dirty="0" err="1">
                 <a:solidFill>
                   <a:schemeClr val="bg1"/>
                 </a:solidFill>
@@ -17268,7 +17523,7 @@
               <a:t>Horovod</a:t>
             </a:r>
             <a:r>
-              <a:rPr lang="en-US" dirty="0" smtClean="0">
+              <a:rPr lang="en-US" dirty="0">
                 <a:solidFill>
                   <a:schemeClr val="bg1"/>
                 </a:solidFill>
@@ -17276,7 +17531,7 @@
               <a:t> and MPI </a:t>
             </a:r>
             <a:r>
-              <a:rPr lang="en-US" dirty="0" err="1" smtClean="0">
+              <a:rPr lang="en-US" dirty="0" err="1">
                 <a:solidFill>
                   <a:schemeClr val="bg1"/>
                 </a:solidFill>
@@ -17366,10 +17621,10 @@
           <p:cNvPr id="57" name="Rectangle 56">
             <a:extLst>
               <a:ext uri="{FF2B5EF4-FFF2-40B4-BE49-F238E27FC236}">
-                <a16:creationId xmlns="" xmlns:a16="http://schemas.microsoft.com/office/drawing/2014/main" id="{CBC3C8C6-98E2-45EF-AEFC-30C0DBA0E958}"/>
+                <a16:creationId xmlns:a16="http://schemas.microsoft.com/office/drawing/2014/main" id="{CBC3C8C6-98E2-45EF-AEFC-30C0DBA0E958}"/>
               </a:ext>
               <a:ext uri="{C183D7F6-B498-43B3-948B-1728B52AA6E4}">
-                <adec:decorative xmlns="" xmlns:adec="http://schemas.microsoft.com/office/drawing/2017/decorative" val="1"/>
+                <adec:decorative xmlns:adec="http://schemas.microsoft.com/office/drawing/2017/decorative" val="1"/>
               </a:ext>
             </a:extLst>
           </p:cNvPr>
@@ -17379,7 +17634,7 @@
           <p:nvPr>
             <p:extLst>
               <p:ext uri="{386F3935-93C4-4BCD-93E2-E3B085C9AB24}">
-                <p16:designElem xmlns="" xmlns:p16="http://schemas.microsoft.com/office/powerpoint/2015/main" val="1"/>
+                <p16:designElem xmlns:p16="http://schemas.microsoft.com/office/powerpoint/2015/main" val="1"/>
               </p:ext>
             </p:extLst>
           </p:nvPr>
@@ -17419,7 +17674,7 @@
           <p:cNvPr id="16" name="Picture 15">
             <a:extLst>
               <a:ext uri="{FF2B5EF4-FFF2-40B4-BE49-F238E27FC236}">
-                <a16:creationId xmlns="" xmlns:a16="http://schemas.microsoft.com/office/drawing/2014/main" id="{CCBB3115-4DFC-A74F-B783-228782F0D751}"/>
+                <a16:creationId xmlns:a16="http://schemas.microsoft.com/office/drawing/2014/main" id="{CCBB3115-4DFC-A74F-B783-228782F0D751}"/>
               </a:ext>
             </a:extLst>
           </p:cNvPr>
@@ -17454,13 +17709,6 @@
   <p:clrMapOvr>
     <a:masterClrMapping/>
   </p:clrMapOvr>
-  <p:timing>
-    <p:tnLst>
-      <p:par>
-        <p:cTn id="1" dur="indefinite" restart="never" nodeType="tmRoot"/>
-      </p:par>
-    </p:tnLst>
-  </p:timing>
 </p:sld>
 </file>
 
@@ -17497,18 +17745,18 @@
           <a:lstStyle/>
           <a:p>
             <a:r>
-              <a:rPr lang="en-IN" dirty="0" err="1" smtClean="0"/>
+              <a:rPr lang="en-IN" b="1" dirty="0" err="1"/>
               <a:t>Tensorflow</a:t>
             </a:r>
             <a:r>
-              <a:rPr lang="en-IN" dirty="0" smtClean="0"/>
+              <a:rPr lang="en-IN" b="1" dirty="0"/>
               <a:t> with </a:t>
             </a:r>
             <a:r>
-              <a:rPr lang="en-IN" dirty="0" err="1" smtClean="0"/>
+              <a:rPr lang="en-IN" b="1" dirty="0" err="1"/>
               <a:t>Horovod</a:t>
             </a:r>
-            <a:endParaRPr lang="en-IN" dirty="0"/>
+            <a:endParaRPr lang="en-IN" b="1" dirty="0"/>
           </a:p>
         </p:txBody>
       </p:sp>
@@ -17581,13 +17829,6 @@
   <p:clrMapOvr>
     <a:masterClrMapping/>
   </p:clrMapOvr>
-  <p:timing>
-    <p:tnLst>
-      <p:par>
-        <p:cTn id="1" dur="indefinite" restart="never" nodeType="tmRoot"/>
-      </p:par>
-    </p:tnLst>
-  </p:timing>
 </p:sld>
 </file>
 
@@ -17613,7 +17854,7 @@
           <p:cNvPr id="5" name="Content Placeholder 11">
             <a:extLst>
               <a:ext uri="{FF2B5EF4-FFF2-40B4-BE49-F238E27FC236}">
-                <a16:creationId xmlns="" xmlns:a16="http://schemas.microsoft.com/office/drawing/2014/main" id="{F8D807EB-6525-2944-BF4E-A2DABDA34219}"/>
+                <a16:creationId xmlns:a16="http://schemas.microsoft.com/office/drawing/2014/main" id="{F8D807EB-6525-2944-BF4E-A2DABDA34219}"/>
               </a:ext>
             </a:extLst>
           </p:cNvPr>
@@ -17659,14 +17900,13 @@
           <a:lstStyle/>
           <a:p>
             <a:r>
-              <a:rPr lang="en-IN" dirty="0" err="1" smtClean="0"/>
+              <a:rPr lang="en-IN" b="1" dirty="0" err="1"/>
               <a:t>Tensorflow</a:t>
             </a:r>
             <a:r>
-              <a:rPr lang="en-IN" dirty="0" smtClean="0"/>
+              <a:rPr lang="en-IN" b="1" dirty="0"/>
               <a:t>: Time taken vs number of  trees </a:t>
             </a:r>
-            <a:endParaRPr lang="en-IN" dirty="0"/>
           </a:p>
         </p:txBody>
       </p:sp>
@@ -17680,13 +17920,6 @@
   <p:clrMapOvr>
     <a:masterClrMapping/>
   </p:clrMapOvr>
-  <p:timing>
-    <p:tnLst>
-      <p:par>
-        <p:cTn id="1" dur="indefinite" restart="never" nodeType="tmRoot"/>
-      </p:par>
-    </p:tnLst>
-  </p:timing>
 </p:sld>
 </file>
 
@@ -17720,10 +17953,10 @@
           <p:cNvPr id="40" name="Group 28">
             <a:extLst>
               <a:ext uri="{FF2B5EF4-FFF2-40B4-BE49-F238E27FC236}">
-                <a16:creationId xmlns="" xmlns:a16="http://schemas.microsoft.com/office/drawing/2014/main" id="{B4AAB4D5-8AD0-4193-95B8-AD95981A94F4}"/>
+                <a16:creationId xmlns:a16="http://schemas.microsoft.com/office/drawing/2014/main" id="{B4AAB4D5-8AD0-4193-95B8-AD95981A94F4}"/>
               </a:ext>
               <a:ext uri="{C183D7F6-B498-43B3-948B-1728B52AA6E4}">
-                <adec:decorative xmlns="" xmlns:adec="http://schemas.microsoft.com/office/drawing/2017/decorative" val="1"/>
+                <adec:decorative xmlns:adec="http://schemas.microsoft.com/office/drawing/2017/decorative" val="1"/>
               </a:ext>
             </a:extLst>
           </p:cNvPr>
@@ -17733,7 +17966,7 @@
           <p:nvPr>
             <p:extLst>
               <p:ext uri="{386F3935-93C4-4BCD-93E2-E3B085C9AB24}">
-                <p16:designElem xmlns="" xmlns:p16="http://schemas.microsoft.com/office/powerpoint/2015/main" val="1"/>
+                <p16:designElem xmlns:p16="http://schemas.microsoft.com/office/powerpoint/2015/main" val="1"/>
               </p:ext>
             </p:extLst>
           </p:nvPr>
@@ -17751,10 +17984,10 @@
             <p:cNvPr id="30" name="Rectangle 29">
               <a:extLst>
                 <a:ext uri="{FF2B5EF4-FFF2-40B4-BE49-F238E27FC236}">
-                  <a16:creationId xmlns="" xmlns:a16="http://schemas.microsoft.com/office/drawing/2014/main" id="{D1DE3271-DD99-4DEF-AF9F-84397884C8EF}"/>
+                  <a16:creationId xmlns:a16="http://schemas.microsoft.com/office/drawing/2014/main" id="{D1DE3271-DD99-4DEF-AF9F-84397884C8EF}"/>
                 </a:ext>
                 <a:ext uri="{C183D7F6-B498-43B3-948B-1728B52AA6E4}">
-                  <adec:decorative xmlns="" xmlns:adec="http://schemas.microsoft.com/office/drawing/2017/decorative" val="1"/>
+                  <adec:decorative xmlns:adec="http://schemas.microsoft.com/office/drawing/2017/decorative" val="1"/>
                 </a:ext>
               </a:extLst>
             </p:cNvPr>
@@ -17762,7 +17995,7 @@
             <p:nvPr>
               <p:extLst>
                 <p:ext uri="{386F3935-93C4-4BCD-93E2-E3B085C9AB24}">
-                  <p16:designElem xmlns="" xmlns:p16="http://schemas.microsoft.com/office/powerpoint/2015/main" val="1"/>
+                  <p16:designElem xmlns:p16="http://schemas.microsoft.com/office/powerpoint/2015/main" val="1"/>
                 </p:ext>
               </p:extLst>
             </p:nvPr>
@@ -17821,10 +18054,10 @@
             <p:cNvPr id="31" name="Oval 30">
               <a:extLst>
                 <a:ext uri="{FF2B5EF4-FFF2-40B4-BE49-F238E27FC236}">
-                  <a16:creationId xmlns="" xmlns:a16="http://schemas.microsoft.com/office/drawing/2014/main" id="{88293F9A-C61B-4B8A-AB73-31CEBFE2D89E}"/>
+                  <a16:creationId xmlns:a16="http://schemas.microsoft.com/office/drawing/2014/main" id="{88293F9A-C61B-4B8A-AB73-31CEBFE2D89E}"/>
                 </a:ext>
                 <a:ext uri="{C183D7F6-B498-43B3-948B-1728B52AA6E4}">
-                  <adec:decorative xmlns="" xmlns:adec="http://schemas.microsoft.com/office/drawing/2017/decorative" val="1"/>
+                  <adec:decorative xmlns:adec="http://schemas.microsoft.com/office/drawing/2017/decorative" val="1"/>
                 </a:ext>
               </a:extLst>
             </p:cNvPr>
@@ -17832,7 +18065,7 @@
             <p:nvPr>
               <p:extLst>
                 <p:ext uri="{386F3935-93C4-4BCD-93E2-E3B085C9AB24}">
-                  <p16:designElem xmlns="" xmlns:p16="http://schemas.microsoft.com/office/powerpoint/2015/main" val="1"/>
+                  <p16:designElem xmlns:p16="http://schemas.microsoft.com/office/powerpoint/2015/main" val="1"/>
                 </p:ext>
               </p:extLst>
             </p:nvPr>
@@ -17893,10 +18126,10 @@
             <p:cNvPr id="32" name="Oval 31">
               <a:extLst>
                 <a:ext uri="{FF2B5EF4-FFF2-40B4-BE49-F238E27FC236}">
-                  <a16:creationId xmlns="" xmlns:a16="http://schemas.microsoft.com/office/drawing/2014/main" id="{B5B72353-146F-44BE-B989-EB9E8E894C57}"/>
+                  <a16:creationId xmlns:a16="http://schemas.microsoft.com/office/drawing/2014/main" id="{B5B72353-146F-44BE-B989-EB9E8E894C57}"/>
                 </a:ext>
                 <a:ext uri="{C183D7F6-B498-43B3-948B-1728B52AA6E4}">
-                  <adec:decorative xmlns="" xmlns:adec="http://schemas.microsoft.com/office/drawing/2017/decorative" val="1"/>
+                  <adec:decorative xmlns:adec="http://schemas.microsoft.com/office/drawing/2017/decorative" val="1"/>
                 </a:ext>
               </a:extLst>
             </p:cNvPr>
@@ -17904,7 +18137,7 @@
             <p:nvPr>
               <p:extLst>
                 <p:ext uri="{386F3935-93C4-4BCD-93E2-E3B085C9AB24}">
-                  <p16:designElem xmlns="" xmlns:p16="http://schemas.microsoft.com/office/powerpoint/2015/main" val="1"/>
+                  <p16:designElem xmlns:p16="http://schemas.microsoft.com/office/powerpoint/2015/main" val="1"/>
                 </p:ext>
               </p:extLst>
             </p:nvPr>
@@ -17965,10 +18198,10 @@
             <p:cNvPr id="33" name="Rectangle 32">
               <a:extLst>
                 <a:ext uri="{FF2B5EF4-FFF2-40B4-BE49-F238E27FC236}">
-                  <a16:creationId xmlns="" xmlns:a16="http://schemas.microsoft.com/office/drawing/2014/main" id="{BF1F5E4D-034A-4ED9-856C-14F8E2FC850E}"/>
+                  <a16:creationId xmlns:a16="http://schemas.microsoft.com/office/drawing/2014/main" id="{BF1F5E4D-034A-4ED9-856C-14F8E2FC850E}"/>
                 </a:ext>
                 <a:ext uri="{C183D7F6-B498-43B3-948B-1728B52AA6E4}">
-                  <adec:decorative xmlns="" xmlns:adec="http://schemas.microsoft.com/office/drawing/2017/decorative" val="1"/>
+                  <adec:decorative xmlns:adec="http://schemas.microsoft.com/office/drawing/2017/decorative" val="1"/>
                 </a:ext>
               </a:extLst>
             </p:cNvPr>
@@ -17976,7 +18209,7 @@
             <p:nvPr>
               <p:extLst>
                 <p:ext uri="{386F3935-93C4-4BCD-93E2-E3B085C9AB24}">
-                  <p16:designElem xmlns="" xmlns:p16="http://schemas.microsoft.com/office/powerpoint/2015/main" val="1"/>
+                  <p16:designElem xmlns:p16="http://schemas.microsoft.com/office/powerpoint/2015/main" val="1"/>
                 </p:ext>
               </p:extLst>
             </p:nvPr>
@@ -18017,10 +18250,10 @@
             <p:cNvPr id="34" name="Freeform 5">
               <a:extLst>
                 <a:ext uri="{FF2B5EF4-FFF2-40B4-BE49-F238E27FC236}">
-                  <a16:creationId xmlns="" xmlns:a16="http://schemas.microsoft.com/office/drawing/2014/main" id="{CE5D2423-FE63-4717-8074-F9CA7146B733}"/>
+                  <a16:creationId xmlns:a16="http://schemas.microsoft.com/office/drawing/2014/main" id="{CE5D2423-FE63-4717-8074-F9CA7146B733}"/>
                 </a:ext>
                 <a:ext uri="{C183D7F6-B498-43B3-948B-1728B52AA6E4}">
-                  <adec:decorative xmlns="" xmlns:adec="http://schemas.microsoft.com/office/drawing/2017/decorative" val="1"/>
+                  <adec:decorative xmlns:adec="http://schemas.microsoft.com/office/drawing/2017/decorative" val="1"/>
                 </a:ext>
               </a:extLst>
             </p:cNvPr>
@@ -18028,7 +18261,7 @@
             <p:nvPr>
               <p:extLst>
                 <p:ext uri="{386F3935-93C4-4BCD-93E2-E3B085C9AB24}">
-                  <p16:designElem xmlns="" xmlns:p16="http://schemas.microsoft.com/office/powerpoint/2015/main" val="1"/>
+                  <p16:designElem xmlns:p16="http://schemas.microsoft.com/office/powerpoint/2015/main" val="1"/>
                 </p:ext>
               </p:extLst>
             </p:nvPr>
@@ -18216,10 +18449,10 @@
             <p:cNvPr id="35" name="Freeform 5">
               <a:extLst>
                 <a:ext uri="{FF2B5EF4-FFF2-40B4-BE49-F238E27FC236}">
-                  <a16:creationId xmlns="" xmlns:a16="http://schemas.microsoft.com/office/drawing/2014/main" id="{8ADF14A3-1454-4B74-8B4A-CB197D7A797F}"/>
+                  <a16:creationId xmlns:a16="http://schemas.microsoft.com/office/drawing/2014/main" id="{8ADF14A3-1454-4B74-8B4A-CB197D7A797F}"/>
                 </a:ext>
                 <a:ext uri="{C183D7F6-B498-43B3-948B-1728B52AA6E4}">
-                  <adec:decorative xmlns="" xmlns:adec="http://schemas.microsoft.com/office/drawing/2017/decorative" val="1"/>
+                  <adec:decorative xmlns:adec="http://schemas.microsoft.com/office/drawing/2017/decorative" val="1"/>
                 </a:ext>
               </a:extLst>
             </p:cNvPr>
@@ -18227,7 +18460,7 @@
             <p:nvPr>
               <p:extLst>
                 <p:ext uri="{386F3935-93C4-4BCD-93E2-E3B085C9AB24}">
-                  <p16:designElem xmlns="" xmlns:p16="http://schemas.microsoft.com/office/powerpoint/2015/main" val="1"/>
+                  <p16:designElem xmlns:p16="http://schemas.microsoft.com/office/powerpoint/2015/main" val="1"/>
                 </p:ext>
               </p:extLst>
             </p:nvPr>
@@ -18378,10 +18611,10 @@
             <p:cNvPr id="36" name="Freeform 5">
               <a:extLst>
                 <a:ext uri="{FF2B5EF4-FFF2-40B4-BE49-F238E27FC236}">
-                  <a16:creationId xmlns="" xmlns:a16="http://schemas.microsoft.com/office/drawing/2014/main" id="{EC19D556-0251-4E87-AE24-890965BAD5D9}"/>
+                  <a16:creationId xmlns:a16="http://schemas.microsoft.com/office/drawing/2014/main" id="{EC19D556-0251-4E87-AE24-890965BAD5D9}"/>
                 </a:ext>
                 <a:ext uri="{C183D7F6-B498-43B3-948B-1728B52AA6E4}">
-                  <adec:decorative xmlns="" xmlns:adec="http://schemas.microsoft.com/office/drawing/2017/decorative" val="1"/>
+                  <adec:decorative xmlns:adec="http://schemas.microsoft.com/office/drawing/2017/decorative" val="1"/>
                 </a:ext>
               </a:extLst>
             </p:cNvPr>
@@ -18391,7 +18624,7 @@
             <p:nvPr>
               <p:extLst>
                 <p:ext uri="{386F3935-93C4-4BCD-93E2-E3B085C9AB24}">
-                  <p16:designElem xmlns="" xmlns:p16="http://schemas.microsoft.com/office/powerpoint/2015/main" val="1"/>
+                  <p16:designElem xmlns:p16="http://schemas.microsoft.com/office/powerpoint/2015/main" val="1"/>
                 </p:ext>
               </p:extLst>
             </p:nvPr>
@@ -18458,7 +18691,7 @@
           <p:cNvPr id="2" name="Title 1">
             <a:extLst>
               <a:ext uri="{FF2B5EF4-FFF2-40B4-BE49-F238E27FC236}">
-                <a16:creationId xmlns="" xmlns:a16="http://schemas.microsoft.com/office/drawing/2014/main" id="{4B17246F-61AD-514F-89D0-1939D02FF096}"/>
+                <a16:creationId xmlns:a16="http://schemas.microsoft.com/office/drawing/2014/main" id="{4B17246F-61AD-514F-89D0-1939D02FF096}"/>
               </a:ext>
             </a:extLst>
           </p:cNvPr>
@@ -18494,10 +18727,6 @@
               <a:rPr lang="en-US" sz="2500" b="1" dirty="0" err="1"/>
               <a:t>Tensorflow</a:t>
             </a:r>
-            <a:r>
-              <a:rPr lang="en-US" sz="2500" dirty="0"/>
-              <a:t/>
-            </a:r>
             <a:br>
               <a:rPr lang="en-US" sz="2500" dirty="0"/>
             </a:br>
@@ -18510,7 +18739,7 @@
           <p:cNvPr id="12" name="Content Placeholder 11">
             <a:extLst>
               <a:ext uri="{FF2B5EF4-FFF2-40B4-BE49-F238E27FC236}">
-                <a16:creationId xmlns="" xmlns:a16="http://schemas.microsoft.com/office/drawing/2014/main" id="{8A22A019-2975-485B-905C-005D57023F35}"/>
+                <a16:creationId xmlns:a16="http://schemas.microsoft.com/office/drawing/2014/main" id="{8A22A019-2975-485B-905C-005D57023F35}"/>
               </a:ext>
             </a:extLst>
           </p:cNvPr>
@@ -18539,15 +18768,15 @@
                   <a:schemeClr val="bg1"/>
                 </a:solidFill>
               </a:rPr>
-              <a:t>Performance between Spark </a:t>
+              <a:t>Performance between Spark and </a:t>
             </a:r>
             <a:r>
-              <a:rPr lang="en-US">
+              <a:rPr lang="en-US" dirty="0" err="1">
                 <a:solidFill>
                   <a:schemeClr val="bg1"/>
                 </a:solidFill>
               </a:rPr>
-              <a:t>and Tensorflow</a:t>
+              <a:t>Tensorflow</a:t>
             </a:r>
             <a:endParaRPr lang="en-US" dirty="0">
               <a:solidFill>
@@ -18575,12 +18804,12 @@
               <a:buAutoNum type="arabicPeriod"/>
             </a:pPr>
             <a:r>
-              <a:rPr lang="en-US">
+              <a:rPr lang="en-US" dirty="0" err="1">
                 <a:solidFill>
                   <a:schemeClr val="bg1"/>
                 </a:solidFill>
               </a:rPr>
-              <a:t>ComputationTime </a:t>
+              <a:t>ComputationTime</a:t>
             </a:r>
             <a:r>
               <a:rPr lang="en-US" dirty="0">
@@ -18588,7 +18817,7 @@
                   <a:schemeClr val="bg1"/>
                 </a:solidFill>
               </a:rPr>
-              <a:t>Vs Number of Trees</a:t>
+              <a:t> Vs Number of Trees</a:t>
             </a:r>
           </a:p>
           <a:p>
@@ -18605,7 +18834,7 @@
           <p:cNvPr id="7" name="Picture 6">
             <a:extLst>
               <a:ext uri="{FF2B5EF4-FFF2-40B4-BE49-F238E27FC236}">
-                <a16:creationId xmlns="" xmlns:a16="http://schemas.microsoft.com/office/drawing/2014/main" id="{0D416B2F-9358-364E-87BB-E464E174C439}"/>
+                <a16:creationId xmlns:a16="http://schemas.microsoft.com/office/drawing/2014/main" id="{0D416B2F-9358-364E-87BB-E464E174C439}"/>
               </a:ext>
             </a:extLst>
           </p:cNvPr>
@@ -18634,10 +18863,10 @@
           <p:cNvPr id="41" name="Rectangle 37">
             <a:extLst>
               <a:ext uri="{FF2B5EF4-FFF2-40B4-BE49-F238E27FC236}">
-                <a16:creationId xmlns="" xmlns:a16="http://schemas.microsoft.com/office/drawing/2014/main" id="{CBC3C8C6-98E2-45EF-AEFC-30C0DBA0E958}"/>
+                <a16:creationId xmlns:a16="http://schemas.microsoft.com/office/drawing/2014/main" id="{CBC3C8C6-98E2-45EF-AEFC-30C0DBA0E958}"/>
               </a:ext>
               <a:ext uri="{C183D7F6-B498-43B3-948B-1728B52AA6E4}">
-                <adec:decorative xmlns="" xmlns:adec="http://schemas.microsoft.com/office/drawing/2017/decorative" val="1"/>
+                <adec:decorative xmlns:adec="http://schemas.microsoft.com/office/drawing/2017/decorative" val="1"/>
               </a:ext>
             </a:extLst>
           </p:cNvPr>
@@ -18647,7 +18876,7 @@
           <p:nvPr>
             <p:extLst>
               <p:ext uri="{386F3935-93C4-4BCD-93E2-E3B085C9AB24}">
-                <p16:designElem xmlns="" xmlns:p16="http://schemas.microsoft.com/office/powerpoint/2015/main" val="1"/>
+                <p16:designElem xmlns:p16="http://schemas.microsoft.com/office/powerpoint/2015/main" val="1"/>
               </p:ext>
             </p:extLst>
           </p:nvPr>
@@ -18692,13 +18921,6 @@
   <p:clrMapOvr>
     <a:masterClrMapping/>
   </p:clrMapOvr>
-  <p:timing>
-    <p:tnLst>
-      <p:par>
-        <p:cTn id="1" dur="indefinite" restart="never" nodeType="tmRoot"/>
-      </p:par>
-    </p:tnLst>
-  </p:timing>
 </p:sld>
 </file>
 
@@ -18724,7 +18946,7 @@
           <p:cNvPr id="4" name="Content Placeholder 4">
             <a:extLst>
               <a:ext uri="{FF2B5EF4-FFF2-40B4-BE49-F238E27FC236}">
-                <a16:creationId xmlns="" xmlns:a16="http://schemas.microsoft.com/office/drawing/2014/main" id="{0115897B-D3FA-964E-9F05-5E81690537BA}"/>
+                <a16:creationId xmlns:a16="http://schemas.microsoft.com/office/drawing/2014/main" id="{0115897B-D3FA-964E-9F05-5E81690537BA}"/>
               </a:ext>
             </a:extLst>
           </p:cNvPr>
@@ -18771,29 +18993,21 @@
           <a:lstStyle/>
           <a:p>
             <a:r>
-              <a:rPr lang="en-IN" dirty="0" smtClean="0"/>
-              <a:t>Spark and </a:t>
+              <a:rPr lang="en-US" b="1" dirty="0" err="1">
+                <a:solidFill>
+                  <a:schemeClr val="bg1"/>
+                </a:solidFill>
+              </a:rPr>
+              <a:t>SparkVSTensorflow:ComputationTime</a:t>
             </a:r>
             <a:r>
-              <a:rPr lang="en-IN" dirty="0" err="1" smtClean="0"/>
-              <a:t>Tensorflow</a:t>
+              <a:rPr lang="en-US" b="1" dirty="0">
+                <a:solidFill>
+                  <a:schemeClr val="bg1"/>
+                </a:solidFill>
+              </a:rPr>
+              <a:t> Vs Number of Trees</a:t>
             </a:r>
-            <a:r>
-              <a:rPr lang="en-IN" dirty="0" smtClean="0"/>
-              <a:t> </a:t>
-            </a:r>
-            <a:r>
-              <a:rPr lang="en-IN" dirty="0" err="1" smtClean="0"/>
-              <a:t>comparision</a:t>
-            </a:r>
-            <a:r>
-              <a:rPr lang="en-IN" dirty="0" smtClean="0"/>
-              <a:t/>
-            </a:r>
-            <a:br>
-              <a:rPr lang="en-IN" dirty="0" smtClean="0"/>
-            </a:br>
-            <a:endParaRPr lang="en-IN" dirty="0"/>
           </a:p>
         </p:txBody>
       </p:sp>
@@ -18807,13 +19021,6 @@
   <p:clrMapOvr>
     <a:masterClrMapping/>
   </p:clrMapOvr>
-  <p:timing>
-    <p:tnLst>
-      <p:par>
-        <p:cTn id="1" dur="indefinite" restart="never" nodeType="tmRoot"/>
-      </p:par>
-    </p:tnLst>
-  </p:timing>
 </p:sld>
 </file>
 
@@ -18839,7 +19046,7 @@
           <p:cNvPr id="2" name="Title 1">
             <a:extLst>
               <a:ext uri="{FF2B5EF4-FFF2-40B4-BE49-F238E27FC236}">
-                <a16:creationId xmlns="" xmlns:a16="http://schemas.microsoft.com/office/drawing/2014/main" id="{7C071A35-7C4D-B441-8644-C6990F6C583D}"/>
+                <a16:creationId xmlns:a16="http://schemas.microsoft.com/office/drawing/2014/main" id="{7C071A35-7C4D-B441-8644-C6990F6C583D}"/>
               </a:ext>
             </a:extLst>
           </p:cNvPr>
@@ -18872,13 +19079,6 @@
   <p:clrMapOvr>
     <a:masterClrMapping/>
   </p:clrMapOvr>
-  <p:timing>
-    <p:tnLst>
-      <p:par>
-        <p:cTn id="1" dur="indefinite" restart="never" nodeType="tmRoot"/>
-      </p:par>
-    </p:tnLst>
-  </p:timing>
 </p:sld>
 </file>
 
@@ -18904,7 +19104,7 @@
           <p:cNvPr id="2" name="Title 1">
             <a:extLst>
               <a:ext uri="{FF2B5EF4-FFF2-40B4-BE49-F238E27FC236}">
-                <a16:creationId xmlns="" xmlns:a16="http://schemas.microsoft.com/office/drawing/2014/main" id="{235408CA-8722-994D-B1F1-393CF313748C}"/>
+                <a16:creationId xmlns:a16="http://schemas.microsoft.com/office/drawing/2014/main" id="{235408CA-8722-994D-B1F1-393CF313748C}"/>
               </a:ext>
             </a:extLst>
           </p:cNvPr>
@@ -18933,7 +19133,7 @@
           <p:cNvPr id="5" name="Content Placeholder 4">
             <a:extLst>
               <a:ext uri="{FF2B5EF4-FFF2-40B4-BE49-F238E27FC236}">
-                <a16:creationId xmlns="" xmlns:a16="http://schemas.microsoft.com/office/drawing/2014/main" id="{F03F478E-B16B-0940-8E70-057B0E6AA6B4}"/>
+                <a16:creationId xmlns:a16="http://schemas.microsoft.com/office/drawing/2014/main" id="{F03F478E-B16B-0940-8E70-057B0E6AA6B4}"/>
               </a:ext>
             </a:extLst>
           </p:cNvPr>
@@ -18967,13 +19167,6 @@
   <p:clrMapOvr>
     <a:masterClrMapping/>
   </p:clrMapOvr>
-  <p:timing>
-    <p:tnLst>
-      <p:par>
-        <p:cTn id="1" dur="indefinite" restart="never" nodeType="tmRoot"/>
-      </p:par>
-    </p:tnLst>
-  </p:timing>
 </p:sld>
 </file>
 
@@ -19007,10 +19200,10 @@
           <p:cNvPr id="31" name="Rectangle 30">
             <a:extLst>
               <a:ext uri="{FF2B5EF4-FFF2-40B4-BE49-F238E27FC236}">
-                <a16:creationId xmlns="" xmlns:a16="http://schemas.microsoft.com/office/drawing/2014/main" id="{388DD50E-1D2D-48C6-A470-79FB7F337F8A}"/>
+                <a16:creationId xmlns:a16="http://schemas.microsoft.com/office/drawing/2014/main" id="{388DD50E-1D2D-48C6-A470-79FB7F337F8A}"/>
               </a:ext>
               <a:ext uri="{C183D7F6-B498-43B3-948B-1728B52AA6E4}">
-                <adec:decorative xmlns="" xmlns:adec="http://schemas.microsoft.com/office/drawing/2017/decorative" val="1"/>
+                <adec:decorative xmlns:adec="http://schemas.microsoft.com/office/drawing/2017/decorative" val="1"/>
               </a:ext>
             </a:extLst>
           </p:cNvPr>
@@ -19020,7 +19213,7 @@
           <p:nvPr>
             <p:extLst>
               <p:ext uri="{386F3935-93C4-4BCD-93E2-E3B085C9AB24}">
-                <p16:designElem xmlns="" xmlns:p16="http://schemas.microsoft.com/office/powerpoint/2015/main" val="1"/>
+                <p16:designElem xmlns:p16="http://schemas.microsoft.com/office/powerpoint/2015/main" val="1"/>
               </p:ext>
             </p:extLst>
           </p:nvPr>
@@ -19060,10 +19253,10 @@
           <p:cNvPr id="33" name="Rectangle 32">
             <a:extLst>
               <a:ext uri="{FF2B5EF4-FFF2-40B4-BE49-F238E27FC236}">
-                <a16:creationId xmlns="" xmlns:a16="http://schemas.microsoft.com/office/drawing/2014/main" id="{4F78DAAE-B0C3-49A3-8AB1-AD2FF0E3686F}"/>
+                <a16:creationId xmlns:a16="http://schemas.microsoft.com/office/drawing/2014/main" id="{4F78DAAE-B0C3-49A3-8AB1-AD2FF0E3686F}"/>
               </a:ext>
               <a:ext uri="{C183D7F6-B498-43B3-948B-1728B52AA6E4}">
-                <adec:decorative xmlns="" xmlns:adec="http://schemas.microsoft.com/office/drawing/2017/decorative" val="1"/>
+                <adec:decorative xmlns:adec="http://schemas.microsoft.com/office/drawing/2017/decorative" val="1"/>
               </a:ext>
             </a:extLst>
           </p:cNvPr>
@@ -19073,7 +19266,7 @@
           <p:nvPr>
             <p:extLst>
               <p:ext uri="{386F3935-93C4-4BCD-93E2-E3B085C9AB24}">
-                <p16:designElem xmlns="" xmlns:p16="http://schemas.microsoft.com/office/powerpoint/2015/main" val="1"/>
+                <p16:designElem xmlns:p16="http://schemas.microsoft.com/office/powerpoint/2015/main" val="1"/>
               </p:ext>
             </p:extLst>
           </p:nvPr>
@@ -19139,10 +19332,10 @@
           <p:cNvPr id="35" name="Rectangle 34">
             <a:extLst>
               <a:ext uri="{FF2B5EF4-FFF2-40B4-BE49-F238E27FC236}">
-                <a16:creationId xmlns="" xmlns:a16="http://schemas.microsoft.com/office/drawing/2014/main" id="{F6A8A81D-3338-4B0F-A26F-A3D259D27681}"/>
+                <a16:creationId xmlns:a16="http://schemas.microsoft.com/office/drawing/2014/main" id="{F6A8A81D-3338-4B0F-A26F-A3D259D27681}"/>
               </a:ext>
               <a:ext uri="{C183D7F6-B498-43B3-948B-1728B52AA6E4}">
-                <adec:decorative xmlns="" xmlns:adec="http://schemas.microsoft.com/office/drawing/2017/decorative" val="1"/>
+                <adec:decorative xmlns:adec="http://schemas.microsoft.com/office/drawing/2017/decorative" val="1"/>
               </a:ext>
             </a:extLst>
           </p:cNvPr>
@@ -19152,7 +19345,7 @@
           <p:nvPr>
             <p:extLst>
               <p:ext uri="{386F3935-93C4-4BCD-93E2-E3B085C9AB24}">
-                <p16:designElem xmlns="" xmlns:p16="http://schemas.microsoft.com/office/powerpoint/2015/main" val="1"/>
+                <p16:designElem xmlns:p16="http://schemas.microsoft.com/office/powerpoint/2015/main" val="1"/>
               </p:ext>
             </p:extLst>
           </p:nvPr>
@@ -19202,10 +19395,10 @@
           <p:cNvPr id="37" name="Rectangle 36">
             <a:extLst>
               <a:ext uri="{FF2B5EF4-FFF2-40B4-BE49-F238E27FC236}">
-                <a16:creationId xmlns="" xmlns:a16="http://schemas.microsoft.com/office/drawing/2014/main" id="{40155665-7CE2-4939-AE5E-020DC1D20753}"/>
+                <a16:creationId xmlns:a16="http://schemas.microsoft.com/office/drawing/2014/main" id="{40155665-7CE2-4939-AE5E-020DC1D20753}"/>
               </a:ext>
               <a:ext uri="{C183D7F6-B498-43B3-948B-1728B52AA6E4}">
-                <adec:decorative xmlns="" xmlns:adec="http://schemas.microsoft.com/office/drawing/2017/decorative" val="1"/>
+                <adec:decorative xmlns:adec="http://schemas.microsoft.com/office/drawing/2017/decorative" val="1"/>
               </a:ext>
             </a:extLst>
           </p:cNvPr>
@@ -19215,7 +19408,7 @@
           <p:nvPr>
             <p:extLst>
               <p:ext uri="{386F3935-93C4-4BCD-93E2-E3B085C9AB24}">
-                <p16:designElem xmlns="" xmlns:p16="http://schemas.microsoft.com/office/powerpoint/2015/main" val="1"/>
+                <p16:designElem xmlns:p16="http://schemas.microsoft.com/office/powerpoint/2015/main" val="1"/>
               </p:ext>
             </p:extLst>
           </p:nvPr>
@@ -19255,7 +19448,7 @@
           <p:cNvPr id="11" name="Content Placeholder 10">
             <a:extLst>
               <a:ext uri="{FF2B5EF4-FFF2-40B4-BE49-F238E27FC236}">
-                <a16:creationId xmlns="" xmlns:a16="http://schemas.microsoft.com/office/drawing/2014/main" id="{1F777339-B353-A24B-90A3-D528C20C3352}"/>
+                <a16:creationId xmlns:a16="http://schemas.microsoft.com/office/drawing/2014/main" id="{1F777339-B353-A24B-90A3-D528C20C3352}"/>
               </a:ext>
             </a:extLst>
           </p:cNvPr>
@@ -19292,13 +19485,6 @@
   <p:clrMapOvr>
     <a:masterClrMapping/>
   </p:clrMapOvr>
-  <p:timing>
-    <p:tnLst>
-      <p:par>
-        <p:cTn id="1" dur="indefinite" restart="never" nodeType="tmRoot"/>
-      </p:par>
-    </p:tnLst>
-  </p:timing>
 </p:sld>
 </file>
 
@@ -19332,10 +19518,10 @@
           <p:cNvPr id="10" name="Rectangle 9">
             <a:extLst>
               <a:ext uri="{FF2B5EF4-FFF2-40B4-BE49-F238E27FC236}">
-                <a16:creationId xmlns="" xmlns:a16="http://schemas.microsoft.com/office/drawing/2014/main" id="{388DD50E-1D2D-48C6-A470-79FB7F337F8A}"/>
+                <a16:creationId xmlns:a16="http://schemas.microsoft.com/office/drawing/2014/main" id="{388DD50E-1D2D-48C6-A470-79FB7F337F8A}"/>
               </a:ext>
               <a:ext uri="{C183D7F6-B498-43B3-948B-1728B52AA6E4}">
-                <adec:decorative xmlns="" xmlns:adec="http://schemas.microsoft.com/office/drawing/2017/decorative" val="1"/>
+                <adec:decorative xmlns:adec="http://schemas.microsoft.com/office/drawing/2017/decorative" val="1"/>
               </a:ext>
             </a:extLst>
           </p:cNvPr>
@@ -19345,7 +19531,7 @@
           <p:nvPr>
             <p:extLst>
               <p:ext uri="{386F3935-93C4-4BCD-93E2-E3B085C9AB24}">
-                <p16:designElem xmlns="" xmlns:p16="http://schemas.microsoft.com/office/powerpoint/2015/main" val="1"/>
+                <p16:designElem xmlns:p16="http://schemas.microsoft.com/office/powerpoint/2015/main" val="1"/>
               </p:ext>
             </p:extLst>
           </p:nvPr>
@@ -19385,10 +19571,10 @@
           <p:cNvPr id="12" name="Rectangle 11">
             <a:extLst>
               <a:ext uri="{FF2B5EF4-FFF2-40B4-BE49-F238E27FC236}">
-                <a16:creationId xmlns="" xmlns:a16="http://schemas.microsoft.com/office/drawing/2014/main" id="{4F78DAAE-B0C3-49A3-8AB1-AD2FF0E3686F}"/>
+                <a16:creationId xmlns:a16="http://schemas.microsoft.com/office/drawing/2014/main" id="{4F78DAAE-B0C3-49A3-8AB1-AD2FF0E3686F}"/>
               </a:ext>
               <a:ext uri="{C183D7F6-B498-43B3-948B-1728B52AA6E4}">
-                <adec:decorative xmlns="" xmlns:adec="http://schemas.microsoft.com/office/drawing/2017/decorative" val="1"/>
+                <adec:decorative xmlns:adec="http://schemas.microsoft.com/office/drawing/2017/decorative" val="1"/>
               </a:ext>
             </a:extLst>
           </p:cNvPr>
@@ -19398,7 +19584,7 @@
           <p:nvPr>
             <p:extLst>
               <p:ext uri="{386F3935-93C4-4BCD-93E2-E3B085C9AB24}">
-                <p16:designElem xmlns="" xmlns:p16="http://schemas.microsoft.com/office/powerpoint/2015/main" val="1"/>
+                <p16:designElem xmlns:p16="http://schemas.microsoft.com/office/powerpoint/2015/main" val="1"/>
               </p:ext>
             </p:extLst>
           </p:nvPr>
@@ -19464,10 +19650,10 @@
           <p:cNvPr id="14" name="Rectangle 13">
             <a:extLst>
               <a:ext uri="{FF2B5EF4-FFF2-40B4-BE49-F238E27FC236}">
-                <a16:creationId xmlns="" xmlns:a16="http://schemas.microsoft.com/office/drawing/2014/main" id="{F6A8A81D-3338-4B0F-A26F-A3D259D27681}"/>
+                <a16:creationId xmlns:a16="http://schemas.microsoft.com/office/drawing/2014/main" id="{F6A8A81D-3338-4B0F-A26F-A3D259D27681}"/>
               </a:ext>
               <a:ext uri="{C183D7F6-B498-43B3-948B-1728B52AA6E4}">
-                <adec:decorative xmlns="" xmlns:adec="http://schemas.microsoft.com/office/drawing/2017/decorative" val="1"/>
+                <adec:decorative xmlns:adec="http://schemas.microsoft.com/office/drawing/2017/decorative" val="1"/>
               </a:ext>
             </a:extLst>
           </p:cNvPr>
@@ -19477,7 +19663,7 @@
           <p:nvPr>
             <p:extLst>
               <p:ext uri="{386F3935-93C4-4BCD-93E2-E3B085C9AB24}">
-                <p16:designElem xmlns="" xmlns:p16="http://schemas.microsoft.com/office/powerpoint/2015/main" val="1"/>
+                <p16:designElem xmlns:p16="http://schemas.microsoft.com/office/powerpoint/2015/main" val="1"/>
               </p:ext>
             </p:extLst>
           </p:nvPr>
@@ -19527,10 +19713,10 @@
           <p:cNvPr id="16" name="Rectangle 15">
             <a:extLst>
               <a:ext uri="{FF2B5EF4-FFF2-40B4-BE49-F238E27FC236}">
-                <a16:creationId xmlns="" xmlns:a16="http://schemas.microsoft.com/office/drawing/2014/main" id="{40155665-7CE2-4939-AE5E-020DC1D20753}"/>
+                <a16:creationId xmlns:a16="http://schemas.microsoft.com/office/drawing/2014/main" id="{40155665-7CE2-4939-AE5E-020DC1D20753}"/>
               </a:ext>
               <a:ext uri="{C183D7F6-B498-43B3-948B-1728B52AA6E4}">
-                <adec:decorative xmlns="" xmlns:adec="http://schemas.microsoft.com/office/drawing/2017/decorative" val="1"/>
+                <adec:decorative xmlns:adec="http://schemas.microsoft.com/office/drawing/2017/decorative" val="1"/>
               </a:ext>
             </a:extLst>
           </p:cNvPr>
@@ -19540,7 +19726,7 @@
           <p:nvPr>
             <p:extLst>
               <p:ext uri="{386F3935-93C4-4BCD-93E2-E3B085C9AB24}">
-                <p16:designElem xmlns="" xmlns:p16="http://schemas.microsoft.com/office/powerpoint/2015/main" val="1"/>
+                <p16:designElem xmlns:p16="http://schemas.microsoft.com/office/powerpoint/2015/main" val="1"/>
               </p:ext>
             </p:extLst>
           </p:nvPr>
@@ -19580,7 +19766,7 @@
           <p:cNvPr id="5" name="Content Placeholder 4">
             <a:extLst>
               <a:ext uri="{FF2B5EF4-FFF2-40B4-BE49-F238E27FC236}">
-                <a16:creationId xmlns="" xmlns:a16="http://schemas.microsoft.com/office/drawing/2014/main" id="{F7A74DB0-B2E2-C14C-9112-8398B29AC8DD}"/>
+                <a16:creationId xmlns:a16="http://schemas.microsoft.com/office/drawing/2014/main" id="{F7A74DB0-B2E2-C14C-9112-8398B29AC8DD}"/>
               </a:ext>
             </a:extLst>
           </p:cNvPr>
@@ -19617,13 +19803,6 @@
   <p:clrMapOvr>
     <a:masterClrMapping/>
   </p:clrMapOvr>
-  <p:timing>
-    <p:tnLst>
-      <p:par>
-        <p:cTn id="1" dur="indefinite" restart="never" nodeType="tmRoot"/>
-      </p:par>
-    </p:tnLst>
-  </p:timing>
 </p:sld>
 </file>
 
@@ -19657,10 +19836,10 @@
           <p:cNvPr id="19" name="Rectangle 18">
             <a:extLst>
               <a:ext uri="{FF2B5EF4-FFF2-40B4-BE49-F238E27FC236}">
-                <a16:creationId xmlns="" xmlns:a16="http://schemas.microsoft.com/office/drawing/2014/main" id="{388DD50E-1D2D-48C6-A470-79FB7F337F8A}"/>
+                <a16:creationId xmlns:a16="http://schemas.microsoft.com/office/drawing/2014/main" id="{388DD50E-1D2D-48C6-A470-79FB7F337F8A}"/>
               </a:ext>
               <a:ext uri="{C183D7F6-B498-43B3-948B-1728B52AA6E4}">
-                <adec:decorative xmlns="" xmlns:adec="http://schemas.microsoft.com/office/drawing/2017/decorative" val="1"/>
+                <adec:decorative xmlns:adec="http://schemas.microsoft.com/office/drawing/2017/decorative" val="1"/>
               </a:ext>
             </a:extLst>
           </p:cNvPr>
@@ -19670,7 +19849,7 @@
           <p:nvPr>
             <p:extLst>
               <p:ext uri="{386F3935-93C4-4BCD-93E2-E3B085C9AB24}">
-                <p16:designElem xmlns="" xmlns:p16="http://schemas.microsoft.com/office/powerpoint/2015/main" val="1"/>
+                <p16:designElem xmlns:p16="http://schemas.microsoft.com/office/powerpoint/2015/main" val="1"/>
               </p:ext>
             </p:extLst>
           </p:nvPr>
@@ -19710,10 +19889,10 @@
           <p:cNvPr id="21" name="Rectangle 20">
             <a:extLst>
               <a:ext uri="{FF2B5EF4-FFF2-40B4-BE49-F238E27FC236}">
-                <a16:creationId xmlns="" xmlns:a16="http://schemas.microsoft.com/office/drawing/2014/main" id="{4F78DAAE-B0C3-49A3-8AB1-AD2FF0E3686F}"/>
+                <a16:creationId xmlns:a16="http://schemas.microsoft.com/office/drawing/2014/main" id="{4F78DAAE-B0C3-49A3-8AB1-AD2FF0E3686F}"/>
               </a:ext>
               <a:ext uri="{C183D7F6-B498-43B3-948B-1728B52AA6E4}">
-                <adec:decorative xmlns="" xmlns:adec="http://schemas.microsoft.com/office/drawing/2017/decorative" val="1"/>
+                <adec:decorative xmlns:adec="http://schemas.microsoft.com/office/drawing/2017/decorative" val="1"/>
               </a:ext>
             </a:extLst>
           </p:cNvPr>
@@ -19723,7 +19902,7 @@
           <p:nvPr>
             <p:extLst>
               <p:ext uri="{386F3935-93C4-4BCD-93E2-E3B085C9AB24}">
-                <p16:designElem xmlns="" xmlns:p16="http://schemas.microsoft.com/office/powerpoint/2015/main" val="1"/>
+                <p16:designElem xmlns:p16="http://schemas.microsoft.com/office/powerpoint/2015/main" val="1"/>
               </p:ext>
             </p:extLst>
           </p:nvPr>
@@ -19789,10 +19968,10 @@
           <p:cNvPr id="23" name="Rectangle 22">
             <a:extLst>
               <a:ext uri="{FF2B5EF4-FFF2-40B4-BE49-F238E27FC236}">
-                <a16:creationId xmlns="" xmlns:a16="http://schemas.microsoft.com/office/drawing/2014/main" id="{F6A8A81D-3338-4B0F-A26F-A3D259D27681}"/>
+                <a16:creationId xmlns:a16="http://schemas.microsoft.com/office/drawing/2014/main" id="{F6A8A81D-3338-4B0F-A26F-A3D259D27681}"/>
               </a:ext>
               <a:ext uri="{C183D7F6-B498-43B3-948B-1728B52AA6E4}">
-                <adec:decorative xmlns="" xmlns:adec="http://schemas.microsoft.com/office/drawing/2017/decorative" val="1"/>
+                <adec:decorative xmlns:adec="http://schemas.microsoft.com/office/drawing/2017/decorative" val="1"/>
               </a:ext>
             </a:extLst>
           </p:cNvPr>
@@ -19802,7 +19981,7 @@
           <p:nvPr>
             <p:extLst>
               <p:ext uri="{386F3935-93C4-4BCD-93E2-E3B085C9AB24}">
-                <p16:designElem xmlns="" xmlns:p16="http://schemas.microsoft.com/office/powerpoint/2015/main" val="1"/>
+                <p16:designElem xmlns:p16="http://schemas.microsoft.com/office/powerpoint/2015/main" val="1"/>
               </p:ext>
             </p:extLst>
           </p:nvPr>
@@ -19852,10 +20031,10 @@
           <p:cNvPr id="25" name="Rectangle 24">
             <a:extLst>
               <a:ext uri="{FF2B5EF4-FFF2-40B4-BE49-F238E27FC236}">
-                <a16:creationId xmlns="" xmlns:a16="http://schemas.microsoft.com/office/drawing/2014/main" id="{40155665-7CE2-4939-AE5E-020DC1D20753}"/>
+                <a16:creationId xmlns:a16="http://schemas.microsoft.com/office/drawing/2014/main" id="{40155665-7CE2-4939-AE5E-020DC1D20753}"/>
               </a:ext>
               <a:ext uri="{C183D7F6-B498-43B3-948B-1728B52AA6E4}">
-                <adec:decorative xmlns="" xmlns:adec="http://schemas.microsoft.com/office/drawing/2017/decorative" val="1"/>
+                <adec:decorative xmlns:adec="http://schemas.microsoft.com/office/drawing/2017/decorative" val="1"/>
               </a:ext>
             </a:extLst>
           </p:cNvPr>
@@ -19865,7 +20044,7 @@
           <p:nvPr>
             <p:extLst>
               <p:ext uri="{386F3935-93C4-4BCD-93E2-E3B085C9AB24}">
-                <p16:designElem xmlns="" xmlns:p16="http://schemas.microsoft.com/office/powerpoint/2015/main" val="1"/>
+                <p16:designElem xmlns:p16="http://schemas.microsoft.com/office/powerpoint/2015/main" val="1"/>
               </p:ext>
             </p:extLst>
           </p:nvPr>
@@ -19905,7 +20084,7 @@
           <p:cNvPr id="5" name="Content Placeholder 4">
             <a:extLst>
               <a:ext uri="{FF2B5EF4-FFF2-40B4-BE49-F238E27FC236}">
-                <a16:creationId xmlns="" xmlns:a16="http://schemas.microsoft.com/office/drawing/2014/main" id="{4BC23526-E9E7-CE4C-A372-F04CCFEBADB1}"/>
+                <a16:creationId xmlns:a16="http://schemas.microsoft.com/office/drawing/2014/main" id="{4BC23526-E9E7-CE4C-A372-F04CCFEBADB1}"/>
               </a:ext>
             </a:extLst>
           </p:cNvPr>
@@ -19942,13 +20121,6 @@
   <p:clrMapOvr>
     <a:masterClrMapping/>
   </p:clrMapOvr>
-  <p:timing>
-    <p:tnLst>
-      <p:par>
-        <p:cTn id="1" dur="indefinite" restart="never" nodeType="tmRoot"/>
-      </p:par>
-    </p:tnLst>
-  </p:timing>
 </p:sld>
 </file>
 
@@ -19974,7 +20146,7 @@
           <p:cNvPr id="2" name="Title 1">
             <a:extLst>
               <a:ext uri="{FF2B5EF4-FFF2-40B4-BE49-F238E27FC236}">
-                <a16:creationId xmlns="" xmlns:a16="http://schemas.microsoft.com/office/drawing/2014/main" id="{3EC204E8-9CAA-7C4A-8084-8CE44E4814C4}"/>
+                <a16:creationId xmlns:a16="http://schemas.microsoft.com/office/drawing/2014/main" id="{3EC204E8-9CAA-7C4A-8084-8CE44E4814C4}"/>
               </a:ext>
             </a:extLst>
           </p:cNvPr>
@@ -19999,10 +20171,6 @@
               <a:rPr lang="en-IN" b="1" dirty="0"/>
               <a:t>Introduction </a:t>
             </a:r>
-            <a:r>
-              <a:rPr lang="en-IN" dirty="0"/>
-              <a:t/>
-            </a:r>
             <a:br>
               <a:rPr lang="en-IN" dirty="0"/>
             </a:br>
@@ -20015,7 +20183,7 @@
           <p:cNvPr id="3" name="Content Placeholder 2">
             <a:extLst>
               <a:ext uri="{FF2B5EF4-FFF2-40B4-BE49-F238E27FC236}">
-                <a16:creationId xmlns="" xmlns:a16="http://schemas.microsoft.com/office/drawing/2014/main" id="{0A204F8C-E3A3-6043-8B46-9D4C37AE3230}"/>
+                <a16:creationId xmlns:a16="http://schemas.microsoft.com/office/drawing/2014/main" id="{0A204F8C-E3A3-6043-8B46-9D4C37AE3230}"/>
               </a:ext>
             </a:extLst>
           </p:cNvPr>
@@ -20053,13 +20221,6 @@
   <p:clrMapOvr>
     <a:masterClrMapping/>
   </p:clrMapOvr>
-  <p:timing>
-    <p:tnLst>
-      <p:par>
-        <p:cTn id="1" dur="indefinite" restart="never" nodeType="tmRoot"/>
-      </p:par>
-    </p:tnLst>
-  </p:timing>
 </p:sld>
 </file>
 
@@ -20093,10 +20254,10 @@
           <p:cNvPr id="10" name="Group 9">
             <a:extLst>
               <a:ext uri="{FF2B5EF4-FFF2-40B4-BE49-F238E27FC236}">
-                <a16:creationId xmlns="" xmlns:a16="http://schemas.microsoft.com/office/drawing/2014/main" id="{6061F655-345C-4AD8-85BC-913D875232C0}"/>
+                <a16:creationId xmlns:a16="http://schemas.microsoft.com/office/drawing/2014/main" id="{6061F655-345C-4AD8-85BC-913D875232C0}"/>
               </a:ext>
               <a:ext uri="{C183D7F6-B498-43B3-948B-1728B52AA6E4}">
-                <adec:decorative xmlns="" xmlns:adec="http://schemas.microsoft.com/office/drawing/2017/decorative" val="1"/>
+                <adec:decorative xmlns:adec="http://schemas.microsoft.com/office/drawing/2017/decorative" val="1"/>
               </a:ext>
             </a:extLst>
           </p:cNvPr>
@@ -20106,7 +20267,7 @@
           <p:nvPr>
             <p:extLst>
               <p:ext uri="{386F3935-93C4-4BCD-93E2-E3B085C9AB24}">
-                <p16:designElem xmlns="" xmlns:p16="http://schemas.microsoft.com/office/powerpoint/2015/main" val="1"/>
+                <p16:designElem xmlns:p16="http://schemas.microsoft.com/office/powerpoint/2015/main" val="1"/>
               </p:ext>
             </p:extLst>
           </p:nvPr>
@@ -20124,10 +20285,10 @@
             <p:cNvPr id="11" name="Rectangle 10">
               <a:extLst>
                 <a:ext uri="{FF2B5EF4-FFF2-40B4-BE49-F238E27FC236}">
-                  <a16:creationId xmlns="" xmlns:a16="http://schemas.microsoft.com/office/drawing/2014/main" id="{643780CE-2BE5-46F6-97B2-60DF30217ED3}"/>
+                  <a16:creationId xmlns:a16="http://schemas.microsoft.com/office/drawing/2014/main" id="{643780CE-2BE5-46F6-97B2-60DF30217ED3}"/>
                 </a:ext>
                 <a:ext uri="{C183D7F6-B498-43B3-948B-1728B52AA6E4}">
-                  <adec:decorative xmlns="" xmlns:adec="http://schemas.microsoft.com/office/drawing/2017/decorative" val="1"/>
+                  <adec:decorative xmlns:adec="http://schemas.microsoft.com/office/drawing/2017/decorative" val="1"/>
                 </a:ext>
               </a:extLst>
             </p:cNvPr>
@@ -20135,7 +20296,7 @@
             <p:nvPr>
               <p:extLst>
                 <p:ext uri="{386F3935-93C4-4BCD-93E2-E3B085C9AB24}">
-                  <p16:designElem xmlns="" xmlns:p16="http://schemas.microsoft.com/office/powerpoint/2015/main" val="1"/>
+                  <p16:designElem xmlns:p16="http://schemas.microsoft.com/office/powerpoint/2015/main" val="1"/>
                 </p:ext>
               </p:extLst>
             </p:nvPr>
@@ -20194,10 +20355,10 @@
             <p:cNvPr id="12" name="Oval 11">
               <a:extLst>
                 <a:ext uri="{FF2B5EF4-FFF2-40B4-BE49-F238E27FC236}">
-                  <a16:creationId xmlns="" xmlns:a16="http://schemas.microsoft.com/office/drawing/2014/main" id="{4233DC0E-DE6C-4FB6-A529-51B162641AB8}"/>
+                  <a16:creationId xmlns:a16="http://schemas.microsoft.com/office/drawing/2014/main" id="{4233DC0E-DE6C-4FB6-A529-51B162641AB8}"/>
                 </a:ext>
                 <a:ext uri="{C183D7F6-B498-43B3-948B-1728B52AA6E4}">
-                  <adec:decorative xmlns="" xmlns:adec="http://schemas.microsoft.com/office/drawing/2017/decorative" val="1"/>
+                  <adec:decorative xmlns:adec="http://schemas.microsoft.com/office/drawing/2017/decorative" val="1"/>
                 </a:ext>
               </a:extLst>
             </p:cNvPr>
@@ -20205,7 +20366,7 @@
             <p:nvPr>
               <p:extLst>
                 <p:ext uri="{386F3935-93C4-4BCD-93E2-E3B085C9AB24}">
-                  <p16:designElem xmlns="" xmlns:p16="http://schemas.microsoft.com/office/powerpoint/2015/main" val="1"/>
+                  <p16:designElem xmlns:p16="http://schemas.microsoft.com/office/powerpoint/2015/main" val="1"/>
                 </p:ext>
               </p:extLst>
             </p:nvPr>
@@ -20266,10 +20427,10 @@
             <p:cNvPr id="13" name="Oval 12">
               <a:extLst>
                 <a:ext uri="{FF2B5EF4-FFF2-40B4-BE49-F238E27FC236}">
-                  <a16:creationId xmlns="" xmlns:a16="http://schemas.microsoft.com/office/drawing/2014/main" id="{3870477F-E451-4BC3-863F-0E2FC572884B}"/>
+                  <a16:creationId xmlns:a16="http://schemas.microsoft.com/office/drawing/2014/main" id="{3870477F-E451-4BC3-863F-0E2FC572884B}"/>
                 </a:ext>
                 <a:ext uri="{C183D7F6-B498-43B3-948B-1728B52AA6E4}">
-                  <adec:decorative xmlns="" xmlns:adec="http://schemas.microsoft.com/office/drawing/2017/decorative" val="1"/>
+                  <adec:decorative xmlns:adec="http://schemas.microsoft.com/office/drawing/2017/decorative" val="1"/>
                 </a:ext>
               </a:extLst>
             </p:cNvPr>
@@ -20277,7 +20438,7 @@
             <p:nvPr>
               <p:extLst>
                 <p:ext uri="{386F3935-93C4-4BCD-93E2-E3B085C9AB24}">
-                  <p16:designElem xmlns="" xmlns:p16="http://schemas.microsoft.com/office/powerpoint/2015/main" val="1"/>
+                  <p16:designElem xmlns:p16="http://schemas.microsoft.com/office/powerpoint/2015/main" val="1"/>
                 </p:ext>
               </p:extLst>
             </p:nvPr>
@@ -20338,10 +20499,10 @@
             <p:cNvPr id="14" name="Rectangle 13">
               <a:extLst>
                 <a:ext uri="{FF2B5EF4-FFF2-40B4-BE49-F238E27FC236}">
-                  <a16:creationId xmlns="" xmlns:a16="http://schemas.microsoft.com/office/drawing/2014/main" id="{88FBA05C-D740-40CE-9A7D-9E5A715AEA36}"/>
+                  <a16:creationId xmlns:a16="http://schemas.microsoft.com/office/drawing/2014/main" id="{88FBA05C-D740-40CE-9A7D-9E5A715AEA36}"/>
                 </a:ext>
                 <a:ext uri="{C183D7F6-B498-43B3-948B-1728B52AA6E4}">
-                  <adec:decorative xmlns="" xmlns:adec="http://schemas.microsoft.com/office/drawing/2017/decorative" val="1"/>
+                  <adec:decorative xmlns:adec="http://schemas.microsoft.com/office/drawing/2017/decorative" val="1"/>
                 </a:ext>
               </a:extLst>
             </p:cNvPr>
@@ -20349,7 +20510,7 @@
             <p:nvPr>
               <p:extLst>
                 <p:ext uri="{386F3935-93C4-4BCD-93E2-E3B085C9AB24}">
-                  <p16:designElem xmlns="" xmlns:p16="http://schemas.microsoft.com/office/powerpoint/2015/main" val="1"/>
+                  <p16:designElem xmlns:p16="http://schemas.microsoft.com/office/powerpoint/2015/main" val="1"/>
                 </p:ext>
               </p:extLst>
             </p:nvPr>
@@ -20390,10 +20551,10 @@
             <p:cNvPr id="15" name="Freeform 5">
               <a:extLst>
                 <a:ext uri="{FF2B5EF4-FFF2-40B4-BE49-F238E27FC236}">
-                  <a16:creationId xmlns="" xmlns:a16="http://schemas.microsoft.com/office/drawing/2014/main" id="{B4A81DE1-E2BC-4A31-99EE-71350421B0EA}"/>
+                  <a16:creationId xmlns:a16="http://schemas.microsoft.com/office/drawing/2014/main" id="{B4A81DE1-E2BC-4A31-99EE-71350421B0EA}"/>
                 </a:ext>
                 <a:ext uri="{C183D7F6-B498-43B3-948B-1728B52AA6E4}">
-                  <adec:decorative xmlns="" xmlns:adec="http://schemas.microsoft.com/office/drawing/2017/decorative" val="1"/>
+                  <adec:decorative xmlns:adec="http://schemas.microsoft.com/office/drawing/2017/decorative" val="1"/>
                 </a:ext>
               </a:extLst>
             </p:cNvPr>
@@ -20401,7 +20562,7 @@
             <p:nvPr>
               <p:extLst>
                 <p:ext uri="{386F3935-93C4-4BCD-93E2-E3B085C9AB24}">
-                  <p16:designElem xmlns="" xmlns:p16="http://schemas.microsoft.com/office/powerpoint/2015/main" val="1"/>
+                  <p16:designElem xmlns:p16="http://schemas.microsoft.com/office/powerpoint/2015/main" val="1"/>
                 </p:ext>
               </p:extLst>
             </p:nvPr>
@@ -20552,10 +20713,10 @@
             <p:cNvPr id="16" name="Freeform 5">
               <a:extLst>
                 <a:ext uri="{FF2B5EF4-FFF2-40B4-BE49-F238E27FC236}">
-                  <a16:creationId xmlns="" xmlns:a16="http://schemas.microsoft.com/office/drawing/2014/main" id="{FDE8183D-5757-4D73-A338-62BDD88E49B2}"/>
+                  <a16:creationId xmlns:a16="http://schemas.microsoft.com/office/drawing/2014/main" id="{FDE8183D-5757-4D73-A338-62BDD88E49B2}"/>
                 </a:ext>
                 <a:ext uri="{C183D7F6-B498-43B3-948B-1728B52AA6E4}">
-                  <adec:decorative xmlns="" xmlns:adec="http://schemas.microsoft.com/office/drawing/2017/decorative" val="1"/>
+                  <adec:decorative xmlns:adec="http://schemas.microsoft.com/office/drawing/2017/decorative" val="1"/>
                 </a:ext>
               </a:extLst>
             </p:cNvPr>
@@ -20563,7 +20724,7 @@
             <p:nvPr>
               <p:extLst>
                 <p:ext uri="{386F3935-93C4-4BCD-93E2-E3B085C9AB24}">
-                  <p16:designElem xmlns="" xmlns:p16="http://schemas.microsoft.com/office/powerpoint/2015/main" val="1"/>
+                  <p16:designElem xmlns:p16="http://schemas.microsoft.com/office/powerpoint/2015/main" val="1"/>
                 </p:ext>
               </p:extLst>
             </p:nvPr>
@@ -20751,10 +20912,10 @@
             <p:cNvPr id="17" name="Freeform 5">
               <a:extLst>
                 <a:ext uri="{FF2B5EF4-FFF2-40B4-BE49-F238E27FC236}">
-                  <a16:creationId xmlns="" xmlns:a16="http://schemas.microsoft.com/office/drawing/2014/main" id="{F6ACD5FC-CAFE-48EB-B765-60EED2E052F0}"/>
+                  <a16:creationId xmlns:a16="http://schemas.microsoft.com/office/drawing/2014/main" id="{F6ACD5FC-CAFE-48EB-B765-60EED2E052F0}"/>
                 </a:ext>
                 <a:ext uri="{C183D7F6-B498-43B3-948B-1728B52AA6E4}">
-                  <adec:decorative xmlns="" xmlns:adec="http://schemas.microsoft.com/office/drawing/2017/decorative" val="1"/>
+                  <adec:decorative xmlns:adec="http://schemas.microsoft.com/office/drawing/2017/decorative" val="1"/>
                 </a:ext>
               </a:extLst>
             </p:cNvPr>
@@ -20764,7 +20925,7 @@
             <p:nvPr>
               <p:extLst>
                 <p:ext uri="{386F3935-93C4-4BCD-93E2-E3B085C9AB24}">
-                  <p16:designElem xmlns="" xmlns:p16="http://schemas.microsoft.com/office/powerpoint/2015/main" val="1"/>
+                  <p16:designElem xmlns:p16="http://schemas.microsoft.com/office/powerpoint/2015/main" val="1"/>
                 </p:ext>
               </p:extLst>
             </p:nvPr>
@@ -20831,7 +20992,7 @@
           <p:cNvPr id="2" name="Title 1">
             <a:extLst>
               <a:ext uri="{FF2B5EF4-FFF2-40B4-BE49-F238E27FC236}">
-                <a16:creationId xmlns="" xmlns:a16="http://schemas.microsoft.com/office/drawing/2014/main" id="{A53A4EB3-84C2-2C49-A167-3EFAD97F8C64}"/>
+                <a16:creationId xmlns:a16="http://schemas.microsoft.com/office/drawing/2014/main" id="{A53A4EB3-84C2-2C49-A167-3EFAD97F8C64}"/>
               </a:ext>
             </a:extLst>
           </p:cNvPr>
@@ -20867,14 +21028,6 @@
               </a:rPr>
               <a:t>Algorithm &amp; Dataset</a:t>
             </a:r>
-            <a:r>
-              <a:rPr lang="en-IN" sz="2000">
-                <a:solidFill>
-                  <a:srgbClr val="EBEBEB"/>
-                </a:solidFill>
-              </a:rPr>
-              <a:t/>
-            </a:r>
             <a:br>
               <a:rPr lang="en-IN" sz="2000">
                 <a:solidFill>
@@ -20895,7 +21048,7 @@
           <p:cNvPr id="3" name="Content Placeholder 2">
             <a:extLst>
               <a:ext uri="{FF2B5EF4-FFF2-40B4-BE49-F238E27FC236}">
-                <a16:creationId xmlns="" xmlns:a16="http://schemas.microsoft.com/office/drawing/2014/main" id="{2A1157EA-4035-2040-8076-B204897474E6}"/>
+                <a16:creationId xmlns:a16="http://schemas.microsoft.com/office/drawing/2014/main" id="{2A1157EA-4035-2040-8076-B204897474E6}"/>
               </a:ext>
             </a:extLst>
           </p:cNvPr>
@@ -21028,7 +21181,7 @@
           <p:cNvPr id="5" name="Picture 4">
             <a:extLst>
               <a:ext uri="{FF2B5EF4-FFF2-40B4-BE49-F238E27FC236}">
-                <a16:creationId xmlns="" xmlns:a16="http://schemas.microsoft.com/office/drawing/2014/main" id="{6B5D529F-0914-FD4A-AC83-7FEB7C2A47EE}"/>
+                <a16:creationId xmlns:a16="http://schemas.microsoft.com/office/drawing/2014/main" id="{6B5D529F-0914-FD4A-AC83-7FEB7C2A47EE}"/>
               </a:ext>
             </a:extLst>
           </p:cNvPr>
@@ -21058,10 +21211,10 @@
           <p:cNvPr id="19" name="Rectangle 18">
             <a:extLst>
               <a:ext uri="{FF2B5EF4-FFF2-40B4-BE49-F238E27FC236}">
-                <a16:creationId xmlns="" xmlns:a16="http://schemas.microsoft.com/office/drawing/2014/main" id="{9F33B405-D785-4738-B1C0-6A0AA5E98286}"/>
+                <a16:creationId xmlns:a16="http://schemas.microsoft.com/office/drawing/2014/main" id="{9F33B405-D785-4738-B1C0-6A0AA5E98286}"/>
               </a:ext>
               <a:ext uri="{C183D7F6-B498-43B3-948B-1728B52AA6E4}">
-                <adec:decorative xmlns="" xmlns:adec="http://schemas.microsoft.com/office/drawing/2017/decorative" val="1"/>
+                <adec:decorative xmlns:adec="http://schemas.microsoft.com/office/drawing/2017/decorative" val="1"/>
               </a:ext>
             </a:extLst>
           </p:cNvPr>
@@ -21071,7 +21224,7 @@
           <p:nvPr>
             <p:extLst>
               <p:ext uri="{386F3935-93C4-4BCD-93E2-E3B085C9AB24}">
-                <p16:designElem xmlns="" xmlns:p16="http://schemas.microsoft.com/office/powerpoint/2015/main" val="1"/>
+                <p16:designElem xmlns:p16="http://schemas.microsoft.com/office/powerpoint/2015/main" val="1"/>
               </p:ext>
             </p:extLst>
           </p:nvPr>
@@ -21111,7 +21264,7 @@
           <p:cNvPr id="6" name="Rectangle 5">
             <a:extLst>
               <a:ext uri="{FF2B5EF4-FFF2-40B4-BE49-F238E27FC236}">
-                <a16:creationId xmlns="" xmlns:a16="http://schemas.microsoft.com/office/drawing/2014/main" id="{ED5E44DD-F2B8-8341-A6EC-3CF4307E31D9}"/>
+                <a16:creationId xmlns:a16="http://schemas.microsoft.com/office/drawing/2014/main" id="{ED5E44DD-F2B8-8341-A6EC-3CF4307E31D9}"/>
               </a:ext>
             </a:extLst>
           </p:cNvPr>
@@ -21160,7 +21313,7 @@
           <p:cNvPr id="18" name="Straight Arrow Connector 17">
             <a:extLst>
               <a:ext uri="{FF2B5EF4-FFF2-40B4-BE49-F238E27FC236}">
-                <a16:creationId xmlns="" xmlns:a16="http://schemas.microsoft.com/office/drawing/2014/main" id="{BF3F3AE0-5C12-FB43-804E-15C8E4556063}"/>
+                <a16:creationId xmlns:a16="http://schemas.microsoft.com/office/drawing/2014/main" id="{BF3F3AE0-5C12-FB43-804E-15C8E4556063}"/>
               </a:ext>
             </a:extLst>
           </p:cNvPr>
@@ -21199,7 +21352,7 @@
           <p:cNvPr id="20" name="Straight Arrow Connector 19">
             <a:extLst>
               <a:ext uri="{FF2B5EF4-FFF2-40B4-BE49-F238E27FC236}">
-                <a16:creationId xmlns="" xmlns:a16="http://schemas.microsoft.com/office/drawing/2014/main" id="{7774DAA9-5295-7945-BE2D-03E280DB9CC9}"/>
+                <a16:creationId xmlns:a16="http://schemas.microsoft.com/office/drawing/2014/main" id="{7774DAA9-5295-7945-BE2D-03E280DB9CC9}"/>
               </a:ext>
             </a:extLst>
           </p:cNvPr>
@@ -21240,7 +21393,7 @@
           <p:cNvPr id="21" name="Straight Arrow Connector 20">
             <a:extLst>
               <a:ext uri="{FF2B5EF4-FFF2-40B4-BE49-F238E27FC236}">
-                <a16:creationId xmlns="" xmlns:a16="http://schemas.microsoft.com/office/drawing/2014/main" id="{15415717-D3D1-4D45-8C64-3F6EB21D005A}"/>
+                <a16:creationId xmlns:a16="http://schemas.microsoft.com/office/drawing/2014/main" id="{15415717-D3D1-4D45-8C64-3F6EB21D005A}"/>
               </a:ext>
             </a:extLst>
           </p:cNvPr>
@@ -21281,7 +21434,7 @@
           <p:cNvPr id="25" name="Rectangle 24">
             <a:extLst>
               <a:ext uri="{FF2B5EF4-FFF2-40B4-BE49-F238E27FC236}">
-                <a16:creationId xmlns="" xmlns:a16="http://schemas.microsoft.com/office/drawing/2014/main" id="{11CBD869-CE7D-3646-8ECE-EEA7B8250A70}"/>
+                <a16:creationId xmlns:a16="http://schemas.microsoft.com/office/drawing/2014/main" id="{11CBD869-CE7D-3646-8ECE-EEA7B8250A70}"/>
               </a:ext>
             </a:extLst>
           </p:cNvPr>
@@ -21335,13 +21488,6 @@
   <p:clrMapOvr>
     <a:masterClrMapping/>
   </p:clrMapOvr>
-  <p:timing>
-    <p:tnLst>
-      <p:par>
-        <p:cTn id="1" dur="indefinite" restart="never" nodeType="tmRoot"/>
-      </p:par>
-    </p:tnLst>
-  </p:timing>
 </p:sld>
 </file>
 
@@ -21367,7 +21513,7 @@
           <p:cNvPr id="2" name="Title 1">
             <a:extLst>
               <a:ext uri="{FF2B5EF4-FFF2-40B4-BE49-F238E27FC236}">
-                <a16:creationId xmlns="" xmlns:a16="http://schemas.microsoft.com/office/drawing/2014/main" id="{76479D22-9873-4940-8664-18BFAEE06CCD}"/>
+                <a16:creationId xmlns:a16="http://schemas.microsoft.com/office/drawing/2014/main" id="{76479D22-9873-4940-8664-18BFAEE06CCD}"/>
               </a:ext>
             </a:extLst>
           </p:cNvPr>
@@ -21387,10 +21533,6 @@
               <a:rPr lang="en-IN" b="1" dirty="0"/>
               <a:t>Methodology</a:t>
             </a:r>
-            <a:r>
-              <a:rPr lang="en-IN" dirty="0"/>
-              <a:t/>
-            </a:r>
             <a:br>
               <a:rPr lang="en-IN" dirty="0"/>
             </a:br>
@@ -21403,7 +21545,7 @@
           <p:cNvPr id="3" name="Content Placeholder 2">
             <a:extLst>
               <a:ext uri="{FF2B5EF4-FFF2-40B4-BE49-F238E27FC236}">
-                <a16:creationId xmlns="" xmlns:a16="http://schemas.microsoft.com/office/drawing/2014/main" id="{192CBF78-35CE-2D4E-9906-3B90053C84A7}"/>
+                <a16:creationId xmlns:a16="http://schemas.microsoft.com/office/drawing/2014/main" id="{192CBF78-35CE-2D4E-9906-3B90053C84A7}"/>
               </a:ext>
             </a:extLst>
           </p:cNvPr>
@@ -21500,13 +21642,6 @@
   <p:clrMapOvr>
     <a:masterClrMapping/>
   </p:clrMapOvr>
-  <p:timing>
-    <p:tnLst>
-      <p:par>
-        <p:cTn id="1" dur="indefinite" restart="never" nodeType="tmRoot"/>
-      </p:par>
-    </p:tnLst>
-  </p:timing>
 </p:sld>
 </file>
 
@@ -21532,7 +21667,7 @@
           <p:cNvPr id="2" name="Title 1">
             <a:extLst>
               <a:ext uri="{FF2B5EF4-FFF2-40B4-BE49-F238E27FC236}">
-                <a16:creationId xmlns="" xmlns:a16="http://schemas.microsoft.com/office/drawing/2014/main" id="{4C001F55-B70D-1042-82E8-A2771502FCAD}"/>
+                <a16:creationId xmlns:a16="http://schemas.microsoft.com/office/drawing/2014/main" id="{4C001F55-B70D-1042-82E8-A2771502FCAD}"/>
               </a:ext>
             </a:extLst>
           </p:cNvPr>
@@ -21549,12 +21684,8 @@
           <a:lstStyle/>
           <a:p>
             <a:r>
-              <a:rPr lang="en-IN" b="1" dirty="0" smtClean="0"/>
-              <a:t>Spark single node</a:t>
-            </a:r>
-            <a:r>
-              <a:rPr lang="en-IN" dirty="0"/>
-              <a:t/>
+              <a:rPr lang="en-IN" b="1" dirty="0"/>
+              <a:t>Spark Single Node Implementation Results</a:t>
             </a:r>
             <a:br>
               <a:rPr lang="en-IN" dirty="0"/>
@@ -21568,7 +21699,7 @@
           <p:cNvPr id="3" name="Content Placeholder 2">
             <a:extLst>
               <a:ext uri="{FF2B5EF4-FFF2-40B4-BE49-F238E27FC236}">
-                <a16:creationId xmlns="" xmlns:a16="http://schemas.microsoft.com/office/drawing/2014/main" id="{53592BFA-5FAC-DB45-B27C-E059E2502AD9}"/>
+                <a16:creationId xmlns:a16="http://schemas.microsoft.com/office/drawing/2014/main" id="{53592BFA-5FAC-DB45-B27C-E059E2502AD9}"/>
               </a:ext>
             </a:extLst>
           </p:cNvPr>
@@ -21662,13 +21793,6 @@
   <p:clrMapOvr>
     <a:masterClrMapping/>
   </p:clrMapOvr>
-  <p:timing>
-    <p:tnLst>
-      <p:par>
-        <p:cTn id="1" dur="indefinite" restart="never" nodeType="tmRoot"/>
-      </p:par>
-    </p:tnLst>
-  </p:timing>
 </p:sld>
 </file>
 
@@ -21697,730 +21821,750 @@
           <a:chExt cx="0" cy="0"/>
         </a:xfrm>
       </p:grpSpPr>
-      <p:sp>
-        <p:nvSpPr>
-          <p:cNvPr id="10" name="Rectangle 9">
+      <p:grpSp>
+        <p:nvGrpSpPr>
+          <p:cNvPr id="40" name="Group 28">
             <a:extLst>
               <a:ext uri="{FF2B5EF4-FFF2-40B4-BE49-F238E27FC236}">
-                <a16:creationId xmlns="" xmlns:a16="http://schemas.microsoft.com/office/drawing/2014/main" id="{A000C36E-AAFD-4188-BB55-FAE4A82728C9}"/>
+                <a16:creationId xmlns:a16="http://schemas.microsoft.com/office/drawing/2014/main" id="{08BCF048-8940-4354-B9EC-5AD74E283CE3}"/>
               </a:ext>
               <a:ext uri="{C183D7F6-B498-43B3-948B-1728B52AA6E4}">
-                <adec:decorative xmlns="" xmlns:adec="http://schemas.microsoft.com/office/drawing/2017/decorative" val="1"/>
+                <adec:decorative xmlns:adec="http://schemas.microsoft.com/office/drawing/2017/decorative" val="1"/>
               </a:ext>
             </a:extLst>
           </p:cNvPr>
-          <p:cNvSpPr>
-            <a:spLocks noGrp="1" noRot="1" noChangeAspect="1" noMove="1" noResize="1" noEditPoints="1" noAdjustHandles="1" noChangeArrowheads="1" noChangeShapeType="1" noTextEdit="1"/>
-          </p:cNvSpPr>
+          <p:cNvGrpSpPr>
+            <a:grpSpLocks noGrp="1" noUngrp="1" noRot="1" noChangeAspect="1" noMove="1" noResize="1"/>
+          </p:cNvGrpSpPr>
           <p:nvPr>
             <p:extLst>
               <p:ext uri="{386F3935-93C4-4BCD-93E2-E3B085C9AB24}">
-                <p16:designElem xmlns="" xmlns:p16="http://schemas.microsoft.com/office/powerpoint/2015/main" val="1"/>
+                <p16:designElem xmlns:p16="http://schemas.microsoft.com/office/powerpoint/2015/main" val="1"/>
               </p:ext>
             </p:extLst>
           </p:nvPr>
-        </p:nvSpPr>
-        <p:spPr>
-          <a:xfrm flipH="1">
+        </p:nvGrpSpPr>
+        <p:grpSpPr>
+          <a:xfrm>
             <a:off x="0" y="0"/>
             <a:ext cx="12192000" cy="6858000"/>
+            <a:chOff x="0" y="0"/>
+            <a:chExt cx="12192000" cy="6858000"/>
           </a:xfrm>
-          <a:prstGeom prst="rect">
-            <a:avLst/>
-          </a:prstGeom>
-          <a:blipFill>
-            <a:blip r:embed="rId2">
-              <a:duotone>
-                <a:schemeClr val="dk2">
-                  <a:shade val="69000"/>
-                  <a:hueMod val="91000"/>
-                  <a:satMod val="164000"/>
-                  <a:lumMod val="74000"/>
-                </a:schemeClr>
-                <a:schemeClr val="dk2">
-                  <a:hueMod val="124000"/>
-                  <a:satMod val="140000"/>
-                  <a:lumMod val="142000"/>
-                </a:schemeClr>
-              </a:duotone>
-            </a:blip>
-            <a:stretch>
-              <a:fillRect/>
-            </a:stretch>
-          </a:blipFill>
-          <a:ln>
-            <a:noFill/>
-          </a:ln>
-        </p:spPr>
-        <p:style>
-          <a:lnRef idx="2">
-            <a:schemeClr val="accent1">
-              <a:shade val="50000"/>
-            </a:schemeClr>
-          </a:lnRef>
-          <a:fillRef idx="1">
-            <a:schemeClr val="accent1"/>
-          </a:fillRef>
-          <a:effectRef idx="0">
-            <a:schemeClr val="accent1"/>
-          </a:effectRef>
-          <a:fontRef idx="minor">
-            <a:schemeClr val="lt1"/>
-          </a:fontRef>
-        </p:style>
-      </p:sp>
-      <p:sp>
-        <p:nvSpPr>
-          <p:cNvPr id="12" name="Rectangle 11">
-            <a:extLst>
-              <a:ext uri="{FF2B5EF4-FFF2-40B4-BE49-F238E27FC236}">
-                <a16:creationId xmlns="" xmlns:a16="http://schemas.microsoft.com/office/drawing/2014/main" id="{13CB6D4A-4ADE-4BAF-BB67-7E9E8AB2C807}"/>
-              </a:ext>
-              <a:ext uri="{C183D7F6-B498-43B3-948B-1728B52AA6E4}">
-                <adec:decorative xmlns="" xmlns:adec="http://schemas.microsoft.com/office/drawing/2017/decorative" val="1"/>
-              </a:ext>
-            </a:extLst>
-          </p:cNvPr>
-          <p:cNvSpPr>
-            <a:spLocks noGrp="1" noRot="1" noChangeAspect="1" noMove="1" noResize="1" noEditPoints="1" noAdjustHandles="1" noChangeArrowheads="1" noChangeShapeType="1" noTextEdit="1"/>
-          </p:cNvSpPr>
-          <p:nvPr>
-            <p:extLst>
-              <p:ext uri="{386F3935-93C4-4BCD-93E2-E3B085C9AB24}">
-                <p16:designElem xmlns="" xmlns:p16="http://schemas.microsoft.com/office/powerpoint/2015/main" val="1"/>
-              </p:ext>
-            </p:extLst>
-          </p:nvPr>
-        </p:nvSpPr>
-        <p:spPr bwMode="gray">
-          <a:xfrm flipH="1">
-            <a:off x="343043" y="402165"/>
-            <a:ext cx="6738659" cy="6053670"/>
-          </a:xfrm>
-          <a:prstGeom prst="rect">
-            <a:avLst/>
-          </a:prstGeom>
-          <a:solidFill>
-            <a:schemeClr val="bg1"/>
-          </a:solidFill>
-          <a:ln>
-            <a:noFill/>
-          </a:ln>
-          <a:effectLst/>
-        </p:spPr>
-        <p:style>
-          <a:lnRef idx="1">
-            <a:schemeClr val="accent1"/>
-          </a:lnRef>
-          <a:fillRef idx="3">
-            <a:schemeClr val="accent1"/>
-          </a:fillRef>
-          <a:effectRef idx="2">
-            <a:schemeClr val="accent1"/>
-          </a:effectRef>
-          <a:fontRef idx="minor">
-            <a:schemeClr val="lt1"/>
-          </a:fontRef>
-        </p:style>
-      </p:sp>
-      <p:sp>
-        <p:nvSpPr>
-          <p:cNvPr id="14" name="Oval 13">
-            <a:extLst>
-              <a:ext uri="{FF2B5EF4-FFF2-40B4-BE49-F238E27FC236}">
-                <a16:creationId xmlns="" xmlns:a16="http://schemas.microsoft.com/office/drawing/2014/main" id="{2065753A-F15B-43F6-B811-03D54342667C}"/>
-              </a:ext>
-              <a:ext uri="{C183D7F6-B498-43B3-948B-1728B52AA6E4}">
-                <adec:decorative xmlns="" xmlns:adec="http://schemas.microsoft.com/office/drawing/2017/decorative" val="1"/>
-              </a:ext>
-            </a:extLst>
-          </p:cNvPr>
-          <p:cNvSpPr>
-            <a:spLocks noGrp="1" noRot="1" noChangeAspect="1" noMove="1" noResize="1" noEditPoints="1" noAdjustHandles="1" noChangeArrowheads="1" noChangeShapeType="1" noTextEdit="1"/>
-          </p:cNvSpPr>
-          <p:nvPr>
-            <p:extLst>
-              <p:ext uri="{386F3935-93C4-4BCD-93E2-E3B085C9AB24}">
-                <p16:designElem xmlns="" xmlns:p16="http://schemas.microsoft.com/office/powerpoint/2015/main" val="1"/>
-              </p:ext>
-            </p:extLst>
-          </p:nvPr>
-        </p:nvSpPr>
-        <p:spPr>
-          <a:xfrm flipH="1">
-            <a:off x="7995198" y="2667000"/>
-            <a:ext cx="4191000" cy="4191000"/>
-          </a:xfrm>
-          <a:prstGeom prst="ellipse">
-            <a:avLst/>
-          </a:prstGeom>
-          <a:gradFill flip="none" rotWithShape="1">
-            <a:gsLst>
-              <a:gs pos="0">
-                <a:schemeClr val="accent5">
-                  <a:alpha val="11000"/>
-                </a:schemeClr>
-              </a:gs>
-              <a:gs pos="75000">
-                <a:schemeClr val="accent5">
-                  <a:alpha val="0"/>
-                </a:schemeClr>
-              </a:gs>
-              <a:gs pos="36000">
-                <a:schemeClr val="accent5">
-                  <a:alpha val="10000"/>
-                </a:schemeClr>
-              </a:gs>
-            </a:gsLst>
-            <a:path path="circle">
-              <a:fillToRect l="50000" t="50000" r="50000" b="50000"/>
-            </a:path>
-            <a:tileRect/>
-          </a:gradFill>
-          <a:ln>
-            <a:noFill/>
-          </a:ln>
-          <a:effectLst/>
-        </p:spPr>
-        <p:style>
-          <a:lnRef idx="1">
-            <a:schemeClr val="accent1"/>
-          </a:lnRef>
-          <a:fillRef idx="3">
-            <a:schemeClr val="accent1"/>
-          </a:fillRef>
-          <a:effectRef idx="2">
-            <a:schemeClr val="accent1"/>
-          </a:effectRef>
-          <a:fontRef idx="minor">
-            <a:schemeClr val="lt1"/>
-          </a:fontRef>
-        </p:style>
-      </p:sp>
-      <p:sp>
-        <p:nvSpPr>
-          <p:cNvPr id="16" name="Freeform 5">
-            <a:extLst>
-              <a:ext uri="{FF2B5EF4-FFF2-40B4-BE49-F238E27FC236}">
-                <a16:creationId xmlns="" xmlns:a16="http://schemas.microsoft.com/office/drawing/2014/main" id="{219AED55-7F29-4A42-9B4E-43EA055109AD}"/>
-              </a:ext>
-              <a:ext uri="{C183D7F6-B498-43B3-948B-1728B52AA6E4}">
-                <adec:decorative xmlns="" xmlns:adec="http://schemas.microsoft.com/office/drawing/2017/decorative" val="1"/>
-              </a:ext>
-            </a:extLst>
-          </p:cNvPr>
-          <p:cNvSpPr>
-            <a:spLocks noGrp="1" noRot="1" noChangeAspect="1" noMove="1" noResize="1" noEditPoints="1" noAdjustHandles="1" noChangeArrowheads="1" noChangeShapeType="1" noTextEdit="1"/>
-          </p:cNvSpPr>
-          <p:nvPr>
-            <p:extLst>
-              <p:ext uri="{386F3935-93C4-4BCD-93E2-E3B085C9AB24}">
-                <p16:designElem xmlns="" xmlns:p16="http://schemas.microsoft.com/office/powerpoint/2015/main" val="1"/>
-              </p:ext>
-            </p:extLst>
-          </p:nvPr>
-        </p:nvSpPr>
-        <p:spPr bwMode="gray">
-          <a:xfrm rot="5677511" flipH="1">
-            <a:off x="6355223" y="1826078"/>
-            <a:ext cx="3299407" cy="440924"/>
-          </a:xfrm>
-          <a:custGeom>
-            <a:avLst/>
-            <a:gdLst/>
-            <a:ahLst/>
-            <a:cxnLst/>
-            <a:rect l="l" t="t" r="r" b="b"/>
-            <a:pathLst>
-              <a:path w="10000" h="5291">
-                <a:moveTo>
-                  <a:pt x="85" y="2532"/>
-                </a:moveTo>
-                <a:cubicBezTo>
-                  <a:pt x="1736" y="3911"/>
-                  <a:pt x="7524" y="5298"/>
-                  <a:pt x="9958" y="5291"/>
-                </a:cubicBezTo>
-                <a:cubicBezTo>
-                  <a:pt x="9989" y="1958"/>
-                  <a:pt x="9969" y="3333"/>
-                  <a:pt x="10000" y="0"/>
-                </a:cubicBezTo>
-                <a:lnTo>
-                  <a:pt x="10000" y="0"/>
-                </a:lnTo>
-                <a:lnTo>
-                  <a:pt x="9667" y="204"/>
-                </a:lnTo>
-                <a:lnTo>
-                  <a:pt x="9334" y="400"/>
-                </a:lnTo>
-                <a:lnTo>
-                  <a:pt x="9001" y="590"/>
-                </a:lnTo>
-                <a:lnTo>
-                  <a:pt x="8667" y="753"/>
-                </a:lnTo>
-                <a:lnTo>
-                  <a:pt x="8333" y="917"/>
-                </a:lnTo>
-                <a:lnTo>
-                  <a:pt x="7999" y="1071"/>
-                </a:lnTo>
-                <a:lnTo>
-                  <a:pt x="7669" y="1202"/>
-                </a:lnTo>
-                <a:lnTo>
-                  <a:pt x="7333" y="1325"/>
-                </a:lnTo>
-                <a:lnTo>
-                  <a:pt x="7000" y="1440"/>
-                </a:lnTo>
-                <a:lnTo>
-                  <a:pt x="6673" y="1538"/>
-                </a:lnTo>
-                <a:lnTo>
-                  <a:pt x="6340" y="1636"/>
-                </a:lnTo>
-                <a:lnTo>
-                  <a:pt x="6013" y="1719"/>
-                </a:lnTo>
-                <a:lnTo>
-                  <a:pt x="5686" y="1784"/>
-                </a:lnTo>
-                <a:lnTo>
-                  <a:pt x="5359" y="1850"/>
-                </a:lnTo>
-                <a:lnTo>
-                  <a:pt x="5036" y="1906"/>
-                </a:lnTo>
-                <a:lnTo>
-                  <a:pt x="4717" y="1948"/>
-                </a:lnTo>
-                <a:lnTo>
-                  <a:pt x="4396" y="1980"/>
-                </a:lnTo>
-                <a:lnTo>
-                  <a:pt x="4079" y="2013"/>
-                </a:lnTo>
-                <a:lnTo>
-                  <a:pt x="3766" y="2029"/>
-                </a:lnTo>
-                <a:lnTo>
-                  <a:pt x="3454" y="2046"/>
-                </a:lnTo>
-                <a:lnTo>
-                  <a:pt x="3145" y="2053"/>
-                </a:lnTo>
-                <a:lnTo>
-                  <a:pt x="2839" y="2046"/>
-                </a:lnTo>
-                <a:lnTo>
-                  <a:pt x="2537" y="2046"/>
-                </a:lnTo>
-                <a:lnTo>
-                  <a:pt x="2238" y="2029"/>
-                </a:lnTo>
-                <a:lnTo>
-                  <a:pt x="1943" y="2004"/>
-                </a:lnTo>
-                <a:lnTo>
-                  <a:pt x="1653" y="1980"/>
-                </a:lnTo>
-                <a:lnTo>
-                  <a:pt x="1368" y="1955"/>
-                </a:lnTo>
-                <a:lnTo>
-                  <a:pt x="1085" y="1915"/>
-                </a:lnTo>
-                <a:lnTo>
-                  <a:pt x="806" y="1873"/>
-                </a:lnTo>
-                <a:lnTo>
-                  <a:pt x="533" y="1833"/>
-                </a:lnTo>
-                <a:lnTo>
-                  <a:pt x="0" y="1726"/>
-                </a:lnTo>
-                <a:cubicBezTo>
-                  <a:pt x="28" y="1995"/>
-                  <a:pt x="57" y="2263"/>
-                  <a:pt x="85" y="2532"/>
-                </a:cubicBezTo>
-                <a:close/>
+        </p:grpSpPr>
+        <p:sp>
+          <p:nvSpPr>
+            <p:cNvPr id="30" name="Rectangle 29">
+              <a:extLst>
+                <a:ext uri="{FF2B5EF4-FFF2-40B4-BE49-F238E27FC236}">
+                  <a16:creationId xmlns:a16="http://schemas.microsoft.com/office/drawing/2014/main" id="{D024C14A-78BD-44B0-82BE-6A0D0A27063A}"/>
+                </a:ext>
+                <a:ext uri="{C183D7F6-B498-43B3-948B-1728B52AA6E4}">
+                  <adec:decorative xmlns:adec="http://schemas.microsoft.com/office/drawing/2017/decorative" val="1"/>
+                </a:ext>
+              </a:extLst>
+            </p:cNvPr>
+            <p:cNvSpPr/>
+            <p:nvPr>
+              <p:extLst>
+                <p:ext uri="{386F3935-93C4-4BCD-93E2-E3B085C9AB24}">
+                  <p16:designElem xmlns:p16="http://schemas.microsoft.com/office/powerpoint/2015/main" val="1"/>
+                </p:ext>
+              </p:extLst>
+            </p:nvPr>
+          </p:nvSpPr>
+          <p:spPr>
+            <a:xfrm>
+              <a:off x="0" y="0"/>
+              <a:ext cx="12192000" cy="6858000"/>
+            </a:xfrm>
+            <a:prstGeom prst="rect">
+              <a:avLst/>
+            </a:prstGeom>
+            <a:blipFill>
+              <a:blip r:embed="rId2">
+                <a:duotone>
+                  <a:schemeClr val="dk2">
+                    <a:shade val="69000"/>
+                    <a:hueMod val="91000"/>
+                    <a:satMod val="164000"/>
+                    <a:lumMod val="74000"/>
+                  </a:schemeClr>
+                  <a:schemeClr val="dk2">
+                    <a:hueMod val="124000"/>
+                    <a:satMod val="140000"/>
+                    <a:lumMod val="142000"/>
+                  </a:schemeClr>
+                </a:duotone>
+              </a:blip>
+              <a:stretch>
+                <a:fillRect/>
+              </a:stretch>
+            </a:blipFill>
+            <a:ln>
+              <a:noFill/>
+            </a:ln>
+          </p:spPr>
+          <p:style>
+            <a:lnRef idx="2">
+              <a:schemeClr val="accent1">
+                <a:shade val="50000"/>
+              </a:schemeClr>
+            </a:lnRef>
+            <a:fillRef idx="1">
+              <a:schemeClr val="accent1"/>
+            </a:fillRef>
+            <a:effectRef idx="0">
+              <a:schemeClr val="accent1"/>
+            </a:effectRef>
+            <a:fontRef idx="minor">
+              <a:schemeClr val="lt1"/>
+            </a:fontRef>
+          </p:style>
+        </p:sp>
+        <p:sp>
+          <p:nvSpPr>
+            <p:cNvPr id="31" name="Oval 30">
+              <a:extLst>
+                <a:ext uri="{FF2B5EF4-FFF2-40B4-BE49-F238E27FC236}">
+                  <a16:creationId xmlns:a16="http://schemas.microsoft.com/office/drawing/2014/main" id="{809F3D29-EDB1-4F1C-A0E0-36F28CE17188}"/>
+                </a:ext>
+                <a:ext uri="{C183D7F6-B498-43B3-948B-1728B52AA6E4}">
+                  <adec:decorative xmlns:adec="http://schemas.microsoft.com/office/drawing/2017/decorative" val="1"/>
+                </a:ext>
+              </a:extLst>
+            </p:cNvPr>
+            <p:cNvSpPr/>
+            <p:nvPr>
+              <p:extLst>
+                <p:ext uri="{386F3935-93C4-4BCD-93E2-E3B085C9AB24}">
+                  <p16:designElem xmlns:p16="http://schemas.microsoft.com/office/powerpoint/2015/main" val="1"/>
+                </p:ext>
+              </p:extLst>
+            </p:nvPr>
+          </p:nvSpPr>
+          <p:spPr>
+            <a:xfrm>
+              <a:off x="0" y="2667000"/>
+              <a:ext cx="4191000" cy="4191000"/>
+            </a:xfrm>
+            <a:prstGeom prst="ellipse">
+              <a:avLst/>
+            </a:prstGeom>
+            <a:gradFill flip="none" rotWithShape="1">
+              <a:gsLst>
+                <a:gs pos="0">
+                  <a:schemeClr val="accent5">
+                    <a:alpha val="11000"/>
+                  </a:schemeClr>
+                </a:gs>
+                <a:gs pos="75000">
+                  <a:schemeClr val="accent5">
+                    <a:alpha val="0"/>
+                  </a:schemeClr>
+                </a:gs>
+                <a:gs pos="36000">
+                  <a:schemeClr val="accent5">
+                    <a:alpha val="10000"/>
+                  </a:schemeClr>
+                </a:gs>
+              </a:gsLst>
+              <a:path path="circle">
+                <a:fillToRect l="50000" t="50000" r="50000" b="50000"/>
               </a:path>
-            </a:pathLst>
-          </a:custGeom>
-          <a:solidFill>
-            <a:schemeClr val="bg1">
-              <a:alpha val="20000"/>
-            </a:schemeClr>
-          </a:solidFill>
-          <a:ln>
-            <a:noFill/>
-          </a:ln>
-        </p:spPr>
-      </p:sp>
-      <p:sp>
-        <p:nvSpPr>
-          <p:cNvPr id="18" name="Freeform 5">
-            <a:extLst>
-              <a:ext uri="{FF2B5EF4-FFF2-40B4-BE49-F238E27FC236}">
-                <a16:creationId xmlns="" xmlns:a16="http://schemas.microsoft.com/office/drawing/2014/main" id="{3394EDF3-F539-40F8-9354-FE028858291C}"/>
-              </a:ext>
-              <a:ext uri="{C183D7F6-B498-43B3-948B-1728B52AA6E4}">
-                <adec:decorative xmlns="" xmlns:adec="http://schemas.microsoft.com/office/drawing/2017/decorative" val="1"/>
-              </a:ext>
-            </a:extLst>
-          </p:cNvPr>
-          <p:cNvSpPr>
-            <a:spLocks noGrp="1" noRot="1" noChangeAspect="1" noMove="1" noResize="1" noEditPoints="1" noAdjustHandles="1" noChangeArrowheads="1" noChangeShapeType="1" noTextEdit="1"/>
-          </p:cNvSpPr>
-          <p:nvPr>
-            <p:extLst>
-              <p:ext uri="{386F3935-93C4-4BCD-93E2-E3B085C9AB24}">
-                <p16:designElem xmlns="" xmlns:p16="http://schemas.microsoft.com/office/powerpoint/2015/main" val="1"/>
-              </p:ext>
-            </p:extLst>
-          </p:nvPr>
-        </p:nvSpPr>
-        <p:spPr bwMode="gray">
-          <a:xfrm rot="5400000" flipH="1">
-            <a:off x="4512068" y="2801721"/>
-            <a:ext cx="6053670" cy="1254558"/>
-          </a:xfrm>
-          <a:custGeom>
-            <a:avLst/>
-            <a:gdLst/>
-            <a:ahLst/>
-            <a:cxnLst/>
-            <a:rect l="l" t="t" r="r" b="b"/>
-            <a:pathLst>
-              <a:path w="10000" h="8000">
-                <a:moveTo>
-                  <a:pt x="0" y="0"/>
-                </a:moveTo>
-                <a:lnTo>
-                  <a:pt x="0" y="7970"/>
-                </a:lnTo>
-                <a:lnTo>
-                  <a:pt x="10000" y="8000"/>
-                </a:lnTo>
-                <a:lnTo>
-                  <a:pt x="10000" y="7"/>
-                </a:lnTo>
-                <a:lnTo>
-                  <a:pt x="10000" y="7"/>
-                </a:lnTo>
-                <a:lnTo>
-                  <a:pt x="9773" y="156"/>
-                </a:lnTo>
-                <a:lnTo>
-                  <a:pt x="9547" y="298"/>
-                </a:lnTo>
-                <a:lnTo>
-                  <a:pt x="9320" y="437"/>
-                </a:lnTo>
-                <a:lnTo>
-                  <a:pt x="9092" y="556"/>
-                </a:lnTo>
-                <a:lnTo>
-                  <a:pt x="8865" y="676"/>
-                </a:lnTo>
-                <a:lnTo>
-                  <a:pt x="8637" y="788"/>
-                </a:lnTo>
-                <a:lnTo>
-                  <a:pt x="8412" y="884"/>
-                </a:lnTo>
-                <a:lnTo>
-                  <a:pt x="8184" y="975"/>
-                </a:lnTo>
-                <a:lnTo>
-                  <a:pt x="7957" y="1058"/>
-                </a:lnTo>
-                <a:lnTo>
-                  <a:pt x="7734" y="1130"/>
-                </a:lnTo>
-                <a:lnTo>
-                  <a:pt x="7508" y="1202"/>
-                </a:lnTo>
-                <a:lnTo>
-                  <a:pt x="7285" y="1262"/>
-                </a:lnTo>
-                <a:lnTo>
-                  <a:pt x="7062" y="1309"/>
-                </a:lnTo>
-                <a:lnTo>
-                  <a:pt x="6840" y="1358"/>
-                </a:lnTo>
-                <a:lnTo>
-                  <a:pt x="6620" y="1399"/>
-                </a:lnTo>
-                <a:lnTo>
-                  <a:pt x="6402" y="1428"/>
-                </a:lnTo>
-                <a:lnTo>
-                  <a:pt x="6184" y="1453"/>
-                </a:lnTo>
-                <a:lnTo>
-                  <a:pt x="5968" y="1477"/>
-                </a:lnTo>
-                <a:lnTo>
-                  <a:pt x="5755" y="1488"/>
-                </a:lnTo>
-                <a:lnTo>
-                  <a:pt x="5542" y="1500"/>
-                </a:lnTo>
-                <a:lnTo>
-                  <a:pt x="5332" y="1506"/>
-                </a:lnTo>
-                <a:lnTo>
-                  <a:pt x="5124" y="1500"/>
-                </a:lnTo>
-                <a:lnTo>
-                  <a:pt x="4918" y="1500"/>
-                </a:lnTo>
-                <a:lnTo>
-                  <a:pt x="4714" y="1488"/>
-                </a:lnTo>
-                <a:lnTo>
-                  <a:pt x="4514" y="1470"/>
-                </a:lnTo>
-                <a:lnTo>
-                  <a:pt x="4316" y="1453"/>
-                </a:lnTo>
-                <a:lnTo>
-                  <a:pt x="4122" y="1434"/>
-                </a:lnTo>
-                <a:lnTo>
-                  <a:pt x="3929" y="1405"/>
-                </a:lnTo>
-                <a:lnTo>
-                  <a:pt x="3739" y="1374"/>
-                </a:lnTo>
-                <a:lnTo>
-                  <a:pt x="3553" y="1346"/>
-                </a:lnTo>
-                <a:lnTo>
-                  <a:pt x="3190" y="1267"/>
-                </a:lnTo>
-                <a:lnTo>
-                  <a:pt x="2842" y="1183"/>
-                </a:lnTo>
-                <a:lnTo>
-                  <a:pt x="2508" y="1095"/>
-                </a:lnTo>
-                <a:lnTo>
-                  <a:pt x="2192" y="998"/>
-                </a:lnTo>
-                <a:lnTo>
-                  <a:pt x="1890" y="897"/>
-                </a:lnTo>
-                <a:lnTo>
-                  <a:pt x="1610" y="788"/>
-                </a:lnTo>
-                <a:lnTo>
-                  <a:pt x="1347" y="681"/>
-                </a:lnTo>
-                <a:lnTo>
-                  <a:pt x="1105" y="574"/>
-                </a:lnTo>
-                <a:lnTo>
-                  <a:pt x="883" y="473"/>
-                </a:lnTo>
-                <a:lnTo>
-                  <a:pt x="686" y="377"/>
-                </a:lnTo>
-                <a:lnTo>
-                  <a:pt x="508" y="286"/>
-                </a:lnTo>
-                <a:lnTo>
-                  <a:pt x="358" y="210"/>
-                </a:lnTo>
-                <a:lnTo>
-                  <a:pt x="232" y="138"/>
-                </a:lnTo>
-                <a:lnTo>
-                  <a:pt x="59" y="35"/>
-                </a:lnTo>
-                <a:lnTo>
-                  <a:pt x="0" y="0"/>
-                </a:lnTo>
-                <a:lnTo>
-                  <a:pt x="0" y="0"/>
-                </a:lnTo>
-                <a:close/>
+              <a:tileRect/>
+            </a:gradFill>
+            <a:ln>
+              <a:noFill/>
+            </a:ln>
+            <a:effectLst/>
+          </p:spPr>
+          <p:style>
+            <a:lnRef idx="1">
+              <a:schemeClr val="accent1"/>
+            </a:lnRef>
+            <a:fillRef idx="3">
+              <a:schemeClr val="accent1"/>
+            </a:fillRef>
+            <a:effectRef idx="2">
+              <a:schemeClr val="accent1"/>
+            </a:effectRef>
+            <a:fontRef idx="minor">
+              <a:schemeClr val="lt1"/>
+            </a:fontRef>
+          </p:style>
+        </p:sp>
+        <p:sp>
+          <p:nvSpPr>
+            <p:cNvPr id="32" name="Oval 31">
+              <a:extLst>
+                <a:ext uri="{FF2B5EF4-FFF2-40B4-BE49-F238E27FC236}">
+                  <a16:creationId xmlns:a16="http://schemas.microsoft.com/office/drawing/2014/main" id="{5282F4AB-C7B8-4A86-9927-AA106AA27B41}"/>
+                </a:ext>
+                <a:ext uri="{C183D7F6-B498-43B3-948B-1728B52AA6E4}">
+                  <adec:decorative xmlns:adec="http://schemas.microsoft.com/office/drawing/2017/decorative" val="1"/>
+                </a:ext>
+              </a:extLst>
+            </p:cNvPr>
+            <p:cNvSpPr/>
+            <p:nvPr>
+              <p:extLst>
+                <p:ext uri="{386F3935-93C4-4BCD-93E2-E3B085C9AB24}">
+                  <p16:designElem xmlns:p16="http://schemas.microsoft.com/office/powerpoint/2015/main" val="1"/>
+                </p:ext>
+              </p:extLst>
+            </p:nvPr>
+          </p:nvSpPr>
+          <p:spPr>
+            <a:xfrm>
+              <a:off x="0" y="2895600"/>
+              <a:ext cx="2362200" cy="2362200"/>
+            </a:xfrm>
+            <a:prstGeom prst="ellipse">
+              <a:avLst/>
+            </a:prstGeom>
+            <a:gradFill flip="none" rotWithShape="1">
+              <a:gsLst>
+                <a:gs pos="0">
+                  <a:schemeClr val="accent5">
+                    <a:alpha val="8000"/>
+                  </a:schemeClr>
+                </a:gs>
+                <a:gs pos="72000">
+                  <a:schemeClr val="accent5">
+                    <a:alpha val="0"/>
+                  </a:schemeClr>
+                </a:gs>
+                <a:gs pos="36000">
+                  <a:schemeClr val="accent5">
+                    <a:alpha val="8000"/>
+                  </a:schemeClr>
+                </a:gs>
+              </a:gsLst>
+              <a:path path="circle">
+                <a:fillToRect l="50000" t="50000" r="50000" b="50000"/>
               </a:path>
-            </a:pathLst>
-          </a:custGeom>
-          <a:solidFill>
-            <a:schemeClr val="bg1"/>
-          </a:solidFill>
-          <a:ln>
-            <a:noFill/>
-          </a:ln>
-        </p:spPr>
-      </p:sp>
-      <p:sp>
-        <p:nvSpPr>
-          <p:cNvPr id="20" name="Oval 19">
-            <a:extLst>
-              <a:ext uri="{FF2B5EF4-FFF2-40B4-BE49-F238E27FC236}">
-                <a16:creationId xmlns="" xmlns:a16="http://schemas.microsoft.com/office/drawing/2014/main" id="{25236E71-242B-4CE7-96BC-B66F91F9DF65}"/>
-              </a:ext>
-              <a:ext uri="{C183D7F6-B498-43B3-948B-1728B52AA6E4}">
-                <adec:decorative xmlns="" xmlns:adec="http://schemas.microsoft.com/office/drawing/2017/decorative" val="1"/>
-              </a:ext>
-            </a:extLst>
-          </p:cNvPr>
-          <p:cNvSpPr>
-            <a:spLocks noGrp="1" noRot="1" noChangeAspect="1" noMove="1" noResize="1" noEditPoints="1" noAdjustHandles="1" noChangeArrowheads="1" noChangeShapeType="1" noTextEdit="1"/>
-          </p:cNvSpPr>
-          <p:nvPr>
-            <p:extLst>
-              <p:ext uri="{386F3935-93C4-4BCD-93E2-E3B085C9AB24}">
-                <p16:designElem xmlns="" xmlns:p16="http://schemas.microsoft.com/office/powerpoint/2015/main" val="1"/>
-              </p:ext>
-            </p:extLst>
-          </p:nvPr>
-        </p:nvSpPr>
-        <p:spPr>
-          <a:xfrm flipH="1">
-            <a:off x="9818848" y="2895600"/>
-            <a:ext cx="2362200" cy="2362200"/>
-          </a:xfrm>
-          <a:prstGeom prst="ellipse">
-            <a:avLst/>
-          </a:prstGeom>
-          <a:gradFill flip="none" rotWithShape="1">
-            <a:gsLst>
-              <a:gs pos="0">
-                <a:schemeClr val="accent5">
-                  <a:alpha val="8000"/>
-                </a:schemeClr>
-              </a:gs>
-              <a:gs pos="72000">
-                <a:schemeClr val="accent5">
-                  <a:alpha val="0"/>
-                </a:schemeClr>
-              </a:gs>
-              <a:gs pos="36000">
-                <a:schemeClr val="accent5">
-                  <a:alpha val="8000"/>
-                </a:schemeClr>
-              </a:gs>
-            </a:gsLst>
-            <a:path path="circle">
-              <a:fillToRect l="50000" t="50000" r="50000" b="50000"/>
-            </a:path>
-            <a:tileRect/>
-          </a:gradFill>
-          <a:ln>
-            <a:noFill/>
-          </a:ln>
-          <a:effectLst/>
-        </p:spPr>
-        <p:style>
-          <a:lnRef idx="1">
-            <a:schemeClr val="accent1"/>
-          </a:lnRef>
-          <a:fillRef idx="3">
-            <a:schemeClr val="accent1"/>
-          </a:fillRef>
-          <a:effectRef idx="2">
-            <a:schemeClr val="accent1"/>
-          </a:effectRef>
-          <a:fontRef idx="minor">
-            <a:schemeClr val="lt1"/>
-          </a:fontRef>
-        </p:style>
-      </p:sp>
-      <p:sp>
-        <p:nvSpPr>
-          <p:cNvPr id="22" name="Freeform 5">
-            <a:extLst>
-              <a:ext uri="{FF2B5EF4-FFF2-40B4-BE49-F238E27FC236}">
-                <a16:creationId xmlns="" xmlns:a16="http://schemas.microsoft.com/office/drawing/2014/main" id="{683A5930-ABB0-4C7A-8E96-AB945DFB0D3E}"/>
-              </a:ext>
-              <a:ext uri="{C183D7F6-B498-43B3-948B-1728B52AA6E4}">
-                <adec:decorative xmlns="" xmlns:adec="http://schemas.microsoft.com/office/drawing/2017/decorative" val="1"/>
-              </a:ext>
-            </a:extLst>
-          </p:cNvPr>
-          <p:cNvSpPr>
-            <a:spLocks noGrp="1" noRot="1" noChangeAspect="1" noMove="1" noResize="1" noEditPoints="1" noAdjustHandles="1" noChangeArrowheads="1" noChangeShapeType="1" noTextEdit="1"/>
-          </p:cNvSpPr>
-          <p:nvPr>
-            <p:extLst>
-              <p:ext uri="{386F3935-93C4-4BCD-93E2-E3B085C9AB24}">
-                <p16:designElem xmlns="" xmlns:p16="http://schemas.microsoft.com/office/powerpoint/2015/main" val="1"/>
-              </p:ext>
-            </p:extLst>
-          </p:nvPr>
-        </p:nvSpPr>
-        <p:spPr bwMode="gray">
-          <a:xfrm flipH="1">
-            <a:off x="0" y="1587"/>
-            <a:ext cx="12192000" cy="6856413"/>
-          </a:xfrm>
-          <a:custGeom>
-            <a:avLst/>
-            <a:gdLst/>
-            <a:ahLst/>
-            <a:cxnLst/>
-            <a:rect l="0" t="0" r="r" b="b"/>
-            <a:pathLst>
-              <a:path w="15356" h="8638">
-                <a:moveTo>
-                  <a:pt x="0" y="0"/>
-                </a:moveTo>
-                <a:lnTo>
-                  <a:pt x="0" y="8638"/>
-                </a:lnTo>
-                <a:lnTo>
-                  <a:pt x="15356" y="8638"/>
-                </a:lnTo>
-                <a:lnTo>
-                  <a:pt x="15356" y="0"/>
-                </a:lnTo>
-                <a:lnTo>
-                  <a:pt x="0" y="0"/>
-                </a:lnTo>
-                <a:close/>
-                <a:moveTo>
-                  <a:pt x="14748" y="8038"/>
-                </a:moveTo>
-                <a:lnTo>
-                  <a:pt x="600" y="8038"/>
-                </a:lnTo>
-                <a:lnTo>
-                  <a:pt x="600" y="592"/>
-                </a:lnTo>
-                <a:lnTo>
-                  <a:pt x="14748" y="592"/>
-                </a:lnTo>
-                <a:lnTo>
-                  <a:pt x="14748" y="8038"/>
-                </a:lnTo>
-                <a:close/>
-              </a:path>
-            </a:pathLst>
-          </a:custGeom>
-          <a:solidFill>
-            <a:schemeClr val="bg1"/>
-          </a:solidFill>
-          <a:ln>
-            <a:noFill/>
-          </a:ln>
-        </p:spPr>
-      </p:sp>
+              <a:tileRect/>
+            </a:gradFill>
+            <a:ln>
+              <a:noFill/>
+            </a:ln>
+            <a:effectLst/>
+          </p:spPr>
+          <p:style>
+            <a:lnRef idx="1">
+              <a:schemeClr val="accent1"/>
+            </a:lnRef>
+            <a:fillRef idx="3">
+              <a:schemeClr val="accent1"/>
+            </a:fillRef>
+            <a:effectRef idx="2">
+              <a:schemeClr val="accent1"/>
+            </a:effectRef>
+            <a:fontRef idx="minor">
+              <a:schemeClr val="lt1"/>
+            </a:fontRef>
+          </p:style>
+        </p:sp>
+        <p:sp>
+          <p:nvSpPr>
+            <p:cNvPr id="33" name="Rectangle 32">
+              <a:extLst>
+                <a:ext uri="{FF2B5EF4-FFF2-40B4-BE49-F238E27FC236}">
+                  <a16:creationId xmlns:a16="http://schemas.microsoft.com/office/drawing/2014/main" id="{60B26874-5AFA-4D1E-94A9-53AF9790D702}"/>
+                </a:ext>
+                <a:ext uri="{C183D7F6-B498-43B3-948B-1728B52AA6E4}">
+                  <adec:decorative xmlns:adec="http://schemas.microsoft.com/office/drawing/2017/decorative" val="1"/>
+                </a:ext>
+              </a:extLst>
+            </p:cNvPr>
+            <p:cNvSpPr/>
+            <p:nvPr>
+              <p:extLst>
+                <p:ext uri="{386F3935-93C4-4BCD-93E2-E3B085C9AB24}">
+                  <p16:designElem xmlns:p16="http://schemas.microsoft.com/office/powerpoint/2015/main" val="1"/>
+                </p:ext>
+              </p:extLst>
+            </p:nvPr>
+          </p:nvSpPr>
+          <p:spPr bwMode="gray">
+            <a:xfrm>
+              <a:off x="5713412" y="402165"/>
+              <a:ext cx="6055253" cy="6053670"/>
+            </a:xfrm>
+            <a:prstGeom prst="rect">
+              <a:avLst/>
+            </a:prstGeom>
+            <a:solidFill>
+              <a:schemeClr val="bg1"/>
+            </a:solidFill>
+            <a:ln>
+              <a:noFill/>
+            </a:ln>
+            <a:effectLst/>
+          </p:spPr>
+          <p:style>
+            <a:lnRef idx="1">
+              <a:schemeClr val="accent1"/>
+            </a:lnRef>
+            <a:fillRef idx="3">
+              <a:schemeClr val="accent1"/>
+            </a:fillRef>
+            <a:effectRef idx="2">
+              <a:schemeClr val="accent1"/>
+            </a:effectRef>
+            <a:fontRef idx="minor">
+              <a:schemeClr val="lt1"/>
+            </a:fontRef>
+          </p:style>
+        </p:sp>
+        <p:sp>
+          <p:nvSpPr>
+            <p:cNvPr id="34" name="Freeform 5">
+              <a:extLst>
+                <a:ext uri="{FF2B5EF4-FFF2-40B4-BE49-F238E27FC236}">
+                  <a16:creationId xmlns:a16="http://schemas.microsoft.com/office/drawing/2014/main" id="{A1DA6C95-40F8-4305-89F6-17F6167C0BF2}"/>
+                </a:ext>
+                <a:ext uri="{C183D7F6-B498-43B3-948B-1728B52AA6E4}">
+                  <adec:decorative xmlns:adec="http://schemas.microsoft.com/office/drawing/2017/decorative" val="1"/>
+                </a:ext>
+              </a:extLst>
+            </p:cNvPr>
+            <p:cNvSpPr/>
+            <p:nvPr>
+              <p:extLst>
+                <p:ext uri="{386F3935-93C4-4BCD-93E2-E3B085C9AB24}">
+                  <p16:designElem xmlns:p16="http://schemas.microsoft.com/office/powerpoint/2015/main" val="1"/>
+                </p:ext>
+              </p:extLst>
+            </p:nvPr>
+          </p:nvSpPr>
+          <p:spPr bwMode="gray">
+            <a:xfrm rot="15922489">
+              <a:off x="3140485" y="1826078"/>
+              <a:ext cx="3299407" cy="440924"/>
+            </a:xfrm>
+            <a:custGeom>
+              <a:avLst/>
+              <a:gdLst/>
+              <a:ahLst/>
+              <a:cxnLst/>
+              <a:rect l="l" t="t" r="r" b="b"/>
+              <a:pathLst>
+                <a:path w="10000" h="5291">
+                  <a:moveTo>
+                    <a:pt x="85" y="2532"/>
+                  </a:moveTo>
+                  <a:cubicBezTo>
+                    <a:pt x="1736" y="3911"/>
+                    <a:pt x="7524" y="5298"/>
+                    <a:pt x="9958" y="5291"/>
+                  </a:cubicBezTo>
+                  <a:cubicBezTo>
+                    <a:pt x="9989" y="1958"/>
+                    <a:pt x="9969" y="3333"/>
+                    <a:pt x="10000" y="0"/>
+                  </a:cubicBezTo>
+                  <a:lnTo>
+                    <a:pt x="10000" y="0"/>
+                  </a:lnTo>
+                  <a:lnTo>
+                    <a:pt x="9667" y="204"/>
+                  </a:lnTo>
+                  <a:lnTo>
+                    <a:pt x="9334" y="400"/>
+                  </a:lnTo>
+                  <a:lnTo>
+                    <a:pt x="9001" y="590"/>
+                  </a:lnTo>
+                  <a:lnTo>
+                    <a:pt x="8667" y="753"/>
+                  </a:lnTo>
+                  <a:lnTo>
+                    <a:pt x="8333" y="917"/>
+                  </a:lnTo>
+                  <a:lnTo>
+                    <a:pt x="7999" y="1071"/>
+                  </a:lnTo>
+                  <a:lnTo>
+                    <a:pt x="7669" y="1202"/>
+                  </a:lnTo>
+                  <a:lnTo>
+                    <a:pt x="7333" y="1325"/>
+                  </a:lnTo>
+                  <a:lnTo>
+                    <a:pt x="7000" y="1440"/>
+                  </a:lnTo>
+                  <a:lnTo>
+                    <a:pt x="6673" y="1538"/>
+                  </a:lnTo>
+                  <a:lnTo>
+                    <a:pt x="6340" y="1636"/>
+                  </a:lnTo>
+                  <a:lnTo>
+                    <a:pt x="6013" y="1719"/>
+                  </a:lnTo>
+                  <a:lnTo>
+                    <a:pt x="5686" y="1784"/>
+                  </a:lnTo>
+                  <a:lnTo>
+                    <a:pt x="5359" y="1850"/>
+                  </a:lnTo>
+                  <a:lnTo>
+                    <a:pt x="5036" y="1906"/>
+                  </a:lnTo>
+                  <a:lnTo>
+                    <a:pt x="4717" y="1948"/>
+                  </a:lnTo>
+                  <a:lnTo>
+                    <a:pt x="4396" y="1980"/>
+                  </a:lnTo>
+                  <a:lnTo>
+                    <a:pt x="4079" y="2013"/>
+                  </a:lnTo>
+                  <a:lnTo>
+                    <a:pt x="3766" y="2029"/>
+                  </a:lnTo>
+                  <a:lnTo>
+                    <a:pt x="3454" y="2046"/>
+                  </a:lnTo>
+                  <a:lnTo>
+                    <a:pt x="3145" y="2053"/>
+                  </a:lnTo>
+                  <a:lnTo>
+                    <a:pt x="2839" y="2046"/>
+                  </a:lnTo>
+                  <a:lnTo>
+                    <a:pt x="2537" y="2046"/>
+                  </a:lnTo>
+                  <a:lnTo>
+                    <a:pt x="2238" y="2029"/>
+                  </a:lnTo>
+                  <a:lnTo>
+                    <a:pt x="1943" y="2004"/>
+                  </a:lnTo>
+                  <a:lnTo>
+                    <a:pt x="1653" y="1980"/>
+                  </a:lnTo>
+                  <a:lnTo>
+                    <a:pt x="1368" y="1955"/>
+                  </a:lnTo>
+                  <a:lnTo>
+                    <a:pt x="1085" y="1915"/>
+                  </a:lnTo>
+                  <a:lnTo>
+                    <a:pt x="806" y="1873"/>
+                  </a:lnTo>
+                  <a:lnTo>
+                    <a:pt x="533" y="1833"/>
+                  </a:lnTo>
+                  <a:lnTo>
+                    <a:pt x="0" y="1726"/>
+                  </a:lnTo>
+                  <a:cubicBezTo>
+                    <a:pt x="28" y="1995"/>
+                    <a:pt x="57" y="2263"/>
+                    <a:pt x="85" y="2532"/>
+                  </a:cubicBezTo>
+                  <a:close/>
+                </a:path>
+              </a:pathLst>
+            </a:custGeom>
+            <a:solidFill>
+              <a:schemeClr val="bg1">
+                <a:alpha val="20000"/>
+              </a:schemeClr>
+            </a:solidFill>
+            <a:ln>
+              <a:noFill/>
+            </a:ln>
+          </p:spPr>
+        </p:sp>
+        <p:sp>
+          <p:nvSpPr>
+            <p:cNvPr id="35" name="Freeform 5">
+              <a:extLst>
+                <a:ext uri="{FF2B5EF4-FFF2-40B4-BE49-F238E27FC236}">
+                  <a16:creationId xmlns:a16="http://schemas.microsoft.com/office/drawing/2014/main" id="{A2FA2D29-AEEE-4FFA-B233-94FBE84C9B41}"/>
+                </a:ext>
+                <a:ext uri="{C183D7F6-B498-43B3-948B-1728B52AA6E4}">
+                  <adec:decorative xmlns:adec="http://schemas.microsoft.com/office/drawing/2017/decorative" val="1"/>
+                </a:ext>
+              </a:extLst>
+            </p:cNvPr>
+            <p:cNvSpPr/>
+            <p:nvPr>
+              <p:extLst>
+                <p:ext uri="{386F3935-93C4-4BCD-93E2-E3B085C9AB24}">
+                  <p16:designElem xmlns:p16="http://schemas.microsoft.com/office/powerpoint/2015/main" val="1"/>
+                </p:ext>
+              </p:extLst>
+            </p:nvPr>
+          </p:nvSpPr>
+          <p:spPr bwMode="gray">
+            <a:xfrm rot="16200000">
+              <a:off x="2229377" y="2801721"/>
+              <a:ext cx="6053670" cy="1254558"/>
+            </a:xfrm>
+            <a:custGeom>
+              <a:avLst/>
+              <a:gdLst/>
+              <a:ahLst/>
+              <a:cxnLst/>
+              <a:rect l="l" t="t" r="r" b="b"/>
+              <a:pathLst>
+                <a:path w="10000" h="8000">
+                  <a:moveTo>
+                    <a:pt x="0" y="0"/>
+                  </a:moveTo>
+                  <a:lnTo>
+                    <a:pt x="0" y="7970"/>
+                  </a:lnTo>
+                  <a:lnTo>
+                    <a:pt x="10000" y="8000"/>
+                  </a:lnTo>
+                  <a:lnTo>
+                    <a:pt x="10000" y="7"/>
+                  </a:lnTo>
+                  <a:lnTo>
+                    <a:pt x="10000" y="7"/>
+                  </a:lnTo>
+                  <a:lnTo>
+                    <a:pt x="9773" y="156"/>
+                  </a:lnTo>
+                  <a:lnTo>
+                    <a:pt x="9547" y="298"/>
+                  </a:lnTo>
+                  <a:lnTo>
+                    <a:pt x="9320" y="437"/>
+                  </a:lnTo>
+                  <a:lnTo>
+                    <a:pt x="9092" y="556"/>
+                  </a:lnTo>
+                  <a:lnTo>
+                    <a:pt x="8865" y="676"/>
+                  </a:lnTo>
+                  <a:lnTo>
+                    <a:pt x="8637" y="788"/>
+                  </a:lnTo>
+                  <a:lnTo>
+                    <a:pt x="8412" y="884"/>
+                  </a:lnTo>
+                  <a:lnTo>
+                    <a:pt x="8184" y="975"/>
+                  </a:lnTo>
+                  <a:lnTo>
+                    <a:pt x="7957" y="1058"/>
+                  </a:lnTo>
+                  <a:lnTo>
+                    <a:pt x="7734" y="1130"/>
+                  </a:lnTo>
+                  <a:lnTo>
+                    <a:pt x="7508" y="1202"/>
+                  </a:lnTo>
+                  <a:lnTo>
+                    <a:pt x="7285" y="1262"/>
+                  </a:lnTo>
+                  <a:lnTo>
+                    <a:pt x="7062" y="1309"/>
+                  </a:lnTo>
+                  <a:lnTo>
+                    <a:pt x="6840" y="1358"/>
+                  </a:lnTo>
+                  <a:lnTo>
+                    <a:pt x="6620" y="1399"/>
+                  </a:lnTo>
+                  <a:lnTo>
+                    <a:pt x="6402" y="1428"/>
+                  </a:lnTo>
+                  <a:lnTo>
+                    <a:pt x="6184" y="1453"/>
+                  </a:lnTo>
+                  <a:lnTo>
+                    <a:pt x="5968" y="1477"/>
+                  </a:lnTo>
+                  <a:lnTo>
+                    <a:pt x="5755" y="1488"/>
+                  </a:lnTo>
+                  <a:lnTo>
+                    <a:pt x="5542" y="1500"/>
+                  </a:lnTo>
+                  <a:lnTo>
+                    <a:pt x="5332" y="1506"/>
+                  </a:lnTo>
+                  <a:lnTo>
+                    <a:pt x="5124" y="1500"/>
+                  </a:lnTo>
+                  <a:lnTo>
+                    <a:pt x="4918" y="1500"/>
+                  </a:lnTo>
+                  <a:lnTo>
+                    <a:pt x="4714" y="1488"/>
+                  </a:lnTo>
+                  <a:lnTo>
+                    <a:pt x="4514" y="1470"/>
+                  </a:lnTo>
+                  <a:lnTo>
+                    <a:pt x="4316" y="1453"/>
+                  </a:lnTo>
+                  <a:lnTo>
+                    <a:pt x="4122" y="1434"/>
+                  </a:lnTo>
+                  <a:lnTo>
+                    <a:pt x="3929" y="1405"/>
+                  </a:lnTo>
+                  <a:lnTo>
+                    <a:pt x="3739" y="1374"/>
+                  </a:lnTo>
+                  <a:lnTo>
+                    <a:pt x="3553" y="1346"/>
+                  </a:lnTo>
+                  <a:lnTo>
+                    <a:pt x="3190" y="1267"/>
+                  </a:lnTo>
+                  <a:lnTo>
+                    <a:pt x="2842" y="1183"/>
+                  </a:lnTo>
+                  <a:lnTo>
+                    <a:pt x="2508" y="1095"/>
+                  </a:lnTo>
+                  <a:lnTo>
+                    <a:pt x="2192" y="998"/>
+                  </a:lnTo>
+                  <a:lnTo>
+                    <a:pt x="1890" y="897"/>
+                  </a:lnTo>
+                  <a:lnTo>
+                    <a:pt x="1610" y="788"/>
+                  </a:lnTo>
+                  <a:lnTo>
+                    <a:pt x="1347" y="681"/>
+                  </a:lnTo>
+                  <a:lnTo>
+                    <a:pt x="1105" y="574"/>
+                  </a:lnTo>
+                  <a:lnTo>
+                    <a:pt x="883" y="473"/>
+                  </a:lnTo>
+                  <a:lnTo>
+                    <a:pt x="686" y="377"/>
+                  </a:lnTo>
+                  <a:lnTo>
+                    <a:pt x="508" y="286"/>
+                  </a:lnTo>
+                  <a:lnTo>
+                    <a:pt x="358" y="210"/>
+                  </a:lnTo>
+                  <a:lnTo>
+                    <a:pt x="232" y="138"/>
+                  </a:lnTo>
+                  <a:lnTo>
+                    <a:pt x="59" y="35"/>
+                  </a:lnTo>
+                  <a:lnTo>
+                    <a:pt x="0" y="0"/>
+                  </a:lnTo>
+                  <a:lnTo>
+                    <a:pt x="0" y="0"/>
+                  </a:lnTo>
+                  <a:close/>
+                </a:path>
+              </a:pathLst>
+            </a:custGeom>
+            <a:solidFill>
+              <a:schemeClr val="bg1"/>
+            </a:solidFill>
+            <a:ln>
+              <a:noFill/>
+            </a:ln>
+          </p:spPr>
+        </p:sp>
+        <p:sp>
+          <p:nvSpPr>
+            <p:cNvPr id="36" name="Freeform 5">
+              <a:extLst>
+                <a:ext uri="{FF2B5EF4-FFF2-40B4-BE49-F238E27FC236}">
+                  <a16:creationId xmlns:a16="http://schemas.microsoft.com/office/drawing/2014/main" id="{6DA5143E-FA8E-4EC1-99F7-35AE5AD4E377}"/>
+                </a:ext>
+                <a:ext uri="{C183D7F6-B498-43B3-948B-1728B52AA6E4}">
+                  <adec:decorative xmlns:adec="http://schemas.microsoft.com/office/drawing/2017/decorative" val="1"/>
+                </a:ext>
+              </a:extLst>
+            </p:cNvPr>
+            <p:cNvSpPr>
+              <a:spLocks noEditPoints="1"/>
+            </p:cNvSpPr>
+            <p:nvPr>
+              <p:extLst>
+                <p:ext uri="{386F3935-93C4-4BCD-93E2-E3B085C9AB24}">
+                  <p16:designElem xmlns:p16="http://schemas.microsoft.com/office/powerpoint/2015/main" val="1"/>
+                </p:ext>
+              </p:extLst>
+            </p:nvPr>
+          </p:nvSpPr>
+          <p:spPr bwMode="gray">
+            <a:xfrm>
+              <a:off x="0" y="1587"/>
+              <a:ext cx="12192000" cy="6856413"/>
+            </a:xfrm>
+            <a:custGeom>
+              <a:avLst/>
+              <a:gdLst/>
+              <a:ahLst/>
+              <a:cxnLst/>
+              <a:rect l="0" t="0" r="r" b="b"/>
+              <a:pathLst>
+                <a:path w="15356" h="8638">
+                  <a:moveTo>
+                    <a:pt x="0" y="0"/>
+                  </a:moveTo>
+                  <a:lnTo>
+                    <a:pt x="0" y="8638"/>
+                  </a:lnTo>
+                  <a:lnTo>
+                    <a:pt x="15356" y="8638"/>
+                  </a:lnTo>
+                  <a:lnTo>
+                    <a:pt x="15356" y="0"/>
+                  </a:lnTo>
+                  <a:lnTo>
+                    <a:pt x="0" y="0"/>
+                  </a:lnTo>
+                  <a:close/>
+                  <a:moveTo>
+                    <a:pt x="14748" y="8038"/>
+                  </a:moveTo>
+                  <a:lnTo>
+                    <a:pt x="600" y="8038"/>
+                  </a:lnTo>
+                  <a:lnTo>
+                    <a:pt x="600" y="592"/>
+                  </a:lnTo>
+                  <a:lnTo>
+                    <a:pt x="14748" y="592"/>
+                  </a:lnTo>
+                  <a:lnTo>
+                    <a:pt x="14748" y="8038"/>
+                  </a:lnTo>
+                  <a:close/>
+                </a:path>
+              </a:pathLst>
+            </a:custGeom>
+            <a:solidFill>
+              <a:schemeClr val="bg1"/>
+            </a:solidFill>
+            <a:ln>
+              <a:noFill/>
+            </a:ln>
+          </p:spPr>
+        </p:sp>
+      </p:grpSp>
       <p:sp>
         <p:nvSpPr>
           <p:cNvPr id="2" name="Title 1">
             <a:extLst>
               <a:ext uri="{FF2B5EF4-FFF2-40B4-BE49-F238E27FC236}">
-                <a16:creationId xmlns="" xmlns:a16="http://schemas.microsoft.com/office/drawing/2014/main" id="{E20DBFBB-6FB7-5047-A50E-C4A5CB2BBB39}"/>
+                <a16:creationId xmlns:a16="http://schemas.microsoft.com/office/drawing/2014/main" id="{E20DBFBB-6FB7-5047-A50E-C4A5CB2BBB39}"/>
               </a:ext>
             </a:extLst>
           </p:cNvPr>
@@ -22433,7 +22577,7 @@
         </p:nvSpPr>
         <p:spPr>
           <a:xfrm>
-            <a:off x="8471239" y="973667"/>
+            <a:off x="1154955" y="973667"/>
             <a:ext cx="2942210" cy="4833745"/>
           </a:xfrm>
         </p:spPr>
@@ -22450,14 +22594,6 @@
                 </a:solidFill>
               </a:rPr>
               <a:t>Further Experiments</a:t>
-            </a:r>
-            <a:r>
-              <a:rPr lang="en-IN">
-                <a:solidFill>
-                  <a:srgbClr val="EBEBEB"/>
-                </a:solidFill>
-              </a:rPr>
-              <a:t/>
             </a:r>
             <a:br>
               <a:rPr lang="en-IN">
@@ -22476,13 +22612,13 @@
       </p:sp>
       <p:sp>
         <p:nvSpPr>
-          <p:cNvPr id="24" name="Rectangle 23">
+          <p:cNvPr id="41" name="Rectangle 37">
             <a:extLst>
               <a:ext uri="{FF2B5EF4-FFF2-40B4-BE49-F238E27FC236}">
-                <a16:creationId xmlns="" xmlns:a16="http://schemas.microsoft.com/office/drawing/2014/main" id="{33E51D9F-DA72-49DE-9183-76B062B38581}"/>
+                <a16:creationId xmlns:a16="http://schemas.microsoft.com/office/drawing/2014/main" id="{CC28BCC9-4093-4FD5-83EB-7EC297F51396}"/>
               </a:ext>
               <a:ext uri="{C183D7F6-B498-43B3-948B-1728B52AA6E4}">
-                <adec:decorative xmlns="" xmlns:adec="http://schemas.microsoft.com/office/drawing/2017/decorative" val="1"/>
+                <adec:decorative xmlns:adec="http://schemas.microsoft.com/office/drawing/2017/decorative" val="1"/>
               </a:ext>
             </a:extLst>
           </p:cNvPr>
@@ -22492,7 +22628,7 @@
           <p:nvPr>
             <p:extLst>
               <p:ext uri="{386F3935-93C4-4BCD-93E2-E3B085C9AB24}">
-                <p16:designElem xmlns="" xmlns:p16="http://schemas.microsoft.com/office/powerpoint/2015/main" val="1"/>
+                <p16:designElem xmlns:p16="http://schemas.microsoft.com/office/powerpoint/2015/main" val="1"/>
               </p:ext>
             </p:extLst>
           </p:nvPr>
@@ -22532,7 +22668,7 @@
           <p:cNvPr id="5" name="Content Placeholder 2">
             <a:extLst>
               <a:ext uri="{FF2B5EF4-FFF2-40B4-BE49-F238E27FC236}">
-                <a16:creationId xmlns="" xmlns:a16="http://schemas.microsoft.com/office/drawing/2014/main" id="{69DE29DE-BECB-4F51-8383-4078FB752566}"/>
+                <a16:creationId xmlns:a16="http://schemas.microsoft.com/office/drawing/2014/main" id="{69DE29DE-BECB-4F51-8383-4078FB752566}"/>
               </a:ext>
             </a:extLst>
           </p:cNvPr>
@@ -22543,14 +22679,14 @@
             <p:ph idx="1"/>
             <p:extLst>
               <p:ext uri="{D42A27DB-BD31-4B8C-83A1-F6EECF244321}">
-                <p14:modId xmlns:p14="http://schemas.microsoft.com/office/powerpoint/2010/main" val="1669783705"/>
+                <p14:modId xmlns:p14="http://schemas.microsoft.com/office/powerpoint/2010/main" val="1917240011"/>
               </p:ext>
             </p:extLst>
           </p:nvPr>
         </p:nvGraphicFramePr>
         <p:xfrm>
-          <a:off x="964907" y="973667"/>
-          <a:ext cx="6116795" cy="4928728"/>
+          <a:off x="5194300" y="808038"/>
+          <a:ext cx="6391275" cy="5246687"/>
         </p:xfrm>
         <a:graphic>
           <a:graphicData uri="http://schemas.openxmlformats.org/drawingml/2006/diagram">
@@ -22568,13 +22704,6 @@
   <p:clrMapOvr>
     <a:masterClrMapping/>
   </p:clrMapOvr>
-  <p:timing>
-    <p:tnLst>
-      <p:par>
-        <p:cTn id="1" dur="indefinite" restart="never" nodeType="tmRoot"/>
-      </p:par>
-    </p:tnLst>
-  </p:timing>
 </p:sld>
 </file>
 
@@ -22608,10 +22737,10 @@
           <p:cNvPr id="30" name="Group 29">
             <a:extLst>
               <a:ext uri="{FF2B5EF4-FFF2-40B4-BE49-F238E27FC236}">
-                <a16:creationId xmlns="" xmlns:a16="http://schemas.microsoft.com/office/drawing/2014/main" id="{DA50E586-4EA1-4347-A5A6-171FF3F742A9}"/>
+                <a16:creationId xmlns:a16="http://schemas.microsoft.com/office/drawing/2014/main" id="{DA50E586-4EA1-4347-A5A6-171FF3F742A9}"/>
               </a:ext>
               <a:ext uri="{C183D7F6-B498-43B3-948B-1728B52AA6E4}">
-                <adec:decorative xmlns="" xmlns:adec="http://schemas.microsoft.com/office/drawing/2017/decorative" val="1"/>
+                <adec:decorative xmlns:adec="http://schemas.microsoft.com/office/drawing/2017/decorative" val="1"/>
               </a:ext>
             </a:extLst>
           </p:cNvPr>
@@ -22621,7 +22750,7 @@
           <p:nvPr>
             <p:extLst>
               <p:ext uri="{386F3935-93C4-4BCD-93E2-E3B085C9AB24}">
-                <p16:designElem xmlns="" xmlns:p16="http://schemas.microsoft.com/office/powerpoint/2015/main" val="1"/>
+                <p16:designElem xmlns:p16="http://schemas.microsoft.com/office/powerpoint/2015/main" val="1"/>
               </p:ext>
             </p:extLst>
           </p:nvPr>
@@ -22639,10 +22768,10 @@
             <p:cNvPr id="31" name="Rectangle 30">
               <a:extLst>
                 <a:ext uri="{FF2B5EF4-FFF2-40B4-BE49-F238E27FC236}">
-                  <a16:creationId xmlns="" xmlns:a16="http://schemas.microsoft.com/office/drawing/2014/main" id="{72C6E0B7-C37D-4D54-8F3E-8D9F9097F676}"/>
+                  <a16:creationId xmlns:a16="http://schemas.microsoft.com/office/drawing/2014/main" id="{72C6E0B7-C37D-4D54-8F3E-8D9F9097F676}"/>
                 </a:ext>
                 <a:ext uri="{C183D7F6-B498-43B3-948B-1728B52AA6E4}">
-                  <adec:decorative xmlns="" xmlns:adec="http://schemas.microsoft.com/office/drawing/2017/decorative" val="1"/>
+                  <adec:decorative xmlns:adec="http://schemas.microsoft.com/office/drawing/2017/decorative" val="1"/>
                 </a:ext>
               </a:extLst>
             </p:cNvPr>
@@ -22650,7 +22779,7 @@
             <p:nvPr>
               <p:extLst>
                 <p:ext uri="{386F3935-93C4-4BCD-93E2-E3B085C9AB24}">
-                  <p16:designElem xmlns="" xmlns:p16="http://schemas.microsoft.com/office/powerpoint/2015/main" val="1"/>
+                  <p16:designElem xmlns:p16="http://schemas.microsoft.com/office/powerpoint/2015/main" val="1"/>
                 </p:ext>
               </p:extLst>
             </p:nvPr>
@@ -22709,10 +22838,10 @@
             <p:cNvPr id="32" name="Oval 31">
               <a:extLst>
                 <a:ext uri="{FF2B5EF4-FFF2-40B4-BE49-F238E27FC236}">
-                  <a16:creationId xmlns="" xmlns:a16="http://schemas.microsoft.com/office/drawing/2014/main" id="{89BF1F84-E7C7-42A7-911D-8E48AF67110E}"/>
+                  <a16:creationId xmlns:a16="http://schemas.microsoft.com/office/drawing/2014/main" id="{89BF1F84-E7C7-42A7-911D-8E48AF67110E}"/>
                 </a:ext>
                 <a:ext uri="{C183D7F6-B498-43B3-948B-1728B52AA6E4}">
-                  <adec:decorative xmlns="" xmlns:adec="http://schemas.microsoft.com/office/drawing/2017/decorative" val="1"/>
+                  <adec:decorative xmlns:adec="http://schemas.microsoft.com/office/drawing/2017/decorative" val="1"/>
                 </a:ext>
               </a:extLst>
             </p:cNvPr>
@@ -22720,7 +22849,7 @@
             <p:nvPr>
               <p:extLst>
                 <p:ext uri="{386F3935-93C4-4BCD-93E2-E3B085C9AB24}">
-                  <p16:designElem xmlns="" xmlns:p16="http://schemas.microsoft.com/office/powerpoint/2015/main" val="1"/>
+                  <p16:designElem xmlns:p16="http://schemas.microsoft.com/office/powerpoint/2015/main" val="1"/>
                 </p:ext>
               </p:extLst>
             </p:nvPr>
@@ -22781,10 +22910,10 @@
             <p:cNvPr id="33" name="Oval 32">
               <a:extLst>
                 <a:ext uri="{FF2B5EF4-FFF2-40B4-BE49-F238E27FC236}">
-                  <a16:creationId xmlns="" xmlns:a16="http://schemas.microsoft.com/office/drawing/2014/main" id="{0C3CFCFE-6522-4333-8CB1-16DB80E7E9C2}"/>
+                  <a16:creationId xmlns:a16="http://schemas.microsoft.com/office/drawing/2014/main" id="{0C3CFCFE-6522-4333-8CB1-16DB80E7E9C2}"/>
                 </a:ext>
                 <a:ext uri="{C183D7F6-B498-43B3-948B-1728B52AA6E4}">
-                  <adec:decorative xmlns="" xmlns:adec="http://schemas.microsoft.com/office/drawing/2017/decorative" val="1"/>
+                  <adec:decorative xmlns:adec="http://schemas.microsoft.com/office/drawing/2017/decorative" val="1"/>
                 </a:ext>
               </a:extLst>
             </p:cNvPr>
@@ -22792,7 +22921,7 @@
             <p:nvPr>
               <p:extLst>
                 <p:ext uri="{386F3935-93C4-4BCD-93E2-E3B085C9AB24}">
-                  <p16:designElem xmlns="" xmlns:p16="http://schemas.microsoft.com/office/powerpoint/2015/main" val="1"/>
+                  <p16:designElem xmlns:p16="http://schemas.microsoft.com/office/powerpoint/2015/main" val="1"/>
                 </p:ext>
               </p:extLst>
             </p:nvPr>
@@ -22853,10 +22982,10 @@
             <p:cNvPr id="34" name="Rectangle 33">
               <a:extLst>
                 <a:ext uri="{FF2B5EF4-FFF2-40B4-BE49-F238E27FC236}">
-                  <a16:creationId xmlns="" xmlns:a16="http://schemas.microsoft.com/office/drawing/2014/main" id="{1DD75173-F0EC-454E-86A7-F37A466B16E5}"/>
+                  <a16:creationId xmlns:a16="http://schemas.microsoft.com/office/drawing/2014/main" id="{1DD75173-F0EC-454E-86A7-F37A466B16E5}"/>
                 </a:ext>
                 <a:ext uri="{C183D7F6-B498-43B3-948B-1728B52AA6E4}">
-                  <adec:decorative xmlns="" xmlns:adec="http://schemas.microsoft.com/office/drawing/2017/decorative" val="1"/>
+                  <adec:decorative xmlns:adec="http://schemas.microsoft.com/office/drawing/2017/decorative" val="1"/>
                 </a:ext>
               </a:extLst>
             </p:cNvPr>
@@ -22864,7 +22993,7 @@
             <p:nvPr>
               <p:extLst>
                 <p:ext uri="{386F3935-93C4-4BCD-93E2-E3B085C9AB24}">
-                  <p16:designElem xmlns="" xmlns:p16="http://schemas.microsoft.com/office/powerpoint/2015/main" val="1"/>
+                  <p16:designElem xmlns:p16="http://schemas.microsoft.com/office/powerpoint/2015/main" val="1"/>
                 </p:ext>
               </p:extLst>
             </p:nvPr>
@@ -22905,10 +23034,10 @@
             <p:cNvPr id="35" name="Freeform 5">
               <a:extLst>
                 <a:ext uri="{FF2B5EF4-FFF2-40B4-BE49-F238E27FC236}">
-                  <a16:creationId xmlns="" xmlns:a16="http://schemas.microsoft.com/office/drawing/2014/main" id="{0A99570D-E0E5-4E44-9D45-65BB370533C5}"/>
+                  <a16:creationId xmlns:a16="http://schemas.microsoft.com/office/drawing/2014/main" id="{0A99570D-E0E5-4E44-9D45-65BB370533C5}"/>
                 </a:ext>
                 <a:ext uri="{C183D7F6-B498-43B3-948B-1728B52AA6E4}">
-                  <adec:decorative xmlns="" xmlns:adec="http://schemas.microsoft.com/office/drawing/2017/decorative" val="1"/>
+                  <adec:decorative xmlns:adec="http://schemas.microsoft.com/office/drawing/2017/decorative" val="1"/>
                 </a:ext>
               </a:extLst>
             </p:cNvPr>
@@ -22916,7 +23045,7 @@
             <p:nvPr>
               <p:extLst>
                 <p:ext uri="{386F3935-93C4-4BCD-93E2-E3B085C9AB24}">
-                  <p16:designElem xmlns="" xmlns:p16="http://schemas.microsoft.com/office/powerpoint/2015/main" val="1"/>
+                  <p16:designElem xmlns:p16="http://schemas.microsoft.com/office/powerpoint/2015/main" val="1"/>
                 </p:ext>
               </p:extLst>
             </p:nvPr>
@@ -23104,10 +23233,10 @@
             <p:cNvPr id="36" name="Freeform 5">
               <a:extLst>
                 <a:ext uri="{FF2B5EF4-FFF2-40B4-BE49-F238E27FC236}">
-                  <a16:creationId xmlns="" xmlns:a16="http://schemas.microsoft.com/office/drawing/2014/main" id="{EEA99C6C-BC37-4408-9F74-3DDB1060B733}"/>
+                  <a16:creationId xmlns:a16="http://schemas.microsoft.com/office/drawing/2014/main" id="{EEA99C6C-BC37-4408-9F74-3DDB1060B733}"/>
                 </a:ext>
                 <a:ext uri="{C183D7F6-B498-43B3-948B-1728B52AA6E4}">
-                  <adec:decorative xmlns="" xmlns:adec="http://schemas.microsoft.com/office/drawing/2017/decorative" val="1"/>
+                  <adec:decorative xmlns:adec="http://schemas.microsoft.com/office/drawing/2017/decorative" val="1"/>
                 </a:ext>
               </a:extLst>
             </p:cNvPr>
@@ -23115,7 +23244,7 @@
             <p:nvPr>
               <p:extLst>
                 <p:ext uri="{386F3935-93C4-4BCD-93E2-E3B085C9AB24}">
-                  <p16:designElem xmlns="" xmlns:p16="http://schemas.microsoft.com/office/powerpoint/2015/main" val="1"/>
+                  <p16:designElem xmlns:p16="http://schemas.microsoft.com/office/powerpoint/2015/main" val="1"/>
                 </p:ext>
               </p:extLst>
             </p:nvPr>
@@ -23266,10 +23395,10 @@
             <p:cNvPr id="37" name="Freeform 5">
               <a:extLst>
                 <a:ext uri="{FF2B5EF4-FFF2-40B4-BE49-F238E27FC236}">
-                  <a16:creationId xmlns="" xmlns:a16="http://schemas.microsoft.com/office/drawing/2014/main" id="{B93D812D-BB26-4FDD-A218-F6F71E737600}"/>
+                  <a16:creationId xmlns:a16="http://schemas.microsoft.com/office/drawing/2014/main" id="{B93D812D-BB26-4FDD-A218-F6F71E737600}"/>
                 </a:ext>
                 <a:ext uri="{C183D7F6-B498-43B3-948B-1728B52AA6E4}">
-                  <adec:decorative xmlns="" xmlns:adec="http://schemas.microsoft.com/office/drawing/2017/decorative" val="1"/>
+                  <adec:decorative xmlns:adec="http://schemas.microsoft.com/office/drawing/2017/decorative" val="1"/>
                 </a:ext>
               </a:extLst>
             </p:cNvPr>
@@ -23279,7 +23408,7 @@
             <p:nvPr>
               <p:extLst>
                 <p:ext uri="{386F3935-93C4-4BCD-93E2-E3B085C9AB24}">
-                  <p16:designElem xmlns="" xmlns:p16="http://schemas.microsoft.com/office/powerpoint/2015/main" val="1"/>
+                  <p16:designElem xmlns:p16="http://schemas.microsoft.com/office/powerpoint/2015/main" val="1"/>
                 </p:ext>
               </p:extLst>
             </p:nvPr>
@@ -23346,7 +23475,7 @@
           <p:cNvPr id="2" name="Title 1">
             <a:extLst>
               <a:ext uri="{FF2B5EF4-FFF2-40B4-BE49-F238E27FC236}">
-                <a16:creationId xmlns="" xmlns:a16="http://schemas.microsoft.com/office/drawing/2014/main" id="{2A9C8FD1-C320-D348-BE9D-15B61B294B67}"/>
+                <a16:creationId xmlns:a16="http://schemas.microsoft.com/office/drawing/2014/main" id="{2A9C8FD1-C320-D348-BE9D-15B61B294B67}"/>
               </a:ext>
             </a:extLst>
           </p:cNvPr>
@@ -23386,10 +23515,6 @@
               <a:rPr lang="en-US" sz="2500" b="1" dirty="0"/>
               <a:t> forest using spark on multiple nodes. </a:t>
             </a:r>
-            <a:r>
-              <a:rPr lang="en-US" sz="2500" dirty="0"/>
-              <a:t/>
-            </a:r>
             <a:br>
               <a:rPr lang="en-US" sz="2500" dirty="0"/>
             </a:br>
@@ -23402,7 +23527,7 @@
           <p:cNvPr id="27" name="Content Placeholder 26">
             <a:extLst>
               <a:ext uri="{FF2B5EF4-FFF2-40B4-BE49-F238E27FC236}">
-                <a16:creationId xmlns="" xmlns:a16="http://schemas.microsoft.com/office/drawing/2014/main" id="{EA9FA2A0-988F-4924-95BC-5A438E3F0B62}"/>
+                <a16:creationId xmlns:a16="http://schemas.microsoft.com/office/drawing/2014/main" id="{EA9FA2A0-988F-4924-95BC-5A438E3F0B62}"/>
               </a:ext>
             </a:extLst>
           </p:cNvPr>
@@ -23502,7 +23627,7 @@
           <p:cNvPr id="25" name="Content Placeholder 6">
             <a:extLst>
               <a:ext uri="{FF2B5EF4-FFF2-40B4-BE49-F238E27FC236}">
-                <a16:creationId xmlns="" xmlns:a16="http://schemas.microsoft.com/office/drawing/2014/main" id="{7A5DBFE0-2F8C-984E-83EF-0170FB035FC8}"/>
+                <a16:creationId xmlns:a16="http://schemas.microsoft.com/office/drawing/2014/main" id="{7A5DBFE0-2F8C-984E-83EF-0170FB035FC8}"/>
               </a:ext>
             </a:extLst>
           </p:cNvPr>
@@ -23532,10 +23657,10 @@
           <p:cNvPr id="39" name="Rectangle 38">
             <a:extLst>
               <a:ext uri="{FF2B5EF4-FFF2-40B4-BE49-F238E27FC236}">
-                <a16:creationId xmlns="" xmlns:a16="http://schemas.microsoft.com/office/drawing/2014/main" id="{924C0032-B592-45AB-AD23-5A4BD369B60B}"/>
+                <a16:creationId xmlns:a16="http://schemas.microsoft.com/office/drawing/2014/main" id="{924C0032-B592-45AB-AD23-5A4BD369B60B}"/>
               </a:ext>
               <a:ext uri="{C183D7F6-B498-43B3-948B-1728B52AA6E4}">
-                <adec:decorative xmlns="" xmlns:adec="http://schemas.microsoft.com/office/drawing/2017/decorative" val="1"/>
+                <adec:decorative xmlns:adec="http://schemas.microsoft.com/office/drawing/2017/decorative" val="1"/>
               </a:ext>
             </a:extLst>
           </p:cNvPr>
@@ -23545,7 +23670,7 @@
           <p:nvPr>
             <p:extLst>
               <p:ext uri="{386F3935-93C4-4BCD-93E2-E3B085C9AB24}">
-                <p16:designElem xmlns="" xmlns:p16="http://schemas.microsoft.com/office/powerpoint/2015/main" val="1"/>
+                <p16:designElem xmlns:p16="http://schemas.microsoft.com/office/powerpoint/2015/main" val="1"/>
               </p:ext>
             </p:extLst>
           </p:nvPr>
@@ -23590,13 +23715,6 @@
   <p:clrMapOvr>
     <a:masterClrMapping/>
   </p:clrMapOvr>
-  <p:timing>
-    <p:tnLst>
-      <p:par>
-        <p:cTn id="1" dur="indefinite" restart="never" nodeType="tmRoot"/>
-      </p:par>
-    </p:tnLst>
-  </p:timing>
 </p:sld>
 </file>
 
@@ -23622,7 +23740,7 @@
           <p:cNvPr id="5" name="Content Placeholder 4">
             <a:extLst>
               <a:ext uri="{FF2B5EF4-FFF2-40B4-BE49-F238E27FC236}">
-                <a16:creationId xmlns="" xmlns:a16="http://schemas.microsoft.com/office/drawing/2014/main" id="{30BD67C7-A3E8-714B-A378-73111FC788A2}"/>
+                <a16:creationId xmlns:a16="http://schemas.microsoft.com/office/drawing/2014/main" id="{30BD67C7-A3E8-714B-A378-73111FC788A2}"/>
               </a:ext>
             </a:extLst>
           </p:cNvPr>
@@ -23668,10 +23786,9 @@
           <a:lstStyle/>
           <a:p>
             <a:r>
-              <a:rPr lang="en-IN" dirty="0" smtClean="0"/>
+              <a:rPr lang="en-IN" b="1" dirty="0"/>
               <a:t>Spark: Time vs number of trees</a:t>
             </a:r>
-            <a:endParaRPr lang="en-IN" dirty="0"/>
           </a:p>
         </p:txBody>
       </p:sp>
@@ -23685,13 +23802,6 @@
   <p:clrMapOvr>
     <a:masterClrMapping/>
   </p:clrMapOvr>
-  <p:timing>
-    <p:tnLst>
-      <p:par>
-        <p:cTn id="1" dur="indefinite" restart="never" nodeType="tmRoot"/>
-      </p:par>
-    </p:tnLst>
-  </p:timing>
 </p:sld>
 </file>
 
@@ -23725,10 +23835,10 @@
           <p:cNvPr id="17" name="Group 16">
             <a:extLst>
               <a:ext uri="{FF2B5EF4-FFF2-40B4-BE49-F238E27FC236}">
-                <a16:creationId xmlns="" xmlns:a16="http://schemas.microsoft.com/office/drawing/2014/main" id="{6E52BA5B-AA1B-4543-ABE3-EA43EC5E2727}"/>
+                <a16:creationId xmlns:a16="http://schemas.microsoft.com/office/drawing/2014/main" id="{6E52BA5B-AA1B-4543-ABE3-EA43EC5E2727}"/>
               </a:ext>
               <a:ext uri="{C183D7F6-B498-43B3-948B-1728B52AA6E4}">
-                <adec:decorative xmlns="" xmlns:adec="http://schemas.microsoft.com/office/drawing/2017/decorative" val="1"/>
+                <adec:decorative xmlns:adec="http://schemas.microsoft.com/office/drawing/2017/decorative" val="1"/>
               </a:ext>
             </a:extLst>
           </p:cNvPr>
@@ -23738,7 +23848,7 @@
           <p:nvPr>
             <p:extLst>
               <p:ext uri="{386F3935-93C4-4BCD-93E2-E3B085C9AB24}">
-                <p16:designElem xmlns="" xmlns:p16="http://schemas.microsoft.com/office/powerpoint/2015/main" val="1"/>
+                <p16:designElem xmlns:p16="http://schemas.microsoft.com/office/powerpoint/2015/main" val="1"/>
               </p:ext>
             </p:extLst>
           </p:nvPr>
@@ -23756,10 +23866,10 @@
             <p:cNvPr id="18" name="Rectangle 17">
               <a:extLst>
                 <a:ext uri="{FF2B5EF4-FFF2-40B4-BE49-F238E27FC236}">
-                  <a16:creationId xmlns="" xmlns:a16="http://schemas.microsoft.com/office/drawing/2014/main" id="{906331F9-7C9F-4BB2-87F8-B8727CC2C026}"/>
+                  <a16:creationId xmlns:a16="http://schemas.microsoft.com/office/drawing/2014/main" id="{906331F9-7C9F-4BB2-87F8-B8727CC2C026}"/>
                 </a:ext>
                 <a:ext uri="{C183D7F6-B498-43B3-948B-1728B52AA6E4}">
-                  <adec:decorative xmlns="" xmlns:adec="http://schemas.microsoft.com/office/drawing/2017/decorative" val="1"/>
+                  <adec:decorative xmlns:adec="http://schemas.microsoft.com/office/drawing/2017/decorative" val="1"/>
                 </a:ext>
               </a:extLst>
             </p:cNvPr>
@@ -23767,7 +23877,7 @@
             <p:nvPr>
               <p:extLst>
                 <p:ext uri="{386F3935-93C4-4BCD-93E2-E3B085C9AB24}">
-                  <p16:designElem xmlns="" xmlns:p16="http://schemas.microsoft.com/office/powerpoint/2015/main" val="1"/>
+                  <p16:designElem xmlns:p16="http://schemas.microsoft.com/office/powerpoint/2015/main" val="1"/>
                 </p:ext>
               </p:extLst>
             </p:nvPr>
@@ -23826,10 +23936,10 @@
             <p:cNvPr id="19" name="Oval 18">
               <a:extLst>
                 <a:ext uri="{FF2B5EF4-FFF2-40B4-BE49-F238E27FC236}">
-                  <a16:creationId xmlns="" xmlns:a16="http://schemas.microsoft.com/office/drawing/2014/main" id="{5AC079BA-21C7-4385-BA61-21D4DFD4E21E}"/>
+                  <a16:creationId xmlns:a16="http://schemas.microsoft.com/office/drawing/2014/main" id="{5AC079BA-21C7-4385-BA61-21D4DFD4E21E}"/>
                 </a:ext>
                 <a:ext uri="{C183D7F6-B498-43B3-948B-1728B52AA6E4}">
-                  <adec:decorative xmlns="" xmlns:adec="http://schemas.microsoft.com/office/drawing/2017/decorative" val="1"/>
+                  <adec:decorative xmlns:adec="http://schemas.microsoft.com/office/drawing/2017/decorative" val="1"/>
                 </a:ext>
               </a:extLst>
             </p:cNvPr>
@@ -23837,7 +23947,7 @@
             <p:nvPr>
               <p:extLst>
                 <p:ext uri="{386F3935-93C4-4BCD-93E2-E3B085C9AB24}">
-                  <p16:designElem xmlns="" xmlns:p16="http://schemas.microsoft.com/office/powerpoint/2015/main" val="1"/>
+                  <p16:designElem xmlns:p16="http://schemas.microsoft.com/office/powerpoint/2015/main" val="1"/>
                 </p:ext>
               </p:extLst>
             </p:nvPr>
@@ -23898,10 +24008,10 @@
             <p:cNvPr id="20" name="Oval 19">
               <a:extLst>
                 <a:ext uri="{FF2B5EF4-FFF2-40B4-BE49-F238E27FC236}">
-                  <a16:creationId xmlns="" xmlns:a16="http://schemas.microsoft.com/office/drawing/2014/main" id="{F4AFE3EB-B128-42BB-90AC-64DBB5199B9F}"/>
+                  <a16:creationId xmlns:a16="http://schemas.microsoft.com/office/drawing/2014/main" id="{F4AFE3EB-B128-42BB-90AC-64DBB5199B9F}"/>
                 </a:ext>
                 <a:ext uri="{C183D7F6-B498-43B3-948B-1728B52AA6E4}">
-                  <adec:decorative xmlns="" xmlns:adec="http://schemas.microsoft.com/office/drawing/2017/decorative" val="1"/>
+                  <adec:decorative xmlns:adec="http://schemas.microsoft.com/office/drawing/2017/decorative" val="1"/>
                 </a:ext>
               </a:extLst>
             </p:cNvPr>
@@ -23909,7 +24019,7 @@
             <p:nvPr>
               <p:extLst>
                 <p:ext uri="{386F3935-93C4-4BCD-93E2-E3B085C9AB24}">
-                  <p16:designElem xmlns="" xmlns:p16="http://schemas.microsoft.com/office/powerpoint/2015/main" val="1"/>
+                  <p16:designElem xmlns:p16="http://schemas.microsoft.com/office/powerpoint/2015/main" val="1"/>
                 </p:ext>
               </p:extLst>
             </p:nvPr>
@@ -23970,10 +24080,10 @@
             <p:cNvPr id="21" name="Rectangle 20">
               <a:extLst>
                 <a:ext uri="{FF2B5EF4-FFF2-40B4-BE49-F238E27FC236}">
-                  <a16:creationId xmlns="" xmlns:a16="http://schemas.microsoft.com/office/drawing/2014/main" id="{AB9CBD2C-B434-414D-8894-82CAABD6B192}"/>
+                  <a16:creationId xmlns:a16="http://schemas.microsoft.com/office/drawing/2014/main" id="{AB9CBD2C-B434-414D-8894-82CAABD6B192}"/>
                 </a:ext>
                 <a:ext uri="{C183D7F6-B498-43B3-948B-1728B52AA6E4}">
-                  <adec:decorative xmlns="" xmlns:adec="http://schemas.microsoft.com/office/drawing/2017/decorative" val="1"/>
+                  <adec:decorative xmlns:adec="http://schemas.microsoft.com/office/drawing/2017/decorative" val="1"/>
                 </a:ext>
               </a:extLst>
             </p:cNvPr>
@@ -23981,7 +24091,7 @@
             <p:nvPr>
               <p:extLst>
                 <p:ext uri="{386F3935-93C4-4BCD-93E2-E3B085C9AB24}">
-                  <p16:designElem xmlns="" xmlns:p16="http://schemas.microsoft.com/office/powerpoint/2015/main" val="1"/>
+                  <p16:designElem xmlns:p16="http://schemas.microsoft.com/office/powerpoint/2015/main" val="1"/>
                 </p:ext>
               </p:extLst>
             </p:nvPr>
@@ -24022,10 +24132,10 @@
             <p:cNvPr id="22" name="Freeform 5">
               <a:extLst>
                 <a:ext uri="{FF2B5EF4-FFF2-40B4-BE49-F238E27FC236}">
-                  <a16:creationId xmlns="" xmlns:a16="http://schemas.microsoft.com/office/drawing/2014/main" id="{760E064B-C2F2-4237-8792-5F01F0F4C430}"/>
+                  <a16:creationId xmlns:a16="http://schemas.microsoft.com/office/drawing/2014/main" id="{760E064B-C2F2-4237-8792-5F01F0F4C430}"/>
                 </a:ext>
                 <a:ext uri="{C183D7F6-B498-43B3-948B-1728B52AA6E4}">
-                  <adec:decorative xmlns="" xmlns:adec="http://schemas.microsoft.com/office/drawing/2017/decorative" val="1"/>
+                  <adec:decorative xmlns:adec="http://schemas.microsoft.com/office/drawing/2017/decorative" val="1"/>
                 </a:ext>
               </a:extLst>
             </p:cNvPr>
@@ -24033,7 +24143,7 @@
             <p:nvPr>
               <p:extLst>
                 <p:ext uri="{386F3935-93C4-4BCD-93E2-E3B085C9AB24}">
-                  <p16:designElem xmlns="" xmlns:p16="http://schemas.microsoft.com/office/powerpoint/2015/main" val="1"/>
+                  <p16:designElem xmlns:p16="http://schemas.microsoft.com/office/powerpoint/2015/main" val="1"/>
                 </p:ext>
               </p:extLst>
             </p:nvPr>
@@ -24184,10 +24294,10 @@
             <p:cNvPr id="23" name="Freeform 5">
               <a:extLst>
                 <a:ext uri="{FF2B5EF4-FFF2-40B4-BE49-F238E27FC236}">
-                  <a16:creationId xmlns="" xmlns:a16="http://schemas.microsoft.com/office/drawing/2014/main" id="{83A28ABB-C07A-4791-9B5C-73BFC678FA8C}"/>
+                  <a16:creationId xmlns:a16="http://schemas.microsoft.com/office/drawing/2014/main" id="{83A28ABB-C07A-4791-9B5C-73BFC678FA8C}"/>
                 </a:ext>
                 <a:ext uri="{C183D7F6-B498-43B3-948B-1728B52AA6E4}">
-                  <adec:decorative xmlns="" xmlns:adec="http://schemas.microsoft.com/office/drawing/2017/decorative" val="1"/>
+                  <adec:decorative xmlns:adec="http://schemas.microsoft.com/office/drawing/2017/decorative" val="1"/>
                 </a:ext>
               </a:extLst>
             </p:cNvPr>
@@ -24195,7 +24305,7 @@
             <p:nvPr>
               <p:extLst>
                 <p:ext uri="{386F3935-93C4-4BCD-93E2-E3B085C9AB24}">
-                  <p16:designElem xmlns="" xmlns:p16="http://schemas.microsoft.com/office/powerpoint/2015/main" val="1"/>
+                  <p16:designElem xmlns:p16="http://schemas.microsoft.com/office/powerpoint/2015/main" val="1"/>
                 </p:ext>
               </p:extLst>
             </p:nvPr>
@@ -24383,10 +24493,10 @@
             <p:cNvPr id="24" name="Freeform 5">
               <a:extLst>
                 <a:ext uri="{FF2B5EF4-FFF2-40B4-BE49-F238E27FC236}">
-                  <a16:creationId xmlns="" xmlns:a16="http://schemas.microsoft.com/office/drawing/2014/main" id="{F094C3D3-17E7-4BCC-B786-4B3BDD25E410}"/>
+                  <a16:creationId xmlns:a16="http://schemas.microsoft.com/office/drawing/2014/main" id="{F094C3D3-17E7-4BCC-B786-4B3BDD25E410}"/>
                 </a:ext>
                 <a:ext uri="{C183D7F6-B498-43B3-948B-1728B52AA6E4}">
-                  <adec:decorative xmlns="" xmlns:adec="http://schemas.microsoft.com/office/drawing/2017/decorative" val="1"/>
+                  <adec:decorative xmlns:adec="http://schemas.microsoft.com/office/drawing/2017/decorative" val="1"/>
                 </a:ext>
               </a:extLst>
             </p:cNvPr>
@@ -24396,7 +24506,7 @@
             <p:nvPr>
               <p:extLst>
                 <p:ext uri="{386F3935-93C4-4BCD-93E2-E3B085C9AB24}">
-                  <p16:designElem xmlns="" xmlns:p16="http://schemas.microsoft.com/office/powerpoint/2015/main" val="1"/>
+                  <p16:designElem xmlns:p16="http://schemas.microsoft.com/office/powerpoint/2015/main" val="1"/>
                 </p:ext>
               </p:extLst>
             </p:nvPr>
@@ -24463,7 +24573,7 @@
           <p:cNvPr id="2" name="Title 1">
             <a:extLst>
               <a:ext uri="{FF2B5EF4-FFF2-40B4-BE49-F238E27FC236}">
-                <a16:creationId xmlns="" xmlns:a16="http://schemas.microsoft.com/office/drawing/2014/main" id="{ACC9D959-0F06-8342-B64A-AFB47C401476}"/>
+                <a16:creationId xmlns:a16="http://schemas.microsoft.com/office/drawing/2014/main" id="{ACC9D959-0F06-8342-B64A-AFB47C401476}"/>
               </a:ext>
             </a:extLst>
           </p:cNvPr>
@@ -24502,7 +24612,7 @@
           <p:cNvPr id="14" name="Content Placeholder 13">
             <a:extLst>
               <a:ext uri="{FF2B5EF4-FFF2-40B4-BE49-F238E27FC236}">
-                <a16:creationId xmlns="" xmlns:a16="http://schemas.microsoft.com/office/drawing/2014/main" id="{A92D44FC-19FB-4C79-BD6D-414776E3E161}"/>
+                <a16:creationId xmlns:a16="http://schemas.microsoft.com/office/drawing/2014/main" id="{A92D44FC-19FB-4C79-BD6D-414776E3E161}"/>
               </a:ext>
             </a:extLst>
           </p:cNvPr>
@@ -24605,7 +24715,7 @@
           <p:cNvPr id="12" name="Content Placeholder 4">
             <a:extLst>
               <a:ext uri="{FF2B5EF4-FFF2-40B4-BE49-F238E27FC236}">
-                <a16:creationId xmlns="" xmlns:a16="http://schemas.microsoft.com/office/drawing/2014/main" id="{59E3B0B4-CEFA-7542-A3D9-5D80D2E2E8CA}"/>
+                <a16:creationId xmlns:a16="http://schemas.microsoft.com/office/drawing/2014/main" id="{59E3B0B4-CEFA-7542-A3D9-5D80D2E2E8CA}"/>
               </a:ext>
             </a:extLst>
           </p:cNvPr>
@@ -24635,7 +24745,7 @@
           <p:cNvPr id="7" name="Picture 6">
             <a:extLst>
               <a:ext uri="{FF2B5EF4-FFF2-40B4-BE49-F238E27FC236}">
-                <a16:creationId xmlns="" xmlns:a16="http://schemas.microsoft.com/office/drawing/2014/main" id="{DC81DE6D-7309-8440-8D57-7F7B7857F992}"/>
+                <a16:creationId xmlns:a16="http://schemas.microsoft.com/office/drawing/2014/main" id="{DC81DE6D-7309-8440-8D57-7F7B7857F992}"/>
               </a:ext>
             </a:extLst>
           </p:cNvPr>
@@ -24665,10 +24775,10 @@
           <p:cNvPr id="26" name="Rectangle 25">
             <a:extLst>
               <a:ext uri="{FF2B5EF4-FFF2-40B4-BE49-F238E27FC236}">
-                <a16:creationId xmlns="" xmlns:a16="http://schemas.microsoft.com/office/drawing/2014/main" id="{BC650D5C-009B-4021-82BD-1E28BFF450FA}"/>
+                <a16:creationId xmlns:a16="http://schemas.microsoft.com/office/drawing/2014/main" id="{BC650D5C-009B-4021-82BD-1E28BFF450FA}"/>
               </a:ext>
               <a:ext uri="{C183D7F6-B498-43B3-948B-1728B52AA6E4}">
-                <adec:decorative xmlns="" xmlns:adec="http://schemas.microsoft.com/office/drawing/2017/decorative" val="1"/>
+                <adec:decorative xmlns:adec="http://schemas.microsoft.com/office/drawing/2017/decorative" val="1"/>
               </a:ext>
             </a:extLst>
           </p:cNvPr>
@@ -24678,7 +24788,7 @@
           <p:nvPr>
             <p:extLst>
               <p:ext uri="{386F3935-93C4-4BCD-93E2-E3B085C9AB24}">
-                <p16:designElem xmlns="" xmlns:p16="http://schemas.microsoft.com/office/powerpoint/2015/main" val="1"/>
+                <p16:designElem xmlns:p16="http://schemas.microsoft.com/office/powerpoint/2015/main" val="1"/>
               </p:ext>
             </p:extLst>
           </p:nvPr>
@@ -24718,7 +24828,7 @@
           <p:cNvPr id="9" name="Picture 8">
             <a:extLst>
               <a:ext uri="{FF2B5EF4-FFF2-40B4-BE49-F238E27FC236}">
-                <a16:creationId xmlns="" xmlns:a16="http://schemas.microsoft.com/office/drawing/2014/main" id="{4EEBD825-BD2D-4542-85F2-9C7886D099D7}"/>
+                <a16:creationId xmlns:a16="http://schemas.microsoft.com/office/drawing/2014/main" id="{4EEBD825-BD2D-4542-85F2-9C7886D099D7}"/>
               </a:ext>
             </a:extLst>
           </p:cNvPr>
@@ -24753,13 +24863,6 @@
   <p:clrMapOvr>
     <a:masterClrMapping/>
   </p:clrMapOvr>
-  <p:timing>
-    <p:tnLst>
-      <p:par>
-        <p:cTn id="1" dur="indefinite" restart="never" nodeType="tmRoot"/>
-      </p:par>
-    </p:tnLst>
-  </p:timing>
 </p:sld>
 </file>
 
